--- a/IMGD-2900/A10/presentation.pptx
+++ b/IMGD-2900/A10/presentation.pptx
@@ -6,8 +6,18 @@
   </p:sldMasterIdLst>
   <p:sldIdLst>
     <p:sldId id="256" r:id="rId2"/>
+    <p:sldId id="257" r:id="rId3"/>
+    <p:sldId id="258" r:id="rId4"/>
+    <p:sldId id="259" r:id="rId5"/>
+    <p:sldId id="260" r:id="rId6"/>
+    <p:sldId id="261" r:id="rId7"/>
+    <p:sldId id="262" r:id="rId8"/>
+    <p:sldId id="264" r:id="rId9"/>
+    <p:sldId id="263" r:id="rId10"/>
+    <p:sldId id="265" r:id="rId11"/>
+    <p:sldId id="266" r:id="rId12"/>
   </p:sldIdLst>
-  <p:sldSz cx="9144000" cy="5143500" type="screen16x9"/>
+  <p:sldSz cx="12192000" cy="6858000"/>
   <p:notesSz cx="6858000" cy="9144000"/>
   <p:defaultTextStyle>
     <a:defPPr>
@@ -104,6 +114,11 @@
       </a:defRPr>
     </a:lvl9pPr>
   </p:defaultTextStyle>
+  <p:extLst>
+    <p:ext uri="{EFAFB233-063F-42B5-8137-9DF3F51BA10A}">
+      <p15:sldGuideLst xmlns:p15="http://schemas.microsoft.com/office/powerpoint/2012/main"/>
+    </p:ext>
+  </p:extLst>
 </p:presentation>
 </file>
 
@@ -126,7 +141,13 @@
       </p:grpSpPr>
       <p:sp>
         <p:nvSpPr>
-          <p:cNvPr id="2" name="Title 1"/>
+          <p:cNvPr id="2" name="Title 1">
+            <a:extLst>
+              <a:ext uri="{FF2B5EF4-FFF2-40B4-BE49-F238E27FC236}">
+                <a16:creationId xmlns:a16="http://schemas.microsoft.com/office/drawing/2014/main" id="{6DEBE2D7-8ABA-49A9-9CA3-FD2587581503}"/>
+              </a:ext>
+            </a:extLst>
+          </p:cNvPr>
           <p:cNvSpPr>
             <a:spLocks noGrp="1"/>
           </p:cNvSpPr>
@@ -136,25 +157,34 @@
         </p:nvSpPr>
         <p:spPr>
           <a:xfrm>
-            <a:off x="685800" y="1597819"/>
-            <a:ext cx="7772400" cy="1102519"/>
-          </a:xfrm>
-        </p:spPr>
-        <p:txBody>
-          <a:bodyPr/>
-          <a:lstStyle/>
-          <a:p>
-            <a:r>
-              <a:rPr lang="en-US" smtClean="0"/>
+            <a:off x="1524000" y="1122363"/>
+            <a:ext cx="9144000" cy="2387600"/>
+          </a:xfrm>
+        </p:spPr>
+        <p:txBody>
+          <a:bodyPr anchor="b"/>
+          <a:lstStyle>
+            <a:lvl1pPr algn="ctr">
+              <a:defRPr sz="6000"/>
+            </a:lvl1pPr>
+          </a:lstStyle>
+          <a:p>
+            <a:r>
+              <a:rPr lang="en-US"/>
               <a:t>Click to edit Master title style</a:t>
             </a:r>
-            <a:endParaRPr lang="en-US"/>
-          </a:p>
-        </p:txBody>
-      </p:sp>
-      <p:sp>
-        <p:nvSpPr>
-          <p:cNvPr id="3" name="Subtitle 2"/>
+          </a:p>
+        </p:txBody>
+      </p:sp>
+      <p:sp>
+        <p:nvSpPr>
+          <p:cNvPr id="3" name="Subtitle 2">
+            <a:extLst>
+              <a:ext uri="{FF2B5EF4-FFF2-40B4-BE49-F238E27FC236}">
+                <a16:creationId xmlns:a16="http://schemas.microsoft.com/office/drawing/2014/main" id="{B4745A36-5D81-4B4C-8814-938EBCE92268}"/>
+              </a:ext>
+            </a:extLst>
+          </p:cNvPr>
           <p:cNvSpPr>
             <a:spLocks noGrp="1"/>
           </p:cNvSpPr>
@@ -164,8 +194,8 @@
         </p:nvSpPr>
         <p:spPr>
           <a:xfrm>
-            <a:off x="1371600" y="2914650"/>
-            <a:ext cx="6400800" cy="1314450"/>
+            <a:off x="1524000" y="3602038"/>
+            <a:ext cx="9144000" cy="1655762"/>
           </a:xfrm>
         </p:spPr>
         <p:txBody>
@@ -173,122 +203,73 @@
           <a:lstStyle>
             <a:lvl1pPr marL="0" indent="0" algn="ctr">
               <a:buNone/>
-              <a:defRPr>
-                <a:solidFill>
-                  <a:schemeClr val="tx1">
-                    <a:tint val="75000"/>
-                  </a:schemeClr>
-                </a:solidFill>
-              </a:defRPr>
+              <a:defRPr sz="2400"/>
             </a:lvl1pPr>
             <a:lvl2pPr marL="457200" indent="0" algn="ctr">
               <a:buNone/>
-              <a:defRPr>
-                <a:solidFill>
-                  <a:schemeClr val="tx1">
-                    <a:tint val="75000"/>
-                  </a:schemeClr>
-                </a:solidFill>
-              </a:defRPr>
+              <a:defRPr sz="2000"/>
             </a:lvl2pPr>
             <a:lvl3pPr marL="914400" indent="0" algn="ctr">
               <a:buNone/>
-              <a:defRPr>
-                <a:solidFill>
-                  <a:schemeClr val="tx1">
-                    <a:tint val="75000"/>
-                  </a:schemeClr>
-                </a:solidFill>
-              </a:defRPr>
+              <a:defRPr sz="1800"/>
             </a:lvl3pPr>
             <a:lvl4pPr marL="1371600" indent="0" algn="ctr">
               <a:buNone/>
-              <a:defRPr>
-                <a:solidFill>
-                  <a:schemeClr val="tx1">
-                    <a:tint val="75000"/>
-                  </a:schemeClr>
-                </a:solidFill>
-              </a:defRPr>
+              <a:defRPr sz="1600"/>
             </a:lvl4pPr>
             <a:lvl5pPr marL="1828800" indent="0" algn="ctr">
               <a:buNone/>
-              <a:defRPr>
-                <a:solidFill>
-                  <a:schemeClr val="tx1">
-                    <a:tint val="75000"/>
-                  </a:schemeClr>
-                </a:solidFill>
-              </a:defRPr>
+              <a:defRPr sz="1600"/>
             </a:lvl5pPr>
             <a:lvl6pPr marL="2286000" indent="0" algn="ctr">
               <a:buNone/>
-              <a:defRPr>
-                <a:solidFill>
-                  <a:schemeClr val="tx1">
-                    <a:tint val="75000"/>
-                  </a:schemeClr>
-                </a:solidFill>
-              </a:defRPr>
+              <a:defRPr sz="1600"/>
             </a:lvl6pPr>
             <a:lvl7pPr marL="2743200" indent="0" algn="ctr">
               <a:buNone/>
-              <a:defRPr>
-                <a:solidFill>
-                  <a:schemeClr val="tx1">
-                    <a:tint val="75000"/>
-                  </a:schemeClr>
-                </a:solidFill>
-              </a:defRPr>
+              <a:defRPr sz="1600"/>
             </a:lvl7pPr>
             <a:lvl8pPr marL="3200400" indent="0" algn="ctr">
               <a:buNone/>
-              <a:defRPr>
-                <a:solidFill>
-                  <a:schemeClr val="tx1">
-                    <a:tint val="75000"/>
-                  </a:schemeClr>
-                </a:solidFill>
-              </a:defRPr>
+              <a:defRPr sz="1600"/>
             </a:lvl8pPr>
             <a:lvl9pPr marL="3657600" indent="0" algn="ctr">
               <a:buNone/>
-              <a:defRPr>
-                <a:solidFill>
-                  <a:schemeClr val="tx1">
-                    <a:tint val="75000"/>
-                  </a:schemeClr>
-                </a:solidFill>
-              </a:defRPr>
+              <a:defRPr sz="1600"/>
             </a:lvl9pPr>
           </a:lstStyle>
           <a:p>
             <a:r>
+              <a:rPr lang="en-US"/>
+              <a:t>Click to edit Master subtitle style</a:t>
+            </a:r>
+          </a:p>
+        </p:txBody>
+      </p:sp>
+      <p:sp>
+        <p:nvSpPr>
+          <p:cNvPr id="4" name="Date Placeholder 3">
+            <a:extLst>
+              <a:ext uri="{FF2B5EF4-FFF2-40B4-BE49-F238E27FC236}">
+                <a16:creationId xmlns:a16="http://schemas.microsoft.com/office/drawing/2014/main" id="{43E7778A-4278-4AB3-B13E-CF0623E4FE45}"/>
+              </a:ext>
+            </a:extLst>
+          </p:cNvPr>
+          <p:cNvSpPr>
+            <a:spLocks noGrp="1"/>
+          </p:cNvSpPr>
+          <p:nvPr>
+            <p:ph type="dt" sz="half" idx="10"/>
+          </p:nvPr>
+        </p:nvSpPr>
+        <p:spPr/>
+        <p:txBody>
+          <a:bodyPr/>
+          <a:lstStyle/>
+          <a:p>
+            <a:fld id="{CE10518F-ED71-42B7-A7C7-0C7521D5B6CE}" type="datetimeFigureOut">
               <a:rPr lang="en-US" smtClean="0"/>
-              <a:t>Click to edit Master subtitle style</a:t>
-            </a:r>
-            <a:endParaRPr lang="en-US"/>
-          </a:p>
-        </p:txBody>
-      </p:sp>
-      <p:sp>
-        <p:nvSpPr>
-          <p:cNvPr id="4" name="Date Placeholder 3"/>
-          <p:cNvSpPr>
-            <a:spLocks noGrp="1"/>
-          </p:cNvSpPr>
-          <p:nvPr>
-            <p:ph type="dt" sz="half" idx="10"/>
-          </p:nvPr>
-        </p:nvSpPr>
-        <p:spPr/>
-        <p:txBody>
-          <a:bodyPr/>
-          <a:lstStyle/>
-          <a:p>
-            <a:fld id="{C9A72ECC-C4E6-43CF-A8B7-AA3E2120E49E}" type="datetimeFigureOut">
-              <a:rPr lang="en-US" smtClean="0"/>
-              <a:t>1/8/2019</a:t>
+              <a:t>5/11/2020</a:t>
             </a:fld>
             <a:endParaRPr lang="en-US"/>
           </a:p>
@@ -296,7 +277,13 @@
       </p:sp>
       <p:sp>
         <p:nvSpPr>
-          <p:cNvPr id="5" name="Footer Placeholder 4"/>
+          <p:cNvPr id="5" name="Footer Placeholder 4">
+            <a:extLst>
+              <a:ext uri="{FF2B5EF4-FFF2-40B4-BE49-F238E27FC236}">
+                <a16:creationId xmlns:a16="http://schemas.microsoft.com/office/drawing/2014/main" id="{28B3AA3E-10CF-4CE8-A9D9-F297CB2FAA8B}"/>
+              </a:ext>
+            </a:extLst>
+          </p:cNvPr>
           <p:cNvSpPr>
             <a:spLocks noGrp="1"/>
           </p:cNvSpPr>
@@ -315,7 +302,13 @@
       </p:sp>
       <p:sp>
         <p:nvSpPr>
-          <p:cNvPr id="6" name="Slide Number Placeholder 5"/>
+          <p:cNvPr id="6" name="Slide Number Placeholder 5">
+            <a:extLst>
+              <a:ext uri="{FF2B5EF4-FFF2-40B4-BE49-F238E27FC236}">
+                <a16:creationId xmlns:a16="http://schemas.microsoft.com/office/drawing/2014/main" id="{F749F833-FC5B-4F8E-87A1-11714F029B09}"/>
+              </a:ext>
+            </a:extLst>
+          </p:cNvPr>
           <p:cNvSpPr>
             <a:spLocks noGrp="1"/>
           </p:cNvSpPr>
@@ -328,7 +321,7 @@
           <a:bodyPr/>
           <a:lstStyle/>
           <a:p>
-            <a:fld id="{0B49E6E0-DE98-41EA-9E21-D83281D2FF67}" type="slidenum">
+            <a:fld id="{157C90EA-039A-424C-8E76-38A5902721AE}" type="slidenum">
               <a:rPr lang="en-US" smtClean="0"/>
               <a:t>‹#›</a:t>
             </a:fld>
@@ -339,7 +332,7 @@
     </p:spTree>
     <p:extLst>
       <p:ext uri="{BB962C8B-B14F-4D97-AF65-F5344CB8AC3E}">
-        <p14:creationId xmlns:p14="http://schemas.microsoft.com/office/powerpoint/2010/main" val="2558404347"/>
+        <p14:creationId xmlns:p14="http://schemas.microsoft.com/office/powerpoint/2010/main" val="4272178756"/>
       </p:ext>
     </p:extLst>
   </p:cSld>
@@ -368,7 +361,13 @@
       </p:grpSpPr>
       <p:sp>
         <p:nvSpPr>
-          <p:cNvPr id="2" name="Title 1"/>
+          <p:cNvPr id="2" name="Title 1">
+            <a:extLst>
+              <a:ext uri="{FF2B5EF4-FFF2-40B4-BE49-F238E27FC236}">
+                <a16:creationId xmlns:a16="http://schemas.microsoft.com/office/drawing/2014/main" id="{3C45A65F-5879-41E0-A88B-09AB7BD69A3E}"/>
+              </a:ext>
+            </a:extLst>
+          </p:cNvPr>
           <p:cNvSpPr>
             <a:spLocks noGrp="1"/>
           </p:cNvSpPr>
@@ -382,83 +381,93 @@
           <a:lstStyle/>
           <a:p>
             <a:r>
+              <a:rPr lang="en-US"/>
+              <a:t>Click to edit Master title style</a:t>
+            </a:r>
+          </a:p>
+        </p:txBody>
+      </p:sp>
+      <p:sp>
+        <p:nvSpPr>
+          <p:cNvPr id="3" name="Vertical Text Placeholder 2">
+            <a:extLst>
+              <a:ext uri="{FF2B5EF4-FFF2-40B4-BE49-F238E27FC236}">
+                <a16:creationId xmlns:a16="http://schemas.microsoft.com/office/drawing/2014/main" id="{2560C668-228B-4A88-93DB-BCF3C913A253}"/>
+              </a:ext>
+            </a:extLst>
+          </p:cNvPr>
+          <p:cNvSpPr>
+            <a:spLocks noGrp="1"/>
+          </p:cNvSpPr>
+          <p:nvPr>
+            <p:ph type="body" orient="vert" idx="1"/>
+          </p:nvPr>
+        </p:nvSpPr>
+        <p:spPr/>
+        <p:txBody>
+          <a:bodyPr vert="eaVert"/>
+          <a:lstStyle/>
+          <a:p>
+            <a:pPr lvl="0"/>
+            <a:r>
+              <a:rPr lang="en-US"/>
+              <a:t>Click to edit Master text styles</a:t>
+            </a:r>
+          </a:p>
+          <a:p>
+            <a:pPr lvl="1"/>
+            <a:r>
+              <a:rPr lang="en-US"/>
+              <a:t>Second level</a:t>
+            </a:r>
+          </a:p>
+          <a:p>
+            <a:pPr lvl="2"/>
+            <a:r>
+              <a:rPr lang="en-US"/>
+              <a:t>Third level</a:t>
+            </a:r>
+          </a:p>
+          <a:p>
+            <a:pPr lvl="3"/>
+            <a:r>
+              <a:rPr lang="en-US"/>
+              <a:t>Fourth level</a:t>
+            </a:r>
+          </a:p>
+          <a:p>
+            <a:pPr lvl="4"/>
+            <a:r>
+              <a:rPr lang="en-US"/>
+              <a:t>Fifth level</a:t>
+            </a:r>
+          </a:p>
+        </p:txBody>
+      </p:sp>
+      <p:sp>
+        <p:nvSpPr>
+          <p:cNvPr id="4" name="Date Placeholder 3">
+            <a:extLst>
+              <a:ext uri="{FF2B5EF4-FFF2-40B4-BE49-F238E27FC236}">
+                <a16:creationId xmlns:a16="http://schemas.microsoft.com/office/drawing/2014/main" id="{82668FED-CFC8-4EE5-BC5E-53C35226FF6E}"/>
+              </a:ext>
+            </a:extLst>
+          </p:cNvPr>
+          <p:cNvSpPr>
+            <a:spLocks noGrp="1"/>
+          </p:cNvSpPr>
+          <p:nvPr>
+            <p:ph type="dt" sz="half" idx="10"/>
+          </p:nvPr>
+        </p:nvSpPr>
+        <p:spPr/>
+        <p:txBody>
+          <a:bodyPr/>
+          <a:lstStyle/>
+          <a:p>
+            <a:fld id="{CE10518F-ED71-42B7-A7C7-0C7521D5B6CE}" type="datetimeFigureOut">
               <a:rPr lang="en-US" smtClean="0"/>
-              <a:t>Click to edit Master title style</a:t>
-            </a:r>
-            <a:endParaRPr lang="en-US"/>
-          </a:p>
-        </p:txBody>
-      </p:sp>
-      <p:sp>
-        <p:nvSpPr>
-          <p:cNvPr id="3" name="Vertical Text Placeholder 2"/>
-          <p:cNvSpPr>
-            <a:spLocks noGrp="1"/>
-          </p:cNvSpPr>
-          <p:nvPr>
-            <p:ph type="body" orient="vert" idx="1"/>
-          </p:nvPr>
-        </p:nvSpPr>
-        <p:spPr/>
-        <p:txBody>
-          <a:bodyPr vert="eaVert"/>
-          <a:lstStyle/>
-          <a:p>
-            <a:pPr lvl="0"/>
-            <a:r>
-              <a:rPr lang="en-US" smtClean="0"/>
-              <a:t>Click to edit Master text styles</a:t>
-            </a:r>
-          </a:p>
-          <a:p>
-            <a:pPr lvl="1"/>
-            <a:r>
-              <a:rPr lang="en-US" smtClean="0"/>
-              <a:t>Second level</a:t>
-            </a:r>
-          </a:p>
-          <a:p>
-            <a:pPr lvl="2"/>
-            <a:r>
-              <a:rPr lang="en-US" smtClean="0"/>
-              <a:t>Third level</a:t>
-            </a:r>
-          </a:p>
-          <a:p>
-            <a:pPr lvl="3"/>
-            <a:r>
-              <a:rPr lang="en-US" smtClean="0"/>
-              <a:t>Fourth level</a:t>
-            </a:r>
-          </a:p>
-          <a:p>
-            <a:pPr lvl="4"/>
-            <a:r>
-              <a:rPr lang="en-US" smtClean="0"/>
-              <a:t>Fifth level</a:t>
-            </a:r>
-            <a:endParaRPr lang="en-US"/>
-          </a:p>
-        </p:txBody>
-      </p:sp>
-      <p:sp>
-        <p:nvSpPr>
-          <p:cNvPr id="4" name="Date Placeholder 3"/>
-          <p:cNvSpPr>
-            <a:spLocks noGrp="1"/>
-          </p:cNvSpPr>
-          <p:nvPr>
-            <p:ph type="dt" sz="half" idx="10"/>
-          </p:nvPr>
-        </p:nvSpPr>
-        <p:spPr/>
-        <p:txBody>
-          <a:bodyPr/>
-          <a:lstStyle/>
-          <a:p>
-            <a:fld id="{C9A72ECC-C4E6-43CF-A8B7-AA3E2120E49E}" type="datetimeFigureOut">
-              <a:rPr lang="en-US" smtClean="0"/>
-              <a:t>1/8/2019</a:t>
+              <a:t>5/11/2020</a:t>
             </a:fld>
             <a:endParaRPr lang="en-US"/>
           </a:p>
@@ -466,7 +475,13 @@
       </p:sp>
       <p:sp>
         <p:nvSpPr>
-          <p:cNvPr id="5" name="Footer Placeholder 4"/>
+          <p:cNvPr id="5" name="Footer Placeholder 4">
+            <a:extLst>
+              <a:ext uri="{FF2B5EF4-FFF2-40B4-BE49-F238E27FC236}">
+                <a16:creationId xmlns:a16="http://schemas.microsoft.com/office/drawing/2014/main" id="{20E91882-AF3A-48A2-830D-96D87EED2904}"/>
+              </a:ext>
+            </a:extLst>
+          </p:cNvPr>
           <p:cNvSpPr>
             <a:spLocks noGrp="1"/>
           </p:cNvSpPr>
@@ -485,7 +500,13 @@
       </p:sp>
       <p:sp>
         <p:nvSpPr>
-          <p:cNvPr id="6" name="Slide Number Placeholder 5"/>
+          <p:cNvPr id="6" name="Slide Number Placeholder 5">
+            <a:extLst>
+              <a:ext uri="{FF2B5EF4-FFF2-40B4-BE49-F238E27FC236}">
+                <a16:creationId xmlns:a16="http://schemas.microsoft.com/office/drawing/2014/main" id="{CFFC7314-A0FA-46F6-8A98-C1F4EBA2CF42}"/>
+              </a:ext>
+            </a:extLst>
+          </p:cNvPr>
           <p:cNvSpPr>
             <a:spLocks noGrp="1"/>
           </p:cNvSpPr>
@@ -498,7 +519,7 @@
           <a:bodyPr/>
           <a:lstStyle/>
           <a:p>
-            <a:fld id="{0B49E6E0-DE98-41EA-9E21-D83281D2FF67}" type="slidenum">
+            <a:fld id="{157C90EA-039A-424C-8E76-38A5902721AE}" type="slidenum">
               <a:rPr lang="en-US" smtClean="0"/>
               <a:t>‹#›</a:t>
             </a:fld>
@@ -509,7 +530,7 @@
     </p:spTree>
     <p:extLst>
       <p:ext uri="{BB962C8B-B14F-4D97-AF65-F5344CB8AC3E}">
-        <p14:creationId xmlns:p14="http://schemas.microsoft.com/office/powerpoint/2010/main" val="3950410865"/>
+        <p14:creationId xmlns:p14="http://schemas.microsoft.com/office/powerpoint/2010/main" val="2135800997"/>
       </p:ext>
     </p:extLst>
   </p:cSld>
@@ -538,7 +559,13 @@
       </p:grpSpPr>
       <p:sp>
         <p:nvSpPr>
-          <p:cNvPr id="2" name="Vertical Title 1"/>
+          <p:cNvPr id="2" name="Vertical Title 1">
+            <a:extLst>
+              <a:ext uri="{FF2B5EF4-FFF2-40B4-BE49-F238E27FC236}">
+                <a16:creationId xmlns:a16="http://schemas.microsoft.com/office/drawing/2014/main" id="{ADA9D65D-757E-4B71-A217-DC4812AA3EB9}"/>
+              </a:ext>
+            </a:extLst>
+          </p:cNvPr>
           <p:cNvSpPr>
             <a:spLocks noGrp="1"/>
           </p:cNvSpPr>
@@ -548,8 +575,8 @@
         </p:nvSpPr>
         <p:spPr>
           <a:xfrm>
-            <a:off x="6629400" y="154781"/>
-            <a:ext cx="2057400" cy="3290888"/>
+            <a:off x="8724900" y="365125"/>
+            <a:ext cx="2628900" cy="5811838"/>
           </a:xfrm>
         </p:spPr>
         <p:txBody>
@@ -557,88 +584,98 @@
           <a:lstStyle/>
           <a:p>
             <a:r>
+              <a:rPr lang="en-US"/>
+              <a:t>Click to edit Master title style</a:t>
+            </a:r>
+          </a:p>
+        </p:txBody>
+      </p:sp>
+      <p:sp>
+        <p:nvSpPr>
+          <p:cNvPr id="3" name="Vertical Text Placeholder 2">
+            <a:extLst>
+              <a:ext uri="{FF2B5EF4-FFF2-40B4-BE49-F238E27FC236}">
+                <a16:creationId xmlns:a16="http://schemas.microsoft.com/office/drawing/2014/main" id="{18FD5A8E-8A7C-40AF-91C8-AB0CB94FAD1A}"/>
+              </a:ext>
+            </a:extLst>
+          </p:cNvPr>
+          <p:cNvSpPr>
+            <a:spLocks noGrp="1"/>
+          </p:cNvSpPr>
+          <p:nvPr>
+            <p:ph type="body" orient="vert" idx="1"/>
+          </p:nvPr>
+        </p:nvSpPr>
+        <p:spPr>
+          <a:xfrm>
+            <a:off x="838200" y="365125"/>
+            <a:ext cx="7734300" cy="5811838"/>
+          </a:xfrm>
+        </p:spPr>
+        <p:txBody>
+          <a:bodyPr vert="eaVert"/>
+          <a:lstStyle/>
+          <a:p>
+            <a:pPr lvl="0"/>
+            <a:r>
+              <a:rPr lang="en-US"/>
+              <a:t>Click to edit Master text styles</a:t>
+            </a:r>
+          </a:p>
+          <a:p>
+            <a:pPr lvl="1"/>
+            <a:r>
+              <a:rPr lang="en-US"/>
+              <a:t>Second level</a:t>
+            </a:r>
+          </a:p>
+          <a:p>
+            <a:pPr lvl="2"/>
+            <a:r>
+              <a:rPr lang="en-US"/>
+              <a:t>Third level</a:t>
+            </a:r>
+          </a:p>
+          <a:p>
+            <a:pPr lvl="3"/>
+            <a:r>
+              <a:rPr lang="en-US"/>
+              <a:t>Fourth level</a:t>
+            </a:r>
+          </a:p>
+          <a:p>
+            <a:pPr lvl="4"/>
+            <a:r>
+              <a:rPr lang="en-US"/>
+              <a:t>Fifth level</a:t>
+            </a:r>
+          </a:p>
+        </p:txBody>
+      </p:sp>
+      <p:sp>
+        <p:nvSpPr>
+          <p:cNvPr id="4" name="Date Placeholder 3">
+            <a:extLst>
+              <a:ext uri="{FF2B5EF4-FFF2-40B4-BE49-F238E27FC236}">
+                <a16:creationId xmlns:a16="http://schemas.microsoft.com/office/drawing/2014/main" id="{243171F4-EB2E-400E-A67E-7B205C8C1E30}"/>
+              </a:ext>
+            </a:extLst>
+          </p:cNvPr>
+          <p:cNvSpPr>
+            <a:spLocks noGrp="1"/>
+          </p:cNvSpPr>
+          <p:nvPr>
+            <p:ph type="dt" sz="half" idx="10"/>
+          </p:nvPr>
+        </p:nvSpPr>
+        <p:spPr/>
+        <p:txBody>
+          <a:bodyPr/>
+          <a:lstStyle/>
+          <a:p>
+            <a:fld id="{CE10518F-ED71-42B7-A7C7-0C7521D5B6CE}" type="datetimeFigureOut">
               <a:rPr lang="en-US" smtClean="0"/>
-              <a:t>Click to edit Master title style</a:t>
-            </a:r>
-            <a:endParaRPr lang="en-US"/>
-          </a:p>
-        </p:txBody>
-      </p:sp>
-      <p:sp>
-        <p:nvSpPr>
-          <p:cNvPr id="3" name="Vertical Text Placeholder 2"/>
-          <p:cNvSpPr>
-            <a:spLocks noGrp="1"/>
-          </p:cNvSpPr>
-          <p:nvPr>
-            <p:ph type="body" orient="vert" idx="1"/>
-          </p:nvPr>
-        </p:nvSpPr>
-        <p:spPr>
-          <a:xfrm>
-            <a:off x="457200" y="154781"/>
-            <a:ext cx="6019800" cy="3290888"/>
-          </a:xfrm>
-        </p:spPr>
-        <p:txBody>
-          <a:bodyPr vert="eaVert"/>
-          <a:lstStyle/>
-          <a:p>
-            <a:pPr lvl="0"/>
-            <a:r>
-              <a:rPr lang="en-US" smtClean="0"/>
-              <a:t>Click to edit Master text styles</a:t>
-            </a:r>
-          </a:p>
-          <a:p>
-            <a:pPr lvl="1"/>
-            <a:r>
-              <a:rPr lang="en-US" smtClean="0"/>
-              <a:t>Second level</a:t>
-            </a:r>
-          </a:p>
-          <a:p>
-            <a:pPr lvl="2"/>
-            <a:r>
-              <a:rPr lang="en-US" smtClean="0"/>
-              <a:t>Third level</a:t>
-            </a:r>
-          </a:p>
-          <a:p>
-            <a:pPr lvl="3"/>
-            <a:r>
-              <a:rPr lang="en-US" smtClean="0"/>
-              <a:t>Fourth level</a:t>
-            </a:r>
-          </a:p>
-          <a:p>
-            <a:pPr lvl="4"/>
-            <a:r>
-              <a:rPr lang="en-US" smtClean="0"/>
-              <a:t>Fifth level</a:t>
-            </a:r>
-            <a:endParaRPr lang="en-US"/>
-          </a:p>
-        </p:txBody>
-      </p:sp>
-      <p:sp>
-        <p:nvSpPr>
-          <p:cNvPr id="4" name="Date Placeholder 3"/>
-          <p:cNvSpPr>
-            <a:spLocks noGrp="1"/>
-          </p:cNvSpPr>
-          <p:nvPr>
-            <p:ph type="dt" sz="half" idx="10"/>
-          </p:nvPr>
-        </p:nvSpPr>
-        <p:spPr/>
-        <p:txBody>
-          <a:bodyPr/>
-          <a:lstStyle/>
-          <a:p>
-            <a:fld id="{C9A72ECC-C4E6-43CF-A8B7-AA3E2120E49E}" type="datetimeFigureOut">
-              <a:rPr lang="en-US" smtClean="0"/>
-              <a:t>1/8/2019</a:t>
+              <a:t>5/11/2020</a:t>
             </a:fld>
             <a:endParaRPr lang="en-US"/>
           </a:p>
@@ -646,7 +683,13 @@
       </p:sp>
       <p:sp>
         <p:nvSpPr>
-          <p:cNvPr id="5" name="Footer Placeholder 4"/>
+          <p:cNvPr id="5" name="Footer Placeholder 4">
+            <a:extLst>
+              <a:ext uri="{FF2B5EF4-FFF2-40B4-BE49-F238E27FC236}">
+                <a16:creationId xmlns:a16="http://schemas.microsoft.com/office/drawing/2014/main" id="{72EE35AA-371B-44FD-9A8F-3A1F776CE761}"/>
+              </a:ext>
+            </a:extLst>
+          </p:cNvPr>
           <p:cNvSpPr>
             <a:spLocks noGrp="1"/>
           </p:cNvSpPr>
@@ -665,7 +708,13 @@
       </p:sp>
       <p:sp>
         <p:nvSpPr>
-          <p:cNvPr id="6" name="Slide Number Placeholder 5"/>
+          <p:cNvPr id="6" name="Slide Number Placeholder 5">
+            <a:extLst>
+              <a:ext uri="{FF2B5EF4-FFF2-40B4-BE49-F238E27FC236}">
+                <a16:creationId xmlns:a16="http://schemas.microsoft.com/office/drawing/2014/main" id="{0EE1254F-F1C1-4A5E-954C-E7488731A38B}"/>
+              </a:ext>
+            </a:extLst>
+          </p:cNvPr>
           <p:cNvSpPr>
             <a:spLocks noGrp="1"/>
           </p:cNvSpPr>
@@ -678,7 +727,7 @@
           <a:bodyPr/>
           <a:lstStyle/>
           <a:p>
-            <a:fld id="{0B49E6E0-DE98-41EA-9E21-D83281D2FF67}" type="slidenum">
+            <a:fld id="{157C90EA-039A-424C-8E76-38A5902721AE}" type="slidenum">
               <a:rPr lang="en-US" smtClean="0"/>
               <a:t>‹#›</a:t>
             </a:fld>
@@ -689,7 +738,7 @@
     </p:spTree>
     <p:extLst>
       <p:ext uri="{BB962C8B-B14F-4D97-AF65-F5344CB8AC3E}">
-        <p14:creationId xmlns:p14="http://schemas.microsoft.com/office/powerpoint/2010/main" val="1983235425"/>
+        <p14:creationId xmlns:p14="http://schemas.microsoft.com/office/powerpoint/2010/main" val="3207428381"/>
       </p:ext>
     </p:extLst>
   </p:cSld>
@@ -718,7 +767,13 @@
       </p:grpSpPr>
       <p:sp>
         <p:nvSpPr>
-          <p:cNvPr id="2" name="Title 1"/>
+          <p:cNvPr id="2" name="Title 1">
+            <a:extLst>
+              <a:ext uri="{FF2B5EF4-FFF2-40B4-BE49-F238E27FC236}">
+                <a16:creationId xmlns:a16="http://schemas.microsoft.com/office/drawing/2014/main" id="{92F40FB9-E502-4D1B-BA03-77AD3F95E223}"/>
+              </a:ext>
+            </a:extLst>
+          </p:cNvPr>
           <p:cNvSpPr>
             <a:spLocks noGrp="1"/>
           </p:cNvSpPr>
@@ -732,83 +787,93 @@
           <a:lstStyle/>
           <a:p>
             <a:r>
+              <a:rPr lang="en-US"/>
+              <a:t>Click to edit Master title style</a:t>
+            </a:r>
+          </a:p>
+        </p:txBody>
+      </p:sp>
+      <p:sp>
+        <p:nvSpPr>
+          <p:cNvPr id="3" name="Content Placeholder 2">
+            <a:extLst>
+              <a:ext uri="{FF2B5EF4-FFF2-40B4-BE49-F238E27FC236}">
+                <a16:creationId xmlns:a16="http://schemas.microsoft.com/office/drawing/2014/main" id="{A8CEE012-5D54-4989-9321-4B9F5E02CA94}"/>
+              </a:ext>
+            </a:extLst>
+          </p:cNvPr>
+          <p:cNvSpPr>
+            <a:spLocks noGrp="1"/>
+          </p:cNvSpPr>
+          <p:nvPr>
+            <p:ph idx="1"/>
+          </p:nvPr>
+        </p:nvSpPr>
+        <p:spPr/>
+        <p:txBody>
+          <a:bodyPr/>
+          <a:lstStyle/>
+          <a:p>
+            <a:pPr lvl="0"/>
+            <a:r>
+              <a:rPr lang="en-US"/>
+              <a:t>Click to edit Master text styles</a:t>
+            </a:r>
+          </a:p>
+          <a:p>
+            <a:pPr lvl="1"/>
+            <a:r>
+              <a:rPr lang="en-US"/>
+              <a:t>Second level</a:t>
+            </a:r>
+          </a:p>
+          <a:p>
+            <a:pPr lvl="2"/>
+            <a:r>
+              <a:rPr lang="en-US"/>
+              <a:t>Third level</a:t>
+            </a:r>
+          </a:p>
+          <a:p>
+            <a:pPr lvl="3"/>
+            <a:r>
+              <a:rPr lang="en-US"/>
+              <a:t>Fourth level</a:t>
+            </a:r>
+          </a:p>
+          <a:p>
+            <a:pPr lvl="4"/>
+            <a:r>
+              <a:rPr lang="en-US"/>
+              <a:t>Fifth level</a:t>
+            </a:r>
+          </a:p>
+        </p:txBody>
+      </p:sp>
+      <p:sp>
+        <p:nvSpPr>
+          <p:cNvPr id="4" name="Date Placeholder 3">
+            <a:extLst>
+              <a:ext uri="{FF2B5EF4-FFF2-40B4-BE49-F238E27FC236}">
+                <a16:creationId xmlns:a16="http://schemas.microsoft.com/office/drawing/2014/main" id="{DB42B052-8D30-4A3D-82AB-819995DCFE56}"/>
+              </a:ext>
+            </a:extLst>
+          </p:cNvPr>
+          <p:cNvSpPr>
+            <a:spLocks noGrp="1"/>
+          </p:cNvSpPr>
+          <p:nvPr>
+            <p:ph type="dt" sz="half" idx="10"/>
+          </p:nvPr>
+        </p:nvSpPr>
+        <p:spPr/>
+        <p:txBody>
+          <a:bodyPr/>
+          <a:lstStyle/>
+          <a:p>
+            <a:fld id="{CE10518F-ED71-42B7-A7C7-0C7521D5B6CE}" type="datetimeFigureOut">
               <a:rPr lang="en-US" smtClean="0"/>
-              <a:t>Click to edit Master title style</a:t>
-            </a:r>
-            <a:endParaRPr lang="en-US"/>
-          </a:p>
-        </p:txBody>
-      </p:sp>
-      <p:sp>
-        <p:nvSpPr>
-          <p:cNvPr id="3" name="Content Placeholder 2"/>
-          <p:cNvSpPr>
-            <a:spLocks noGrp="1"/>
-          </p:cNvSpPr>
-          <p:nvPr>
-            <p:ph idx="1"/>
-          </p:nvPr>
-        </p:nvSpPr>
-        <p:spPr/>
-        <p:txBody>
-          <a:bodyPr/>
-          <a:lstStyle/>
-          <a:p>
-            <a:pPr lvl="0"/>
-            <a:r>
-              <a:rPr lang="en-US" smtClean="0"/>
-              <a:t>Click to edit Master text styles</a:t>
-            </a:r>
-          </a:p>
-          <a:p>
-            <a:pPr lvl="1"/>
-            <a:r>
-              <a:rPr lang="en-US" smtClean="0"/>
-              <a:t>Second level</a:t>
-            </a:r>
-          </a:p>
-          <a:p>
-            <a:pPr lvl="2"/>
-            <a:r>
-              <a:rPr lang="en-US" smtClean="0"/>
-              <a:t>Third level</a:t>
-            </a:r>
-          </a:p>
-          <a:p>
-            <a:pPr lvl="3"/>
-            <a:r>
-              <a:rPr lang="en-US" smtClean="0"/>
-              <a:t>Fourth level</a:t>
-            </a:r>
-          </a:p>
-          <a:p>
-            <a:pPr lvl="4"/>
-            <a:r>
-              <a:rPr lang="en-US" smtClean="0"/>
-              <a:t>Fifth level</a:t>
-            </a:r>
-            <a:endParaRPr lang="en-US"/>
-          </a:p>
-        </p:txBody>
-      </p:sp>
-      <p:sp>
-        <p:nvSpPr>
-          <p:cNvPr id="4" name="Date Placeholder 3"/>
-          <p:cNvSpPr>
-            <a:spLocks noGrp="1"/>
-          </p:cNvSpPr>
-          <p:nvPr>
-            <p:ph type="dt" sz="half" idx="10"/>
-          </p:nvPr>
-        </p:nvSpPr>
-        <p:spPr/>
-        <p:txBody>
-          <a:bodyPr/>
-          <a:lstStyle/>
-          <a:p>
-            <a:fld id="{C9A72ECC-C4E6-43CF-A8B7-AA3E2120E49E}" type="datetimeFigureOut">
-              <a:rPr lang="en-US" smtClean="0"/>
-              <a:t>1/8/2019</a:t>
+              <a:t>5/11/2020</a:t>
             </a:fld>
             <a:endParaRPr lang="en-US"/>
           </a:p>
@@ -816,7 +881,13 @@
       </p:sp>
       <p:sp>
         <p:nvSpPr>
-          <p:cNvPr id="5" name="Footer Placeholder 4"/>
+          <p:cNvPr id="5" name="Footer Placeholder 4">
+            <a:extLst>
+              <a:ext uri="{FF2B5EF4-FFF2-40B4-BE49-F238E27FC236}">
+                <a16:creationId xmlns:a16="http://schemas.microsoft.com/office/drawing/2014/main" id="{E19E9A12-BFB6-43A7-BCF0-2A2FCFF4C7DC}"/>
+              </a:ext>
+            </a:extLst>
+          </p:cNvPr>
           <p:cNvSpPr>
             <a:spLocks noGrp="1"/>
           </p:cNvSpPr>
@@ -835,7 +906,13 @@
       </p:sp>
       <p:sp>
         <p:nvSpPr>
-          <p:cNvPr id="6" name="Slide Number Placeholder 5"/>
+          <p:cNvPr id="6" name="Slide Number Placeholder 5">
+            <a:extLst>
+              <a:ext uri="{FF2B5EF4-FFF2-40B4-BE49-F238E27FC236}">
+                <a16:creationId xmlns:a16="http://schemas.microsoft.com/office/drawing/2014/main" id="{9DE31630-616F-4A88-80A7-EE93F10EF100}"/>
+              </a:ext>
+            </a:extLst>
+          </p:cNvPr>
           <p:cNvSpPr>
             <a:spLocks noGrp="1"/>
           </p:cNvSpPr>
@@ -848,7 +925,7 @@
           <a:bodyPr/>
           <a:lstStyle/>
           <a:p>
-            <a:fld id="{0B49E6E0-DE98-41EA-9E21-D83281D2FF67}" type="slidenum">
+            <a:fld id="{157C90EA-039A-424C-8E76-38A5902721AE}" type="slidenum">
               <a:rPr lang="en-US" smtClean="0"/>
               <a:t>‹#›</a:t>
             </a:fld>
@@ -859,7 +936,7 @@
     </p:spTree>
     <p:extLst>
       <p:ext uri="{BB962C8B-B14F-4D97-AF65-F5344CB8AC3E}">
-        <p14:creationId xmlns:p14="http://schemas.microsoft.com/office/powerpoint/2010/main" val="760430451"/>
+        <p14:creationId xmlns:p14="http://schemas.microsoft.com/office/powerpoint/2010/main" val="3333587103"/>
       </p:ext>
     </p:extLst>
   </p:cSld>
@@ -888,7 +965,13 @@
       </p:grpSpPr>
       <p:sp>
         <p:nvSpPr>
-          <p:cNvPr id="2" name="Title 1"/>
+          <p:cNvPr id="2" name="Title 1">
+            <a:extLst>
+              <a:ext uri="{FF2B5EF4-FFF2-40B4-BE49-F238E27FC236}">
+                <a16:creationId xmlns:a16="http://schemas.microsoft.com/office/drawing/2014/main" id="{6F3F00C1-4EC5-425C-8A43-B5C000E9FF07}"/>
+              </a:ext>
+            </a:extLst>
+          </p:cNvPr>
           <p:cNvSpPr>
             <a:spLocks noGrp="1"/>
           </p:cNvSpPr>
@@ -898,29 +981,34 @@
         </p:nvSpPr>
         <p:spPr>
           <a:xfrm>
-            <a:off x="722313" y="3305176"/>
-            <a:ext cx="7772400" cy="1021556"/>
-          </a:xfrm>
-        </p:spPr>
-        <p:txBody>
-          <a:bodyPr anchor="t"/>
+            <a:off x="831850" y="1709738"/>
+            <a:ext cx="10515600" cy="2852737"/>
+          </a:xfrm>
+        </p:spPr>
+        <p:txBody>
+          <a:bodyPr anchor="b"/>
           <a:lstStyle>
-            <a:lvl1pPr algn="l">
-              <a:defRPr sz="4000" b="1" cap="all"/>
+            <a:lvl1pPr>
+              <a:defRPr sz="6000"/>
             </a:lvl1pPr>
           </a:lstStyle>
           <a:p>
             <a:r>
-              <a:rPr lang="en-US" smtClean="0"/>
+              <a:rPr lang="en-US"/>
               <a:t>Click to edit Master title style</a:t>
             </a:r>
-            <a:endParaRPr lang="en-US"/>
-          </a:p>
-        </p:txBody>
-      </p:sp>
-      <p:sp>
-        <p:nvSpPr>
-          <p:cNvPr id="3" name="Text Placeholder 2"/>
+          </a:p>
+        </p:txBody>
+      </p:sp>
+      <p:sp>
+        <p:nvSpPr>
+          <p:cNvPr id="3" name="Text Placeholder 2">
+            <a:extLst>
+              <a:ext uri="{FF2B5EF4-FFF2-40B4-BE49-F238E27FC236}">
+                <a16:creationId xmlns:a16="http://schemas.microsoft.com/office/drawing/2014/main" id="{9E6ACB63-B722-4FE6-AF69-F8157E6E2ED0}"/>
+              </a:ext>
+            </a:extLst>
+          </p:cNvPr>
           <p:cNvSpPr>
             <a:spLocks noGrp="1"/>
           </p:cNvSpPr>
@@ -930,16 +1018,16 @@
         </p:nvSpPr>
         <p:spPr>
           <a:xfrm>
-            <a:off x="722313" y="2180035"/>
-            <a:ext cx="7772400" cy="1125140"/>
-          </a:xfrm>
-        </p:spPr>
-        <p:txBody>
-          <a:bodyPr anchor="b"/>
+            <a:off x="831850" y="4589463"/>
+            <a:ext cx="10515600" cy="1500187"/>
+          </a:xfrm>
+        </p:spPr>
+        <p:txBody>
+          <a:bodyPr/>
           <a:lstStyle>
             <a:lvl1pPr marL="0" indent="0">
               <a:buNone/>
-              <a:defRPr sz="2000">
+              <a:defRPr sz="2400">
                 <a:solidFill>
                   <a:schemeClr val="tx1">
                     <a:tint val="75000"/>
@@ -949,7 +1037,7 @@
             </a:lvl1pPr>
             <a:lvl2pPr marL="457200" indent="0">
               <a:buNone/>
-              <a:defRPr sz="1800">
+              <a:defRPr sz="2000">
                 <a:solidFill>
                   <a:schemeClr val="tx1">
                     <a:tint val="75000"/>
@@ -959,7 +1047,7 @@
             </a:lvl2pPr>
             <a:lvl3pPr marL="914400" indent="0">
               <a:buNone/>
-              <a:defRPr sz="1600">
+              <a:defRPr sz="1800">
                 <a:solidFill>
                   <a:schemeClr val="tx1">
                     <a:tint val="75000"/>
@@ -969,7 +1057,7 @@
             </a:lvl3pPr>
             <a:lvl4pPr marL="1371600" indent="0">
               <a:buNone/>
-              <a:defRPr sz="1400">
+              <a:defRPr sz="1600">
                 <a:solidFill>
                   <a:schemeClr val="tx1">
                     <a:tint val="75000"/>
@@ -979,7 +1067,7 @@
             </a:lvl4pPr>
             <a:lvl5pPr marL="1828800" indent="0">
               <a:buNone/>
-              <a:defRPr sz="1400">
+              <a:defRPr sz="1600">
                 <a:solidFill>
                   <a:schemeClr val="tx1">
                     <a:tint val="75000"/>
@@ -989,7 +1077,7 @@
             </a:lvl5pPr>
             <a:lvl6pPr marL="2286000" indent="0">
               <a:buNone/>
-              <a:defRPr sz="1400">
+              <a:defRPr sz="1600">
                 <a:solidFill>
                   <a:schemeClr val="tx1">
                     <a:tint val="75000"/>
@@ -999,7 +1087,7 @@
             </a:lvl6pPr>
             <a:lvl7pPr marL="2743200" indent="0">
               <a:buNone/>
-              <a:defRPr sz="1400">
+              <a:defRPr sz="1600">
                 <a:solidFill>
                   <a:schemeClr val="tx1">
                     <a:tint val="75000"/>
@@ -1009,7 +1097,7 @@
             </a:lvl7pPr>
             <a:lvl8pPr marL="3200400" indent="0">
               <a:buNone/>
-              <a:defRPr sz="1400">
+              <a:defRPr sz="1600">
                 <a:solidFill>
                   <a:schemeClr val="tx1">
                     <a:tint val="75000"/>
@@ -1019,7 +1107,7 @@
             </a:lvl8pPr>
             <a:lvl9pPr marL="3657600" indent="0">
               <a:buNone/>
-              <a:defRPr sz="1400">
+              <a:defRPr sz="1600">
                 <a:solidFill>
                   <a:schemeClr val="tx1">
                     <a:tint val="75000"/>
@@ -1031,30 +1119,36 @@
           <a:p>
             <a:pPr lvl="0"/>
             <a:r>
+              <a:rPr lang="en-US"/>
+              <a:t>Click to edit Master text styles</a:t>
+            </a:r>
+          </a:p>
+        </p:txBody>
+      </p:sp>
+      <p:sp>
+        <p:nvSpPr>
+          <p:cNvPr id="4" name="Date Placeholder 3">
+            <a:extLst>
+              <a:ext uri="{FF2B5EF4-FFF2-40B4-BE49-F238E27FC236}">
+                <a16:creationId xmlns:a16="http://schemas.microsoft.com/office/drawing/2014/main" id="{AE0CF215-9383-47D9-8372-F91B19469B49}"/>
+              </a:ext>
+            </a:extLst>
+          </p:cNvPr>
+          <p:cNvSpPr>
+            <a:spLocks noGrp="1"/>
+          </p:cNvSpPr>
+          <p:nvPr>
+            <p:ph type="dt" sz="half" idx="10"/>
+          </p:nvPr>
+        </p:nvSpPr>
+        <p:spPr/>
+        <p:txBody>
+          <a:bodyPr/>
+          <a:lstStyle/>
+          <a:p>
+            <a:fld id="{CE10518F-ED71-42B7-A7C7-0C7521D5B6CE}" type="datetimeFigureOut">
               <a:rPr lang="en-US" smtClean="0"/>
-              <a:t>Click to edit Master text styles</a:t>
-            </a:r>
-          </a:p>
-        </p:txBody>
-      </p:sp>
-      <p:sp>
-        <p:nvSpPr>
-          <p:cNvPr id="4" name="Date Placeholder 3"/>
-          <p:cNvSpPr>
-            <a:spLocks noGrp="1"/>
-          </p:cNvSpPr>
-          <p:nvPr>
-            <p:ph type="dt" sz="half" idx="10"/>
-          </p:nvPr>
-        </p:nvSpPr>
-        <p:spPr/>
-        <p:txBody>
-          <a:bodyPr/>
-          <a:lstStyle/>
-          <a:p>
-            <a:fld id="{C9A72ECC-C4E6-43CF-A8B7-AA3E2120E49E}" type="datetimeFigureOut">
-              <a:rPr lang="en-US" smtClean="0"/>
-              <a:t>1/8/2019</a:t>
+              <a:t>5/11/2020</a:t>
             </a:fld>
             <a:endParaRPr lang="en-US"/>
           </a:p>
@@ -1062,7 +1156,13 @@
       </p:sp>
       <p:sp>
         <p:nvSpPr>
-          <p:cNvPr id="5" name="Footer Placeholder 4"/>
+          <p:cNvPr id="5" name="Footer Placeholder 4">
+            <a:extLst>
+              <a:ext uri="{FF2B5EF4-FFF2-40B4-BE49-F238E27FC236}">
+                <a16:creationId xmlns:a16="http://schemas.microsoft.com/office/drawing/2014/main" id="{BA555D13-E7EA-4BEC-94FF-B0B6FBA99A7A}"/>
+              </a:ext>
+            </a:extLst>
+          </p:cNvPr>
           <p:cNvSpPr>
             <a:spLocks noGrp="1"/>
           </p:cNvSpPr>
@@ -1081,7 +1181,13 @@
       </p:sp>
       <p:sp>
         <p:nvSpPr>
-          <p:cNvPr id="6" name="Slide Number Placeholder 5"/>
+          <p:cNvPr id="6" name="Slide Number Placeholder 5">
+            <a:extLst>
+              <a:ext uri="{FF2B5EF4-FFF2-40B4-BE49-F238E27FC236}">
+                <a16:creationId xmlns:a16="http://schemas.microsoft.com/office/drawing/2014/main" id="{4358ABBD-8FF9-4977-90B8-B75FB698F032}"/>
+              </a:ext>
+            </a:extLst>
+          </p:cNvPr>
           <p:cNvSpPr>
             <a:spLocks noGrp="1"/>
           </p:cNvSpPr>
@@ -1094,7 +1200,7 @@
           <a:bodyPr/>
           <a:lstStyle/>
           <a:p>
-            <a:fld id="{0B49E6E0-DE98-41EA-9E21-D83281D2FF67}" type="slidenum">
+            <a:fld id="{157C90EA-039A-424C-8E76-38A5902721AE}" type="slidenum">
               <a:rPr lang="en-US" smtClean="0"/>
               <a:t>‹#›</a:t>
             </a:fld>
@@ -1105,7 +1211,7 @@
     </p:spTree>
     <p:extLst>
       <p:ext uri="{BB962C8B-B14F-4D97-AF65-F5344CB8AC3E}">
-        <p14:creationId xmlns:p14="http://schemas.microsoft.com/office/powerpoint/2010/main" val="3365349685"/>
+        <p14:creationId xmlns:p14="http://schemas.microsoft.com/office/powerpoint/2010/main" val="1049547221"/>
       </p:ext>
     </p:extLst>
   </p:cSld>
@@ -1134,7 +1240,13 @@
       </p:grpSpPr>
       <p:sp>
         <p:nvSpPr>
-          <p:cNvPr id="2" name="Title 1"/>
+          <p:cNvPr id="2" name="Title 1">
+            <a:extLst>
+              <a:ext uri="{FF2B5EF4-FFF2-40B4-BE49-F238E27FC236}">
+                <a16:creationId xmlns:a16="http://schemas.microsoft.com/office/drawing/2014/main" id="{4798CF06-4262-41BD-8F6C-643ABF79291D}"/>
+              </a:ext>
+            </a:extLst>
+          </p:cNvPr>
           <p:cNvSpPr>
             <a:spLocks noGrp="1"/>
           </p:cNvSpPr>
@@ -1148,201 +1260,160 @@
           <a:lstStyle/>
           <a:p>
             <a:r>
+              <a:rPr lang="en-US"/>
+              <a:t>Click to edit Master title style</a:t>
+            </a:r>
+          </a:p>
+        </p:txBody>
+      </p:sp>
+      <p:sp>
+        <p:nvSpPr>
+          <p:cNvPr id="3" name="Content Placeholder 2">
+            <a:extLst>
+              <a:ext uri="{FF2B5EF4-FFF2-40B4-BE49-F238E27FC236}">
+                <a16:creationId xmlns:a16="http://schemas.microsoft.com/office/drawing/2014/main" id="{92C42326-FE81-4D69-938A-2D745F941CB9}"/>
+              </a:ext>
+            </a:extLst>
+          </p:cNvPr>
+          <p:cNvSpPr>
+            <a:spLocks noGrp="1"/>
+          </p:cNvSpPr>
+          <p:nvPr>
+            <p:ph sz="half" idx="1"/>
+          </p:nvPr>
+        </p:nvSpPr>
+        <p:spPr>
+          <a:xfrm>
+            <a:off x="838200" y="1825625"/>
+            <a:ext cx="5181600" cy="4351338"/>
+          </a:xfrm>
+        </p:spPr>
+        <p:txBody>
+          <a:bodyPr/>
+          <a:lstStyle/>
+          <a:p>
+            <a:pPr lvl="0"/>
+            <a:r>
+              <a:rPr lang="en-US"/>
+              <a:t>Click to edit Master text styles</a:t>
+            </a:r>
+          </a:p>
+          <a:p>
+            <a:pPr lvl="1"/>
+            <a:r>
+              <a:rPr lang="en-US"/>
+              <a:t>Second level</a:t>
+            </a:r>
+          </a:p>
+          <a:p>
+            <a:pPr lvl="2"/>
+            <a:r>
+              <a:rPr lang="en-US"/>
+              <a:t>Third level</a:t>
+            </a:r>
+          </a:p>
+          <a:p>
+            <a:pPr lvl="3"/>
+            <a:r>
+              <a:rPr lang="en-US"/>
+              <a:t>Fourth level</a:t>
+            </a:r>
+          </a:p>
+          <a:p>
+            <a:pPr lvl="4"/>
+            <a:r>
+              <a:rPr lang="en-US"/>
+              <a:t>Fifth level</a:t>
+            </a:r>
+          </a:p>
+        </p:txBody>
+      </p:sp>
+      <p:sp>
+        <p:nvSpPr>
+          <p:cNvPr id="4" name="Content Placeholder 3">
+            <a:extLst>
+              <a:ext uri="{FF2B5EF4-FFF2-40B4-BE49-F238E27FC236}">
+                <a16:creationId xmlns:a16="http://schemas.microsoft.com/office/drawing/2014/main" id="{5D282331-2E1C-4B3F-9421-A8EBC2CA79E7}"/>
+              </a:ext>
+            </a:extLst>
+          </p:cNvPr>
+          <p:cNvSpPr>
+            <a:spLocks noGrp="1"/>
+          </p:cNvSpPr>
+          <p:nvPr>
+            <p:ph sz="half" idx="2"/>
+          </p:nvPr>
+        </p:nvSpPr>
+        <p:spPr>
+          <a:xfrm>
+            <a:off x="6172200" y="1825625"/>
+            <a:ext cx="5181600" cy="4351338"/>
+          </a:xfrm>
+        </p:spPr>
+        <p:txBody>
+          <a:bodyPr/>
+          <a:lstStyle/>
+          <a:p>
+            <a:pPr lvl="0"/>
+            <a:r>
+              <a:rPr lang="en-US"/>
+              <a:t>Click to edit Master text styles</a:t>
+            </a:r>
+          </a:p>
+          <a:p>
+            <a:pPr lvl="1"/>
+            <a:r>
+              <a:rPr lang="en-US"/>
+              <a:t>Second level</a:t>
+            </a:r>
+          </a:p>
+          <a:p>
+            <a:pPr lvl="2"/>
+            <a:r>
+              <a:rPr lang="en-US"/>
+              <a:t>Third level</a:t>
+            </a:r>
+          </a:p>
+          <a:p>
+            <a:pPr lvl="3"/>
+            <a:r>
+              <a:rPr lang="en-US"/>
+              <a:t>Fourth level</a:t>
+            </a:r>
+          </a:p>
+          <a:p>
+            <a:pPr lvl="4"/>
+            <a:r>
+              <a:rPr lang="en-US"/>
+              <a:t>Fifth level</a:t>
+            </a:r>
+          </a:p>
+        </p:txBody>
+      </p:sp>
+      <p:sp>
+        <p:nvSpPr>
+          <p:cNvPr id="5" name="Date Placeholder 4">
+            <a:extLst>
+              <a:ext uri="{FF2B5EF4-FFF2-40B4-BE49-F238E27FC236}">
+                <a16:creationId xmlns:a16="http://schemas.microsoft.com/office/drawing/2014/main" id="{1211D5E2-C548-4074-B82D-5A63F22833FD}"/>
+              </a:ext>
+            </a:extLst>
+          </p:cNvPr>
+          <p:cNvSpPr>
+            <a:spLocks noGrp="1"/>
+          </p:cNvSpPr>
+          <p:nvPr>
+            <p:ph type="dt" sz="half" idx="10"/>
+          </p:nvPr>
+        </p:nvSpPr>
+        <p:spPr/>
+        <p:txBody>
+          <a:bodyPr/>
+          <a:lstStyle/>
+          <a:p>
+            <a:fld id="{CE10518F-ED71-42B7-A7C7-0C7521D5B6CE}" type="datetimeFigureOut">
               <a:rPr lang="en-US" smtClean="0"/>
-              <a:t>Click to edit Master title style</a:t>
-            </a:r>
-            <a:endParaRPr lang="en-US"/>
-          </a:p>
-        </p:txBody>
-      </p:sp>
-      <p:sp>
-        <p:nvSpPr>
-          <p:cNvPr id="3" name="Content Placeholder 2"/>
-          <p:cNvSpPr>
-            <a:spLocks noGrp="1"/>
-          </p:cNvSpPr>
-          <p:nvPr>
-            <p:ph sz="half" idx="1"/>
-          </p:nvPr>
-        </p:nvSpPr>
-        <p:spPr>
-          <a:xfrm>
-            <a:off x="457200" y="900113"/>
-            <a:ext cx="4038600" cy="2545556"/>
-          </a:xfrm>
-        </p:spPr>
-        <p:txBody>
-          <a:bodyPr/>
-          <a:lstStyle>
-            <a:lvl1pPr>
-              <a:defRPr sz="2800"/>
-            </a:lvl1pPr>
-            <a:lvl2pPr>
-              <a:defRPr sz="2400"/>
-            </a:lvl2pPr>
-            <a:lvl3pPr>
-              <a:defRPr sz="2000"/>
-            </a:lvl3pPr>
-            <a:lvl4pPr>
-              <a:defRPr sz="1800"/>
-            </a:lvl4pPr>
-            <a:lvl5pPr>
-              <a:defRPr sz="1800"/>
-            </a:lvl5pPr>
-            <a:lvl6pPr>
-              <a:defRPr sz="1800"/>
-            </a:lvl6pPr>
-            <a:lvl7pPr>
-              <a:defRPr sz="1800"/>
-            </a:lvl7pPr>
-            <a:lvl8pPr>
-              <a:defRPr sz="1800"/>
-            </a:lvl8pPr>
-            <a:lvl9pPr>
-              <a:defRPr sz="1800"/>
-            </a:lvl9pPr>
-          </a:lstStyle>
-          <a:p>
-            <a:pPr lvl="0"/>
-            <a:r>
-              <a:rPr lang="en-US" smtClean="0"/>
-              <a:t>Click to edit Master text styles</a:t>
-            </a:r>
-          </a:p>
-          <a:p>
-            <a:pPr lvl="1"/>
-            <a:r>
-              <a:rPr lang="en-US" smtClean="0"/>
-              <a:t>Second level</a:t>
-            </a:r>
-          </a:p>
-          <a:p>
-            <a:pPr lvl="2"/>
-            <a:r>
-              <a:rPr lang="en-US" smtClean="0"/>
-              <a:t>Third level</a:t>
-            </a:r>
-          </a:p>
-          <a:p>
-            <a:pPr lvl="3"/>
-            <a:r>
-              <a:rPr lang="en-US" smtClean="0"/>
-              <a:t>Fourth level</a:t>
-            </a:r>
-          </a:p>
-          <a:p>
-            <a:pPr lvl="4"/>
-            <a:r>
-              <a:rPr lang="en-US" smtClean="0"/>
-              <a:t>Fifth level</a:t>
-            </a:r>
-            <a:endParaRPr lang="en-US"/>
-          </a:p>
-        </p:txBody>
-      </p:sp>
-      <p:sp>
-        <p:nvSpPr>
-          <p:cNvPr id="4" name="Content Placeholder 3"/>
-          <p:cNvSpPr>
-            <a:spLocks noGrp="1"/>
-          </p:cNvSpPr>
-          <p:nvPr>
-            <p:ph sz="half" idx="2"/>
-          </p:nvPr>
-        </p:nvSpPr>
-        <p:spPr>
-          <a:xfrm>
-            <a:off x="4648200" y="900113"/>
-            <a:ext cx="4038600" cy="2545556"/>
-          </a:xfrm>
-        </p:spPr>
-        <p:txBody>
-          <a:bodyPr/>
-          <a:lstStyle>
-            <a:lvl1pPr>
-              <a:defRPr sz="2800"/>
-            </a:lvl1pPr>
-            <a:lvl2pPr>
-              <a:defRPr sz="2400"/>
-            </a:lvl2pPr>
-            <a:lvl3pPr>
-              <a:defRPr sz="2000"/>
-            </a:lvl3pPr>
-            <a:lvl4pPr>
-              <a:defRPr sz="1800"/>
-            </a:lvl4pPr>
-            <a:lvl5pPr>
-              <a:defRPr sz="1800"/>
-            </a:lvl5pPr>
-            <a:lvl6pPr>
-              <a:defRPr sz="1800"/>
-            </a:lvl6pPr>
-            <a:lvl7pPr>
-              <a:defRPr sz="1800"/>
-            </a:lvl7pPr>
-            <a:lvl8pPr>
-              <a:defRPr sz="1800"/>
-            </a:lvl8pPr>
-            <a:lvl9pPr>
-              <a:defRPr sz="1800"/>
-            </a:lvl9pPr>
-          </a:lstStyle>
-          <a:p>
-            <a:pPr lvl="0"/>
-            <a:r>
-              <a:rPr lang="en-US" smtClean="0"/>
-              <a:t>Click to edit Master text styles</a:t>
-            </a:r>
-          </a:p>
-          <a:p>
-            <a:pPr lvl="1"/>
-            <a:r>
-              <a:rPr lang="en-US" smtClean="0"/>
-              <a:t>Second level</a:t>
-            </a:r>
-          </a:p>
-          <a:p>
-            <a:pPr lvl="2"/>
-            <a:r>
-              <a:rPr lang="en-US" smtClean="0"/>
-              <a:t>Third level</a:t>
-            </a:r>
-          </a:p>
-          <a:p>
-            <a:pPr lvl="3"/>
-            <a:r>
-              <a:rPr lang="en-US" smtClean="0"/>
-              <a:t>Fourth level</a:t>
-            </a:r>
-          </a:p>
-          <a:p>
-            <a:pPr lvl="4"/>
-            <a:r>
-              <a:rPr lang="en-US" smtClean="0"/>
-              <a:t>Fifth level</a:t>
-            </a:r>
-            <a:endParaRPr lang="en-US"/>
-          </a:p>
-        </p:txBody>
-      </p:sp>
-      <p:sp>
-        <p:nvSpPr>
-          <p:cNvPr id="5" name="Date Placeholder 4"/>
-          <p:cNvSpPr>
-            <a:spLocks noGrp="1"/>
-          </p:cNvSpPr>
-          <p:nvPr>
-            <p:ph type="dt" sz="half" idx="10"/>
-          </p:nvPr>
-        </p:nvSpPr>
-        <p:spPr/>
-        <p:txBody>
-          <a:bodyPr/>
-          <a:lstStyle/>
-          <a:p>
-            <a:fld id="{C9A72ECC-C4E6-43CF-A8B7-AA3E2120E49E}" type="datetimeFigureOut">
-              <a:rPr lang="en-US" smtClean="0"/>
-              <a:t>1/8/2019</a:t>
+              <a:t>5/11/2020</a:t>
             </a:fld>
             <a:endParaRPr lang="en-US"/>
           </a:p>
@@ -1350,7 +1421,13 @@
       </p:sp>
       <p:sp>
         <p:nvSpPr>
-          <p:cNvPr id="6" name="Footer Placeholder 5"/>
+          <p:cNvPr id="6" name="Footer Placeholder 5">
+            <a:extLst>
+              <a:ext uri="{FF2B5EF4-FFF2-40B4-BE49-F238E27FC236}">
+                <a16:creationId xmlns:a16="http://schemas.microsoft.com/office/drawing/2014/main" id="{34427AE0-2C4D-43C1-B987-C1CBFBF3D0EE}"/>
+              </a:ext>
+            </a:extLst>
+          </p:cNvPr>
           <p:cNvSpPr>
             <a:spLocks noGrp="1"/>
           </p:cNvSpPr>
@@ -1369,7 +1446,13 @@
       </p:sp>
       <p:sp>
         <p:nvSpPr>
-          <p:cNvPr id="7" name="Slide Number Placeholder 6"/>
+          <p:cNvPr id="7" name="Slide Number Placeholder 6">
+            <a:extLst>
+              <a:ext uri="{FF2B5EF4-FFF2-40B4-BE49-F238E27FC236}">
+                <a16:creationId xmlns:a16="http://schemas.microsoft.com/office/drawing/2014/main" id="{C5ECE684-A0FB-40C8-A843-9B8C3DB9DB53}"/>
+              </a:ext>
+            </a:extLst>
+          </p:cNvPr>
           <p:cNvSpPr>
             <a:spLocks noGrp="1"/>
           </p:cNvSpPr>
@@ -1382,7 +1465,7 @@
           <a:bodyPr/>
           <a:lstStyle/>
           <a:p>
-            <a:fld id="{0B49E6E0-DE98-41EA-9E21-D83281D2FF67}" type="slidenum">
+            <a:fld id="{157C90EA-039A-424C-8E76-38A5902721AE}" type="slidenum">
               <a:rPr lang="en-US" smtClean="0"/>
               <a:t>‹#›</a:t>
             </a:fld>
@@ -1393,7 +1476,7 @@
     </p:spTree>
     <p:extLst>
       <p:ext uri="{BB962C8B-B14F-4D97-AF65-F5344CB8AC3E}">
-        <p14:creationId xmlns:p14="http://schemas.microsoft.com/office/powerpoint/2010/main" val="704244659"/>
+        <p14:creationId xmlns:p14="http://schemas.microsoft.com/office/powerpoint/2010/main" val="3481479821"/>
       </p:ext>
     </p:extLst>
   </p:cSld>
@@ -1422,7 +1505,13 @@
       </p:grpSpPr>
       <p:sp>
         <p:nvSpPr>
-          <p:cNvPr id="2" name="Title 1"/>
+          <p:cNvPr id="2" name="Title 1">
+            <a:extLst>
+              <a:ext uri="{FF2B5EF4-FFF2-40B4-BE49-F238E27FC236}">
+                <a16:creationId xmlns:a16="http://schemas.microsoft.com/office/drawing/2014/main" id="{D3A8D960-3EE8-4B42-908C-683BEE23AD65}"/>
+              </a:ext>
+            </a:extLst>
+          </p:cNvPr>
           <p:cNvSpPr>
             <a:spLocks noGrp="1"/>
           </p:cNvSpPr>
@@ -1432,29 +1521,30 @@
         </p:nvSpPr>
         <p:spPr>
           <a:xfrm>
-            <a:off x="457200" y="205979"/>
-            <a:ext cx="8229600" cy="857250"/>
+            <a:off x="839788" y="365125"/>
+            <a:ext cx="10515600" cy="1325563"/>
           </a:xfrm>
         </p:spPr>
         <p:txBody>
           <a:bodyPr/>
-          <a:lstStyle>
-            <a:lvl1pPr>
-              <a:defRPr/>
-            </a:lvl1pPr>
-          </a:lstStyle>
-          <a:p>
-            <a:r>
-              <a:rPr lang="en-US" smtClean="0"/>
+          <a:lstStyle/>
+          <a:p>
+            <a:r>
+              <a:rPr lang="en-US"/>
               <a:t>Click to edit Master title style</a:t>
             </a:r>
-            <a:endParaRPr lang="en-US"/>
-          </a:p>
-        </p:txBody>
-      </p:sp>
-      <p:sp>
-        <p:nvSpPr>
-          <p:cNvPr id="3" name="Text Placeholder 2"/>
+          </a:p>
+        </p:txBody>
+      </p:sp>
+      <p:sp>
+        <p:nvSpPr>
+          <p:cNvPr id="3" name="Text Placeholder 2">
+            <a:extLst>
+              <a:ext uri="{FF2B5EF4-FFF2-40B4-BE49-F238E27FC236}">
+                <a16:creationId xmlns:a16="http://schemas.microsoft.com/office/drawing/2014/main" id="{2E0B7E6B-DA54-4739-BC7E-33746CE58285}"/>
+              </a:ext>
+            </a:extLst>
+          </p:cNvPr>
           <p:cNvSpPr>
             <a:spLocks noGrp="1"/>
           </p:cNvSpPr>
@@ -1464,8 +1554,8 @@
         </p:nvSpPr>
         <p:spPr>
           <a:xfrm>
-            <a:off x="457200" y="1151335"/>
-            <a:ext cx="4040188" cy="479822"/>
+            <a:off x="839788" y="1681163"/>
+            <a:ext cx="5157787" cy="823912"/>
           </a:xfrm>
         </p:spPr>
         <p:txBody>
@@ -1511,7 +1601,7 @@
           <a:p>
             <a:pPr lvl="0"/>
             <a:r>
-              <a:rPr lang="en-US" smtClean="0"/>
+              <a:rPr lang="en-US"/>
               <a:t>Click to edit Master text styles</a:t>
             </a:r>
           </a:p>
@@ -1519,7 +1609,13 @@
       </p:sp>
       <p:sp>
         <p:nvSpPr>
-          <p:cNvPr id="4" name="Content Placeholder 3"/>
+          <p:cNvPr id="4" name="Content Placeholder 3">
+            <a:extLst>
+              <a:ext uri="{FF2B5EF4-FFF2-40B4-BE49-F238E27FC236}">
+                <a16:creationId xmlns:a16="http://schemas.microsoft.com/office/drawing/2014/main" id="{EFDEE6F6-BDC0-4E7F-A80D-8BCD46660812}"/>
+              </a:ext>
+            </a:extLst>
+          </p:cNvPr>
           <p:cNvSpPr>
             <a:spLocks noGrp="1"/>
           </p:cNvSpPr>
@@ -1529,82 +1625,59 @@
         </p:nvSpPr>
         <p:spPr>
           <a:xfrm>
-            <a:off x="457200" y="1631156"/>
-            <a:ext cx="4040188" cy="2963466"/>
+            <a:off x="839788" y="2505075"/>
+            <a:ext cx="5157787" cy="3684588"/>
           </a:xfrm>
         </p:spPr>
         <p:txBody>
           <a:bodyPr/>
-          <a:lstStyle>
-            <a:lvl1pPr>
-              <a:defRPr sz="2400"/>
-            </a:lvl1pPr>
-            <a:lvl2pPr>
-              <a:defRPr sz="2000"/>
-            </a:lvl2pPr>
-            <a:lvl3pPr>
-              <a:defRPr sz="1800"/>
-            </a:lvl3pPr>
-            <a:lvl4pPr>
-              <a:defRPr sz="1600"/>
-            </a:lvl4pPr>
-            <a:lvl5pPr>
-              <a:defRPr sz="1600"/>
-            </a:lvl5pPr>
-            <a:lvl6pPr>
-              <a:defRPr sz="1600"/>
-            </a:lvl6pPr>
-            <a:lvl7pPr>
-              <a:defRPr sz="1600"/>
-            </a:lvl7pPr>
-            <a:lvl8pPr>
-              <a:defRPr sz="1600"/>
-            </a:lvl8pPr>
-            <a:lvl9pPr>
-              <a:defRPr sz="1600"/>
-            </a:lvl9pPr>
-          </a:lstStyle>
+          <a:lstStyle/>
           <a:p>
             <a:pPr lvl="0"/>
             <a:r>
-              <a:rPr lang="en-US" smtClean="0"/>
+              <a:rPr lang="en-US"/>
               <a:t>Click to edit Master text styles</a:t>
             </a:r>
           </a:p>
           <a:p>
             <a:pPr lvl="1"/>
             <a:r>
-              <a:rPr lang="en-US" smtClean="0"/>
+              <a:rPr lang="en-US"/>
               <a:t>Second level</a:t>
             </a:r>
           </a:p>
           <a:p>
             <a:pPr lvl="2"/>
             <a:r>
-              <a:rPr lang="en-US" smtClean="0"/>
+              <a:rPr lang="en-US"/>
               <a:t>Third level</a:t>
             </a:r>
           </a:p>
           <a:p>
             <a:pPr lvl="3"/>
             <a:r>
-              <a:rPr lang="en-US" smtClean="0"/>
+              <a:rPr lang="en-US"/>
               <a:t>Fourth level</a:t>
             </a:r>
           </a:p>
           <a:p>
             <a:pPr lvl="4"/>
             <a:r>
-              <a:rPr lang="en-US" smtClean="0"/>
+              <a:rPr lang="en-US"/>
               <a:t>Fifth level</a:t>
             </a:r>
-            <a:endParaRPr lang="en-US"/>
-          </a:p>
-        </p:txBody>
-      </p:sp>
-      <p:sp>
-        <p:nvSpPr>
-          <p:cNvPr id="5" name="Text Placeholder 4"/>
+          </a:p>
+        </p:txBody>
+      </p:sp>
+      <p:sp>
+        <p:nvSpPr>
+          <p:cNvPr id="5" name="Text Placeholder 4">
+            <a:extLst>
+              <a:ext uri="{FF2B5EF4-FFF2-40B4-BE49-F238E27FC236}">
+                <a16:creationId xmlns:a16="http://schemas.microsoft.com/office/drawing/2014/main" id="{6E9CB724-BE4E-4C7D-859D-6C6EC2899F52}"/>
+              </a:ext>
+            </a:extLst>
+          </p:cNvPr>
           <p:cNvSpPr>
             <a:spLocks noGrp="1"/>
           </p:cNvSpPr>
@@ -1614,8 +1687,8 @@
         </p:nvSpPr>
         <p:spPr>
           <a:xfrm>
-            <a:off x="4645026" y="1151335"/>
-            <a:ext cx="4041775" cy="479822"/>
+            <a:off x="6172200" y="1681163"/>
+            <a:ext cx="5183188" cy="823912"/>
           </a:xfrm>
         </p:spPr>
         <p:txBody>
@@ -1661,115 +1734,98 @@
           <a:p>
             <a:pPr lvl="0"/>
             <a:r>
+              <a:rPr lang="en-US"/>
+              <a:t>Click to edit Master text styles</a:t>
+            </a:r>
+          </a:p>
+        </p:txBody>
+      </p:sp>
+      <p:sp>
+        <p:nvSpPr>
+          <p:cNvPr id="6" name="Content Placeholder 5">
+            <a:extLst>
+              <a:ext uri="{FF2B5EF4-FFF2-40B4-BE49-F238E27FC236}">
+                <a16:creationId xmlns:a16="http://schemas.microsoft.com/office/drawing/2014/main" id="{B9632D75-6847-4A9B-AA16-68F81E3428EB}"/>
+              </a:ext>
+            </a:extLst>
+          </p:cNvPr>
+          <p:cNvSpPr>
+            <a:spLocks noGrp="1"/>
+          </p:cNvSpPr>
+          <p:nvPr>
+            <p:ph sz="quarter" idx="4"/>
+          </p:nvPr>
+        </p:nvSpPr>
+        <p:spPr>
+          <a:xfrm>
+            <a:off x="6172200" y="2505075"/>
+            <a:ext cx="5183188" cy="3684588"/>
+          </a:xfrm>
+        </p:spPr>
+        <p:txBody>
+          <a:bodyPr/>
+          <a:lstStyle/>
+          <a:p>
+            <a:pPr lvl="0"/>
+            <a:r>
+              <a:rPr lang="en-US"/>
+              <a:t>Click to edit Master text styles</a:t>
+            </a:r>
+          </a:p>
+          <a:p>
+            <a:pPr lvl="1"/>
+            <a:r>
+              <a:rPr lang="en-US"/>
+              <a:t>Second level</a:t>
+            </a:r>
+          </a:p>
+          <a:p>
+            <a:pPr lvl="2"/>
+            <a:r>
+              <a:rPr lang="en-US"/>
+              <a:t>Third level</a:t>
+            </a:r>
+          </a:p>
+          <a:p>
+            <a:pPr lvl="3"/>
+            <a:r>
+              <a:rPr lang="en-US"/>
+              <a:t>Fourth level</a:t>
+            </a:r>
+          </a:p>
+          <a:p>
+            <a:pPr lvl="4"/>
+            <a:r>
+              <a:rPr lang="en-US"/>
+              <a:t>Fifth level</a:t>
+            </a:r>
+          </a:p>
+        </p:txBody>
+      </p:sp>
+      <p:sp>
+        <p:nvSpPr>
+          <p:cNvPr id="7" name="Date Placeholder 6">
+            <a:extLst>
+              <a:ext uri="{FF2B5EF4-FFF2-40B4-BE49-F238E27FC236}">
+                <a16:creationId xmlns:a16="http://schemas.microsoft.com/office/drawing/2014/main" id="{46A278C0-070F-4E33-9727-EF7507D68528}"/>
+              </a:ext>
+            </a:extLst>
+          </p:cNvPr>
+          <p:cNvSpPr>
+            <a:spLocks noGrp="1"/>
+          </p:cNvSpPr>
+          <p:nvPr>
+            <p:ph type="dt" sz="half" idx="10"/>
+          </p:nvPr>
+        </p:nvSpPr>
+        <p:spPr/>
+        <p:txBody>
+          <a:bodyPr/>
+          <a:lstStyle/>
+          <a:p>
+            <a:fld id="{CE10518F-ED71-42B7-A7C7-0C7521D5B6CE}" type="datetimeFigureOut">
               <a:rPr lang="en-US" smtClean="0"/>
-              <a:t>Click to edit Master text styles</a:t>
-            </a:r>
-          </a:p>
-        </p:txBody>
-      </p:sp>
-      <p:sp>
-        <p:nvSpPr>
-          <p:cNvPr id="6" name="Content Placeholder 5"/>
-          <p:cNvSpPr>
-            <a:spLocks noGrp="1"/>
-          </p:cNvSpPr>
-          <p:nvPr>
-            <p:ph sz="quarter" idx="4"/>
-          </p:nvPr>
-        </p:nvSpPr>
-        <p:spPr>
-          <a:xfrm>
-            <a:off x="4645026" y="1631156"/>
-            <a:ext cx="4041775" cy="2963466"/>
-          </a:xfrm>
-        </p:spPr>
-        <p:txBody>
-          <a:bodyPr/>
-          <a:lstStyle>
-            <a:lvl1pPr>
-              <a:defRPr sz="2400"/>
-            </a:lvl1pPr>
-            <a:lvl2pPr>
-              <a:defRPr sz="2000"/>
-            </a:lvl2pPr>
-            <a:lvl3pPr>
-              <a:defRPr sz="1800"/>
-            </a:lvl3pPr>
-            <a:lvl4pPr>
-              <a:defRPr sz="1600"/>
-            </a:lvl4pPr>
-            <a:lvl5pPr>
-              <a:defRPr sz="1600"/>
-            </a:lvl5pPr>
-            <a:lvl6pPr>
-              <a:defRPr sz="1600"/>
-            </a:lvl6pPr>
-            <a:lvl7pPr>
-              <a:defRPr sz="1600"/>
-            </a:lvl7pPr>
-            <a:lvl8pPr>
-              <a:defRPr sz="1600"/>
-            </a:lvl8pPr>
-            <a:lvl9pPr>
-              <a:defRPr sz="1600"/>
-            </a:lvl9pPr>
-          </a:lstStyle>
-          <a:p>
-            <a:pPr lvl="0"/>
-            <a:r>
-              <a:rPr lang="en-US" smtClean="0"/>
-              <a:t>Click to edit Master text styles</a:t>
-            </a:r>
-          </a:p>
-          <a:p>
-            <a:pPr lvl="1"/>
-            <a:r>
-              <a:rPr lang="en-US" smtClean="0"/>
-              <a:t>Second level</a:t>
-            </a:r>
-          </a:p>
-          <a:p>
-            <a:pPr lvl="2"/>
-            <a:r>
-              <a:rPr lang="en-US" smtClean="0"/>
-              <a:t>Third level</a:t>
-            </a:r>
-          </a:p>
-          <a:p>
-            <a:pPr lvl="3"/>
-            <a:r>
-              <a:rPr lang="en-US" smtClean="0"/>
-              <a:t>Fourth level</a:t>
-            </a:r>
-          </a:p>
-          <a:p>
-            <a:pPr lvl="4"/>
-            <a:r>
-              <a:rPr lang="en-US" smtClean="0"/>
-              <a:t>Fifth level</a:t>
-            </a:r>
-            <a:endParaRPr lang="en-US"/>
-          </a:p>
-        </p:txBody>
-      </p:sp>
-      <p:sp>
-        <p:nvSpPr>
-          <p:cNvPr id="7" name="Date Placeholder 6"/>
-          <p:cNvSpPr>
-            <a:spLocks noGrp="1"/>
-          </p:cNvSpPr>
-          <p:nvPr>
-            <p:ph type="dt" sz="half" idx="10"/>
-          </p:nvPr>
-        </p:nvSpPr>
-        <p:spPr/>
-        <p:txBody>
-          <a:bodyPr/>
-          <a:lstStyle/>
-          <a:p>
-            <a:fld id="{C9A72ECC-C4E6-43CF-A8B7-AA3E2120E49E}" type="datetimeFigureOut">
-              <a:rPr lang="en-US" smtClean="0"/>
-              <a:t>1/8/2019</a:t>
+              <a:t>5/11/2020</a:t>
             </a:fld>
             <a:endParaRPr lang="en-US"/>
           </a:p>
@@ -1777,7 +1833,13 @@
       </p:sp>
       <p:sp>
         <p:nvSpPr>
-          <p:cNvPr id="8" name="Footer Placeholder 7"/>
+          <p:cNvPr id="8" name="Footer Placeholder 7">
+            <a:extLst>
+              <a:ext uri="{FF2B5EF4-FFF2-40B4-BE49-F238E27FC236}">
+                <a16:creationId xmlns:a16="http://schemas.microsoft.com/office/drawing/2014/main" id="{12CC77F5-BCA0-4136-9814-FE34914739D9}"/>
+              </a:ext>
+            </a:extLst>
+          </p:cNvPr>
           <p:cNvSpPr>
             <a:spLocks noGrp="1"/>
           </p:cNvSpPr>
@@ -1796,7 +1858,13 @@
       </p:sp>
       <p:sp>
         <p:nvSpPr>
-          <p:cNvPr id="9" name="Slide Number Placeholder 8"/>
+          <p:cNvPr id="9" name="Slide Number Placeholder 8">
+            <a:extLst>
+              <a:ext uri="{FF2B5EF4-FFF2-40B4-BE49-F238E27FC236}">
+                <a16:creationId xmlns:a16="http://schemas.microsoft.com/office/drawing/2014/main" id="{3991FAB6-B728-46A7-A9BD-7B5996237069}"/>
+              </a:ext>
+            </a:extLst>
+          </p:cNvPr>
           <p:cNvSpPr>
             <a:spLocks noGrp="1"/>
           </p:cNvSpPr>
@@ -1809,7 +1877,7 @@
           <a:bodyPr/>
           <a:lstStyle/>
           <a:p>
-            <a:fld id="{0B49E6E0-DE98-41EA-9E21-D83281D2FF67}" type="slidenum">
+            <a:fld id="{157C90EA-039A-424C-8E76-38A5902721AE}" type="slidenum">
               <a:rPr lang="en-US" smtClean="0"/>
               <a:t>‹#›</a:t>
             </a:fld>
@@ -1820,7 +1888,7 @@
     </p:spTree>
     <p:extLst>
       <p:ext uri="{BB962C8B-B14F-4D97-AF65-F5344CB8AC3E}">
-        <p14:creationId xmlns:p14="http://schemas.microsoft.com/office/powerpoint/2010/main" val="2200902151"/>
+        <p14:creationId xmlns:p14="http://schemas.microsoft.com/office/powerpoint/2010/main" val="2685555508"/>
       </p:ext>
     </p:extLst>
   </p:cSld>
@@ -1849,7 +1917,13 @@
       </p:grpSpPr>
       <p:sp>
         <p:nvSpPr>
-          <p:cNvPr id="2" name="Title 1"/>
+          <p:cNvPr id="2" name="Title 1">
+            <a:extLst>
+              <a:ext uri="{FF2B5EF4-FFF2-40B4-BE49-F238E27FC236}">
+                <a16:creationId xmlns:a16="http://schemas.microsoft.com/office/drawing/2014/main" id="{B557D0AE-7D46-4666-AEC0-7C439F000074}"/>
+              </a:ext>
+            </a:extLst>
+          </p:cNvPr>
           <p:cNvSpPr>
             <a:spLocks noGrp="1"/>
           </p:cNvSpPr>
@@ -1863,31 +1937,36 @@
           <a:lstStyle/>
           <a:p>
             <a:r>
+              <a:rPr lang="en-US"/>
+              <a:t>Click to edit Master title style</a:t>
+            </a:r>
+          </a:p>
+        </p:txBody>
+      </p:sp>
+      <p:sp>
+        <p:nvSpPr>
+          <p:cNvPr id="3" name="Date Placeholder 2">
+            <a:extLst>
+              <a:ext uri="{FF2B5EF4-FFF2-40B4-BE49-F238E27FC236}">
+                <a16:creationId xmlns:a16="http://schemas.microsoft.com/office/drawing/2014/main" id="{540B4981-A1A4-488B-91E8-15A7BFD59EED}"/>
+              </a:ext>
+            </a:extLst>
+          </p:cNvPr>
+          <p:cNvSpPr>
+            <a:spLocks noGrp="1"/>
+          </p:cNvSpPr>
+          <p:nvPr>
+            <p:ph type="dt" sz="half" idx="10"/>
+          </p:nvPr>
+        </p:nvSpPr>
+        <p:spPr/>
+        <p:txBody>
+          <a:bodyPr/>
+          <a:lstStyle/>
+          <a:p>
+            <a:fld id="{CE10518F-ED71-42B7-A7C7-0C7521D5B6CE}" type="datetimeFigureOut">
               <a:rPr lang="en-US" smtClean="0"/>
-              <a:t>Click to edit Master title style</a:t>
-            </a:r>
-            <a:endParaRPr lang="en-US"/>
-          </a:p>
-        </p:txBody>
-      </p:sp>
-      <p:sp>
-        <p:nvSpPr>
-          <p:cNvPr id="3" name="Date Placeholder 2"/>
-          <p:cNvSpPr>
-            <a:spLocks noGrp="1"/>
-          </p:cNvSpPr>
-          <p:nvPr>
-            <p:ph type="dt" sz="half" idx="10"/>
-          </p:nvPr>
-        </p:nvSpPr>
-        <p:spPr/>
-        <p:txBody>
-          <a:bodyPr/>
-          <a:lstStyle/>
-          <a:p>
-            <a:fld id="{C9A72ECC-C4E6-43CF-A8B7-AA3E2120E49E}" type="datetimeFigureOut">
-              <a:rPr lang="en-US" smtClean="0"/>
-              <a:t>1/8/2019</a:t>
+              <a:t>5/11/2020</a:t>
             </a:fld>
             <a:endParaRPr lang="en-US"/>
           </a:p>
@@ -1895,7 +1974,13 @@
       </p:sp>
       <p:sp>
         <p:nvSpPr>
-          <p:cNvPr id="4" name="Footer Placeholder 3"/>
+          <p:cNvPr id="4" name="Footer Placeholder 3">
+            <a:extLst>
+              <a:ext uri="{FF2B5EF4-FFF2-40B4-BE49-F238E27FC236}">
+                <a16:creationId xmlns:a16="http://schemas.microsoft.com/office/drawing/2014/main" id="{BBFDBFDF-6375-4918-B26F-DBC8315C5577}"/>
+              </a:ext>
+            </a:extLst>
+          </p:cNvPr>
           <p:cNvSpPr>
             <a:spLocks noGrp="1"/>
           </p:cNvSpPr>
@@ -1914,7 +1999,13 @@
       </p:sp>
       <p:sp>
         <p:nvSpPr>
-          <p:cNvPr id="5" name="Slide Number Placeholder 4"/>
+          <p:cNvPr id="5" name="Slide Number Placeholder 4">
+            <a:extLst>
+              <a:ext uri="{FF2B5EF4-FFF2-40B4-BE49-F238E27FC236}">
+                <a16:creationId xmlns:a16="http://schemas.microsoft.com/office/drawing/2014/main" id="{5920C74C-50F1-47F2-AB1F-5045A2776EF3}"/>
+              </a:ext>
+            </a:extLst>
+          </p:cNvPr>
           <p:cNvSpPr>
             <a:spLocks noGrp="1"/>
           </p:cNvSpPr>
@@ -1927,7 +2018,7 @@
           <a:bodyPr/>
           <a:lstStyle/>
           <a:p>
-            <a:fld id="{0B49E6E0-DE98-41EA-9E21-D83281D2FF67}" type="slidenum">
+            <a:fld id="{157C90EA-039A-424C-8E76-38A5902721AE}" type="slidenum">
               <a:rPr lang="en-US" smtClean="0"/>
               <a:t>‹#›</a:t>
             </a:fld>
@@ -1938,7 +2029,7 @@
     </p:spTree>
     <p:extLst>
       <p:ext uri="{BB962C8B-B14F-4D97-AF65-F5344CB8AC3E}">
-        <p14:creationId xmlns:p14="http://schemas.microsoft.com/office/powerpoint/2010/main" val="1018921315"/>
+        <p14:creationId xmlns:p14="http://schemas.microsoft.com/office/powerpoint/2010/main" val="1141795893"/>
       </p:ext>
     </p:extLst>
   </p:cSld>
@@ -1967,7 +2058,13 @@
       </p:grpSpPr>
       <p:sp>
         <p:nvSpPr>
-          <p:cNvPr id="2" name="Date Placeholder 1"/>
+          <p:cNvPr id="2" name="Date Placeholder 1">
+            <a:extLst>
+              <a:ext uri="{FF2B5EF4-FFF2-40B4-BE49-F238E27FC236}">
+                <a16:creationId xmlns:a16="http://schemas.microsoft.com/office/drawing/2014/main" id="{9FBC98BF-941A-4014-B041-24AF0D2BAE8A}"/>
+              </a:ext>
+            </a:extLst>
+          </p:cNvPr>
           <p:cNvSpPr>
             <a:spLocks noGrp="1"/>
           </p:cNvSpPr>
@@ -1980,9 +2077,9 @@
           <a:bodyPr/>
           <a:lstStyle/>
           <a:p>
-            <a:fld id="{C9A72ECC-C4E6-43CF-A8B7-AA3E2120E49E}" type="datetimeFigureOut">
+            <a:fld id="{CE10518F-ED71-42B7-A7C7-0C7521D5B6CE}" type="datetimeFigureOut">
               <a:rPr lang="en-US" smtClean="0"/>
-              <a:t>1/8/2019</a:t>
+              <a:t>5/11/2020</a:t>
             </a:fld>
             <a:endParaRPr lang="en-US"/>
           </a:p>
@@ -1990,7 +2087,13 @@
       </p:sp>
       <p:sp>
         <p:nvSpPr>
-          <p:cNvPr id="3" name="Footer Placeholder 2"/>
+          <p:cNvPr id="3" name="Footer Placeholder 2">
+            <a:extLst>
+              <a:ext uri="{FF2B5EF4-FFF2-40B4-BE49-F238E27FC236}">
+                <a16:creationId xmlns:a16="http://schemas.microsoft.com/office/drawing/2014/main" id="{FE1078CD-E0E8-4E70-A2C2-09AA3F3CCF34}"/>
+              </a:ext>
+            </a:extLst>
+          </p:cNvPr>
           <p:cNvSpPr>
             <a:spLocks noGrp="1"/>
           </p:cNvSpPr>
@@ -2009,7 +2112,13 @@
       </p:sp>
       <p:sp>
         <p:nvSpPr>
-          <p:cNvPr id="4" name="Slide Number Placeholder 3"/>
+          <p:cNvPr id="4" name="Slide Number Placeholder 3">
+            <a:extLst>
+              <a:ext uri="{FF2B5EF4-FFF2-40B4-BE49-F238E27FC236}">
+                <a16:creationId xmlns:a16="http://schemas.microsoft.com/office/drawing/2014/main" id="{C6C4889E-4175-44C5-8810-92CDBBD3032A}"/>
+              </a:ext>
+            </a:extLst>
+          </p:cNvPr>
           <p:cNvSpPr>
             <a:spLocks noGrp="1"/>
           </p:cNvSpPr>
@@ -2022,7 +2131,7 @@
           <a:bodyPr/>
           <a:lstStyle/>
           <a:p>
-            <a:fld id="{0B49E6E0-DE98-41EA-9E21-D83281D2FF67}" type="slidenum">
+            <a:fld id="{157C90EA-039A-424C-8E76-38A5902721AE}" type="slidenum">
               <a:rPr lang="en-US" smtClean="0"/>
               <a:t>‹#›</a:t>
             </a:fld>
@@ -2033,7 +2142,7 @@
     </p:spTree>
     <p:extLst>
       <p:ext uri="{BB962C8B-B14F-4D97-AF65-F5344CB8AC3E}">
-        <p14:creationId xmlns:p14="http://schemas.microsoft.com/office/powerpoint/2010/main" val="3178986920"/>
+        <p14:creationId xmlns:p14="http://schemas.microsoft.com/office/powerpoint/2010/main" val="164847338"/>
       </p:ext>
     </p:extLst>
   </p:cSld>
@@ -2062,7 +2171,13 @@
       </p:grpSpPr>
       <p:sp>
         <p:nvSpPr>
-          <p:cNvPr id="2" name="Title 1"/>
+          <p:cNvPr id="2" name="Title 1">
+            <a:extLst>
+              <a:ext uri="{FF2B5EF4-FFF2-40B4-BE49-F238E27FC236}">
+                <a16:creationId xmlns:a16="http://schemas.microsoft.com/office/drawing/2014/main" id="{DBA24863-A6DC-46CC-8723-4C6C7B54B124}"/>
+              </a:ext>
+            </a:extLst>
+          </p:cNvPr>
           <p:cNvSpPr>
             <a:spLocks noGrp="1"/>
           </p:cNvSpPr>
@@ -2072,29 +2187,34 @@
         </p:nvSpPr>
         <p:spPr>
           <a:xfrm>
-            <a:off x="457201" y="204787"/>
-            <a:ext cx="3008313" cy="871538"/>
+            <a:off x="839788" y="457200"/>
+            <a:ext cx="3932237" cy="1600200"/>
           </a:xfrm>
         </p:spPr>
         <p:txBody>
           <a:bodyPr anchor="b"/>
           <a:lstStyle>
-            <a:lvl1pPr algn="l">
-              <a:defRPr sz="2000" b="1"/>
+            <a:lvl1pPr>
+              <a:defRPr sz="3200"/>
             </a:lvl1pPr>
           </a:lstStyle>
           <a:p>
             <a:r>
-              <a:rPr lang="en-US" smtClean="0"/>
+              <a:rPr lang="en-US"/>
               <a:t>Click to edit Master title style</a:t>
             </a:r>
-            <a:endParaRPr lang="en-US"/>
-          </a:p>
-        </p:txBody>
-      </p:sp>
-      <p:sp>
-        <p:nvSpPr>
-          <p:cNvPr id="3" name="Content Placeholder 2"/>
+          </a:p>
+        </p:txBody>
+      </p:sp>
+      <p:sp>
+        <p:nvSpPr>
+          <p:cNvPr id="3" name="Content Placeholder 2">
+            <a:extLst>
+              <a:ext uri="{FF2B5EF4-FFF2-40B4-BE49-F238E27FC236}">
+                <a16:creationId xmlns:a16="http://schemas.microsoft.com/office/drawing/2014/main" id="{0199FE2B-A275-4595-8FE0-BEBB97972B55}"/>
+              </a:ext>
+            </a:extLst>
+          </p:cNvPr>
           <p:cNvSpPr>
             <a:spLocks noGrp="1"/>
           </p:cNvSpPr>
@@ -2104,8 +2224,8 @@
         </p:nvSpPr>
         <p:spPr>
           <a:xfrm>
-            <a:off x="3575050" y="204788"/>
-            <a:ext cx="5111750" cy="4389835"/>
+            <a:off x="5183188" y="987425"/>
+            <a:ext cx="6172200" cy="4873625"/>
           </a:xfrm>
         </p:spPr>
         <p:txBody>
@@ -2142,44 +2262,49 @@
           <a:p>
             <a:pPr lvl="0"/>
             <a:r>
-              <a:rPr lang="en-US" smtClean="0"/>
+              <a:rPr lang="en-US"/>
               <a:t>Click to edit Master text styles</a:t>
             </a:r>
           </a:p>
           <a:p>
             <a:pPr lvl="1"/>
             <a:r>
-              <a:rPr lang="en-US" smtClean="0"/>
+              <a:rPr lang="en-US"/>
               <a:t>Second level</a:t>
             </a:r>
           </a:p>
           <a:p>
             <a:pPr lvl="2"/>
             <a:r>
-              <a:rPr lang="en-US" smtClean="0"/>
+              <a:rPr lang="en-US"/>
               <a:t>Third level</a:t>
             </a:r>
           </a:p>
           <a:p>
             <a:pPr lvl="3"/>
             <a:r>
-              <a:rPr lang="en-US" smtClean="0"/>
+              <a:rPr lang="en-US"/>
               <a:t>Fourth level</a:t>
             </a:r>
           </a:p>
           <a:p>
             <a:pPr lvl="4"/>
             <a:r>
-              <a:rPr lang="en-US" smtClean="0"/>
+              <a:rPr lang="en-US"/>
               <a:t>Fifth level</a:t>
             </a:r>
-            <a:endParaRPr lang="en-US"/>
-          </a:p>
-        </p:txBody>
-      </p:sp>
-      <p:sp>
-        <p:nvSpPr>
-          <p:cNvPr id="4" name="Text Placeholder 3"/>
+          </a:p>
+        </p:txBody>
+      </p:sp>
+      <p:sp>
+        <p:nvSpPr>
+          <p:cNvPr id="4" name="Text Placeholder 3">
+            <a:extLst>
+              <a:ext uri="{FF2B5EF4-FFF2-40B4-BE49-F238E27FC236}">
+                <a16:creationId xmlns:a16="http://schemas.microsoft.com/office/drawing/2014/main" id="{66C56CF1-B54F-491A-8C20-DCE81EEB9A5C}"/>
+              </a:ext>
+            </a:extLst>
+          </p:cNvPr>
           <p:cNvSpPr>
             <a:spLocks noGrp="1"/>
           </p:cNvSpPr>
@@ -2189,8 +2314,8 @@
         </p:nvSpPr>
         <p:spPr>
           <a:xfrm>
-            <a:off x="457201" y="1076326"/>
-            <a:ext cx="3008313" cy="3518297"/>
+            <a:off x="839788" y="2057400"/>
+            <a:ext cx="3932237" cy="3811588"/>
           </a:xfrm>
         </p:spPr>
         <p:txBody>
@@ -2198,68 +2323,74 @@
           <a:lstStyle>
             <a:lvl1pPr marL="0" indent="0">
               <a:buNone/>
-              <a:defRPr sz="1400"/>
+              <a:defRPr sz="1600"/>
             </a:lvl1pPr>
             <a:lvl2pPr marL="457200" indent="0">
               <a:buNone/>
-              <a:defRPr sz="1200"/>
+              <a:defRPr sz="1400"/>
             </a:lvl2pPr>
             <a:lvl3pPr marL="914400" indent="0">
               <a:buNone/>
-              <a:defRPr sz="1000"/>
+              <a:defRPr sz="1200"/>
             </a:lvl3pPr>
             <a:lvl4pPr marL="1371600" indent="0">
               <a:buNone/>
-              <a:defRPr sz="900"/>
+              <a:defRPr sz="1000"/>
             </a:lvl4pPr>
             <a:lvl5pPr marL="1828800" indent="0">
               <a:buNone/>
-              <a:defRPr sz="900"/>
+              <a:defRPr sz="1000"/>
             </a:lvl5pPr>
             <a:lvl6pPr marL="2286000" indent="0">
               <a:buNone/>
-              <a:defRPr sz="900"/>
+              <a:defRPr sz="1000"/>
             </a:lvl6pPr>
             <a:lvl7pPr marL="2743200" indent="0">
               <a:buNone/>
-              <a:defRPr sz="900"/>
+              <a:defRPr sz="1000"/>
             </a:lvl7pPr>
             <a:lvl8pPr marL="3200400" indent="0">
               <a:buNone/>
-              <a:defRPr sz="900"/>
+              <a:defRPr sz="1000"/>
             </a:lvl8pPr>
             <a:lvl9pPr marL="3657600" indent="0">
               <a:buNone/>
-              <a:defRPr sz="900"/>
+              <a:defRPr sz="1000"/>
             </a:lvl9pPr>
           </a:lstStyle>
           <a:p>
             <a:pPr lvl="0"/>
             <a:r>
+              <a:rPr lang="en-US"/>
+              <a:t>Click to edit Master text styles</a:t>
+            </a:r>
+          </a:p>
+        </p:txBody>
+      </p:sp>
+      <p:sp>
+        <p:nvSpPr>
+          <p:cNvPr id="5" name="Date Placeholder 4">
+            <a:extLst>
+              <a:ext uri="{FF2B5EF4-FFF2-40B4-BE49-F238E27FC236}">
+                <a16:creationId xmlns:a16="http://schemas.microsoft.com/office/drawing/2014/main" id="{4BEFA128-30BD-4AE8-9431-37EB25153032}"/>
+              </a:ext>
+            </a:extLst>
+          </p:cNvPr>
+          <p:cNvSpPr>
+            <a:spLocks noGrp="1"/>
+          </p:cNvSpPr>
+          <p:nvPr>
+            <p:ph type="dt" sz="half" idx="10"/>
+          </p:nvPr>
+        </p:nvSpPr>
+        <p:spPr/>
+        <p:txBody>
+          <a:bodyPr/>
+          <a:lstStyle/>
+          <a:p>
+            <a:fld id="{CE10518F-ED71-42B7-A7C7-0C7521D5B6CE}" type="datetimeFigureOut">
               <a:rPr lang="en-US" smtClean="0"/>
-              <a:t>Click to edit Master text styles</a:t>
-            </a:r>
-          </a:p>
-        </p:txBody>
-      </p:sp>
-      <p:sp>
-        <p:nvSpPr>
-          <p:cNvPr id="5" name="Date Placeholder 4"/>
-          <p:cNvSpPr>
-            <a:spLocks noGrp="1"/>
-          </p:cNvSpPr>
-          <p:nvPr>
-            <p:ph type="dt" sz="half" idx="10"/>
-          </p:nvPr>
-        </p:nvSpPr>
-        <p:spPr/>
-        <p:txBody>
-          <a:bodyPr/>
-          <a:lstStyle/>
-          <a:p>
-            <a:fld id="{C9A72ECC-C4E6-43CF-A8B7-AA3E2120E49E}" type="datetimeFigureOut">
-              <a:rPr lang="en-US" smtClean="0"/>
-              <a:t>1/8/2019</a:t>
+              <a:t>5/11/2020</a:t>
             </a:fld>
             <a:endParaRPr lang="en-US"/>
           </a:p>
@@ -2267,7 +2398,13 @@
       </p:sp>
       <p:sp>
         <p:nvSpPr>
-          <p:cNvPr id="6" name="Footer Placeholder 5"/>
+          <p:cNvPr id="6" name="Footer Placeholder 5">
+            <a:extLst>
+              <a:ext uri="{FF2B5EF4-FFF2-40B4-BE49-F238E27FC236}">
+                <a16:creationId xmlns:a16="http://schemas.microsoft.com/office/drawing/2014/main" id="{3F55FC99-EAA2-4630-A4ED-56C3336F1AE9}"/>
+              </a:ext>
+            </a:extLst>
+          </p:cNvPr>
           <p:cNvSpPr>
             <a:spLocks noGrp="1"/>
           </p:cNvSpPr>
@@ -2286,7 +2423,13 @@
       </p:sp>
       <p:sp>
         <p:nvSpPr>
-          <p:cNvPr id="7" name="Slide Number Placeholder 6"/>
+          <p:cNvPr id="7" name="Slide Number Placeholder 6">
+            <a:extLst>
+              <a:ext uri="{FF2B5EF4-FFF2-40B4-BE49-F238E27FC236}">
+                <a16:creationId xmlns:a16="http://schemas.microsoft.com/office/drawing/2014/main" id="{43A8AF47-6AFA-4795-AB70-0416679B4A50}"/>
+              </a:ext>
+            </a:extLst>
+          </p:cNvPr>
           <p:cNvSpPr>
             <a:spLocks noGrp="1"/>
           </p:cNvSpPr>
@@ -2299,7 +2442,7 @@
           <a:bodyPr/>
           <a:lstStyle/>
           <a:p>
-            <a:fld id="{0B49E6E0-DE98-41EA-9E21-D83281D2FF67}" type="slidenum">
+            <a:fld id="{157C90EA-039A-424C-8E76-38A5902721AE}" type="slidenum">
               <a:rPr lang="en-US" smtClean="0"/>
               <a:t>‹#›</a:t>
             </a:fld>
@@ -2310,7 +2453,7 @@
     </p:spTree>
     <p:extLst>
       <p:ext uri="{BB962C8B-B14F-4D97-AF65-F5344CB8AC3E}">
-        <p14:creationId xmlns:p14="http://schemas.microsoft.com/office/powerpoint/2010/main" val="4155932572"/>
+        <p14:creationId xmlns:p14="http://schemas.microsoft.com/office/powerpoint/2010/main" val="2179989149"/>
       </p:ext>
     </p:extLst>
   </p:cSld>
@@ -2339,7 +2482,13 @@
       </p:grpSpPr>
       <p:sp>
         <p:nvSpPr>
-          <p:cNvPr id="2" name="Title 1"/>
+          <p:cNvPr id="2" name="Title 1">
+            <a:extLst>
+              <a:ext uri="{FF2B5EF4-FFF2-40B4-BE49-F238E27FC236}">
+                <a16:creationId xmlns:a16="http://schemas.microsoft.com/office/drawing/2014/main" id="{3234231A-2820-4C18-915F-5BE6B442007C}"/>
+              </a:ext>
+            </a:extLst>
+          </p:cNvPr>
           <p:cNvSpPr>
             <a:spLocks noGrp="1"/>
           </p:cNvSpPr>
@@ -2349,29 +2498,34 @@
         </p:nvSpPr>
         <p:spPr>
           <a:xfrm>
-            <a:off x="1792288" y="3600450"/>
-            <a:ext cx="5486400" cy="425054"/>
+            <a:off x="839788" y="457200"/>
+            <a:ext cx="3932237" cy="1600200"/>
           </a:xfrm>
         </p:spPr>
         <p:txBody>
           <a:bodyPr anchor="b"/>
           <a:lstStyle>
-            <a:lvl1pPr algn="l">
-              <a:defRPr sz="2000" b="1"/>
+            <a:lvl1pPr>
+              <a:defRPr sz="3200"/>
             </a:lvl1pPr>
           </a:lstStyle>
           <a:p>
             <a:r>
-              <a:rPr lang="en-US" smtClean="0"/>
+              <a:rPr lang="en-US"/>
               <a:t>Click to edit Master title style</a:t>
             </a:r>
-            <a:endParaRPr lang="en-US"/>
-          </a:p>
-        </p:txBody>
-      </p:sp>
-      <p:sp>
-        <p:nvSpPr>
-          <p:cNvPr id="3" name="Picture Placeholder 2"/>
+          </a:p>
+        </p:txBody>
+      </p:sp>
+      <p:sp>
+        <p:nvSpPr>
+          <p:cNvPr id="3" name="Picture Placeholder 2">
+            <a:extLst>
+              <a:ext uri="{FF2B5EF4-FFF2-40B4-BE49-F238E27FC236}">
+                <a16:creationId xmlns:a16="http://schemas.microsoft.com/office/drawing/2014/main" id="{AA281914-4840-4FD0-ABAA-9DFC1E241EBF}"/>
+              </a:ext>
+            </a:extLst>
+          </p:cNvPr>
           <p:cNvSpPr>
             <a:spLocks noGrp="1"/>
           </p:cNvSpPr>
@@ -2381,8 +2535,8 @@
         </p:nvSpPr>
         <p:spPr>
           <a:xfrm>
-            <a:off x="1792288" y="459581"/>
-            <a:ext cx="5486400" cy="3086100"/>
+            <a:off x="5183188" y="987425"/>
+            <a:ext cx="6172200" cy="4873625"/>
           </a:xfrm>
         </p:spPr>
         <p:txBody>
@@ -2432,7 +2586,13 @@
       </p:sp>
       <p:sp>
         <p:nvSpPr>
-          <p:cNvPr id="4" name="Text Placeholder 3"/>
+          <p:cNvPr id="4" name="Text Placeholder 3">
+            <a:extLst>
+              <a:ext uri="{FF2B5EF4-FFF2-40B4-BE49-F238E27FC236}">
+                <a16:creationId xmlns:a16="http://schemas.microsoft.com/office/drawing/2014/main" id="{2F1CFBB8-A89A-4CE7-9BA8-D5B40917612C}"/>
+              </a:ext>
+            </a:extLst>
+          </p:cNvPr>
           <p:cNvSpPr>
             <a:spLocks noGrp="1"/>
           </p:cNvSpPr>
@@ -2442,8 +2602,8 @@
         </p:nvSpPr>
         <p:spPr>
           <a:xfrm>
-            <a:off x="1792288" y="4025503"/>
-            <a:ext cx="5486400" cy="603647"/>
+            <a:off x="839788" y="2057400"/>
+            <a:ext cx="3932237" cy="3811588"/>
           </a:xfrm>
         </p:spPr>
         <p:txBody>
@@ -2451,68 +2611,74 @@
           <a:lstStyle>
             <a:lvl1pPr marL="0" indent="0">
               <a:buNone/>
-              <a:defRPr sz="1400"/>
+              <a:defRPr sz="1600"/>
             </a:lvl1pPr>
             <a:lvl2pPr marL="457200" indent="0">
               <a:buNone/>
-              <a:defRPr sz="1200"/>
+              <a:defRPr sz="1400"/>
             </a:lvl2pPr>
             <a:lvl3pPr marL="914400" indent="0">
               <a:buNone/>
-              <a:defRPr sz="1000"/>
+              <a:defRPr sz="1200"/>
             </a:lvl3pPr>
             <a:lvl4pPr marL="1371600" indent="0">
               <a:buNone/>
-              <a:defRPr sz="900"/>
+              <a:defRPr sz="1000"/>
             </a:lvl4pPr>
             <a:lvl5pPr marL="1828800" indent="0">
               <a:buNone/>
-              <a:defRPr sz="900"/>
+              <a:defRPr sz="1000"/>
             </a:lvl5pPr>
             <a:lvl6pPr marL="2286000" indent="0">
               <a:buNone/>
-              <a:defRPr sz="900"/>
+              <a:defRPr sz="1000"/>
             </a:lvl6pPr>
             <a:lvl7pPr marL="2743200" indent="0">
               <a:buNone/>
-              <a:defRPr sz="900"/>
+              <a:defRPr sz="1000"/>
             </a:lvl7pPr>
             <a:lvl8pPr marL="3200400" indent="0">
               <a:buNone/>
-              <a:defRPr sz="900"/>
+              <a:defRPr sz="1000"/>
             </a:lvl8pPr>
             <a:lvl9pPr marL="3657600" indent="0">
               <a:buNone/>
-              <a:defRPr sz="900"/>
+              <a:defRPr sz="1000"/>
             </a:lvl9pPr>
           </a:lstStyle>
           <a:p>
             <a:pPr lvl="0"/>
             <a:r>
+              <a:rPr lang="en-US"/>
+              <a:t>Click to edit Master text styles</a:t>
+            </a:r>
+          </a:p>
+        </p:txBody>
+      </p:sp>
+      <p:sp>
+        <p:nvSpPr>
+          <p:cNvPr id="5" name="Date Placeholder 4">
+            <a:extLst>
+              <a:ext uri="{FF2B5EF4-FFF2-40B4-BE49-F238E27FC236}">
+                <a16:creationId xmlns:a16="http://schemas.microsoft.com/office/drawing/2014/main" id="{FBCB28A3-5307-425A-B788-0821BC3C7AAD}"/>
+              </a:ext>
+            </a:extLst>
+          </p:cNvPr>
+          <p:cNvSpPr>
+            <a:spLocks noGrp="1"/>
+          </p:cNvSpPr>
+          <p:nvPr>
+            <p:ph type="dt" sz="half" idx="10"/>
+          </p:nvPr>
+        </p:nvSpPr>
+        <p:spPr/>
+        <p:txBody>
+          <a:bodyPr/>
+          <a:lstStyle/>
+          <a:p>
+            <a:fld id="{CE10518F-ED71-42B7-A7C7-0C7521D5B6CE}" type="datetimeFigureOut">
               <a:rPr lang="en-US" smtClean="0"/>
-              <a:t>Click to edit Master text styles</a:t>
-            </a:r>
-          </a:p>
-        </p:txBody>
-      </p:sp>
-      <p:sp>
-        <p:nvSpPr>
-          <p:cNvPr id="5" name="Date Placeholder 4"/>
-          <p:cNvSpPr>
-            <a:spLocks noGrp="1"/>
-          </p:cNvSpPr>
-          <p:nvPr>
-            <p:ph type="dt" sz="half" idx="10"/>
-          </p:nvPr>
-        </p:nvSpPr>
-        <p:spPr/>
-        <p:txBody>
-          <a:bodyPr/>
-          <a:lstStyle/>
-          <a:p>
-            <a:fld id="{C9A72ECC-C4E6-43CF-A8B7-AA3E2120E49E}" type="datetimeFigureOut">
-              <a:rPr lang="en-US" smtClean="0"/>
-              <a:t>1/8/2019</a:t>
+              <a:t>5/11/2020</a:t>
             </a:fld>
             <a:endParaRPr lang="en-US"/>
           </a:p>
@@ -2520,7 +2686,13 @@
       </p:sp>
       <p:sp>
         <p:nvSpPr>
-          <p:cNvPr id="6" name="Footer Placeholder 5"/>
+          <p:cNvPr id="6" name="Footer Placeholder 5">
+            <a:extLst>
+              <a:ext uri="{FF2B5EF4-FFF2-40B4-BE49-F238E27FC236}">
+                <a16:creationId xmlns:a16="http://schemas.microsoft.com/office/drawing/2014/main" id="{A66FDB97-43AA-4BFE-B0F5-3D9C8C530600}"/>
+              </a:ext>
+            </a:extLst>
+          </p:cNvPr>
           <p:cNvSpPr>
             <a:spLocks noGrp="1"/>
           </p:cNvSpPr>
@@ -2539,7 +2711,13 @@
       </p:sp>
       <p:sp>
         <p:nvSpPr>
-          <p:cNvPr id="7" name="Slide Number Placeholder 6"/>
+          <p:cNvPr id="7" name="Slide Number Placeholder 6">
+            <a:extLst>
+              <a:ext uri="{FF2B5EF4-FFF2-40B4-BE49-F238E27FC236}">
+                <a16:creationId xmlns:a16="http://schemas.microsoft.com/office/drawing/2014/main" id="{FE9C8A79-13C3-4CC4-84E9-8057A4C9663D}"/>
+              </a:ext>
+            </a:extLst>
+          </p:cNvPr>
           <p:cNvSpPr>
             <a:spLocks noGrp="1"/>
           </p:cNvSpPr>
@@ -2552,7 +2730,7 @@
           <a:bodyPr/>
           <a:lstStyle/>
           <a:p>
-            <a:fld id="{0B49E6E0-DE98-41EA-9E21-D83281D2FF67}" type="slidenum">
+            <a:fld id="{157C90EA-039A-424C-8E76-38A5902721AE}" type="slidenum">
               <a:rPr lang="en-US" smtClean="0"/>
               <a:t>‹#›</a:t>
             </a:fld>
@@ -2563,7 +2741,7 @@
     </p:spTree>
     <p:extLst>
       <p:ext uri="{BB962C8B-B14F-4D97-AF65-F5344CB8AC3E}">
-        <p14:creationId xmlns:p14="http://schemas.microsoft.com/office/powerpoint/2010/main" val="3361200491"/>
+        <p14:creationId xmlns:p14="http://schemas.microsoft.com/office/powerpoint/2010/main" val="3680339852"/>
       </p:ext>
     </p:extLst>
   </p:cSld>
@@ -2577,9 +2755,12 @@
 <p:sldMaster xmlns:a="http://schemas.openxmlformats.org/drawingml/2006/main" xmlns:r="http://schemas.openxmlformats.org/officeDocument/2006/relationships" xmlns:p="http://schemas.openxmlformats.org/presentationml/2006/main">
   <p:cSld>
     <p:bg>
-      <p:bgRef idx="1001">
-        <a:schemeClr val="bg1"/>
-      </p:bgRef>
+      <p:bgPr>
+        <a:solidFill>
+          <a:srgbClr val="E2F6FF"/>
+        </a:solidFill>
+        <a:effectLst/>
+      </p:bgPr>
     </p:bg>
     <p:spTree>
       <p:nvGrpSpPr>
@@ -2597,7 +2778,13 @@
       </p:grpSpPr>
       <p:sp>
         <p:nvSpPr>
-          <p:cNvPr id="2" name="Title Placeholder 1"/>
+          <p:cNvPr id="2" name="Title Placeholder 1">
+            <a:extLst>
+              <a:ext uri="{FF2B5EF4-FFF2-40B4-BE49-F238E27FC236}">
+                <a16:creationId xmlns:a16="http://schemas.microsoft.com/office/drawing/2014/main" id="{4FF194DB-A0AD-4051-9979-9B022002EAFF}"/>
+              </a:ext>
+            </a:extLst>
+          </p:cNvPr>
           <p:cNvSpPr>
             <a:spLocks noGrp="1"/>
           </p:cNvSpPr>
@@ -2607,8 +2794,8 @@
         </p:nvSpPr>
         <p:spPr>
           <a:xfrm>
-            <a:off x="457200" y="205979"/>
-            <a:ext cx="8229600" cy="857250"/>
+            <a:off x="838200" y="365125"/>
+            <a:ext cx="10515600" cy="1325563"/>
           </a:xfrm>
           <a:prstGeom prst="rect">
             <a:avLst/>
@@ -2621,16 +2808,21 @@
           <a:lstStyle/>
           <a:p>
             <a:r>
-              <a:rPr lang="en-US" smtClean="0"/>
+              <a:rPr lang="en-US"/>
               <a:t>Click to edit Master title style</a:t>
             </a:r>
-            <a:endParaRPr lang="en-US"/>
-          </a:p>
-        </p:txBody>
-      </p:sp>
-      <p:sp>
-        <p:nvSpPr>
-          <p:cNvPr id="3" name="Text Placeholder 2"/>
+          </a:p>
+        </p:txBody>
+      </p:sp>
+      <p:sp>
+        <p:nvSpPr>
+          <p:cNvPr id="3" name="Text Placeholder 2">
+            <a:extLst>
+              <a:ext uri="{FF2B5EF4-FFF2-40B4-BE49-F238E27FC236}">
+                <a16:creationId xmlns:a16="http://schemas.microsoft.com/office/drawing/2014/main" id="{A56F3BB1-00A3-4F29-BD02-ED88C3B3D19D}"/>
+              </a:ext>
+            </a:extLst>
+          </p:cNvPr>
           <p:cNvSpPr>
             <a:spLocks noGrp="1"/>
           </p:cNvSpPr>
@@ -2640,8 +2832,8 @@
         </p:nvSpPr>
         <p:spPr>
           <a:xfrm>
-            <a:off x="457200" y="1200151"/>
-            <a:ext cx="8229600" cy="3394472"/>
+            <a:off x="838200" y="1825625"/>
+            <a:ext cx="10515600" cy="4351338"/>
           </a:xfrm>
           <a:prstGeom prst="rect">
             <a:avLst/>
@@ -2655,44 +2847,49 @@
           <a:p>
             <a:pPr lvl="0"/>
             <a:r>
-              <a:rPr lang="en-US" smtClean="0"/>
+              <a:rPr lang="en-US"/>
               <a:t>Click to edit Master text styles</a:t>
             </a:r>
           </a:p>
           <a:p>
             <a:pPr lvl="1"/>
             <a:r>
-              <a:rPr lang="en-US" smtClean="0"/>
+              <a:rPr lang="en-US"/>
               <a:t>Second level</a:t>
             </a:r>
           </a:p>
           <a:p>
             <a:pPr lvl="2"/>
             <a:r>
-              <a:rPr lang="en-US" smtClean="0"/>
+              <a:rPr lang="en-US"/>
               <a:t>Third level</a:t>
             </a:r>
           </a:p>
           <a:p>
             <a:pPr lvl="3"/>
             <a:r>
-              <a:rPr lang="en-US" smtClean="0"/>
+              <a:rPr lang="en-US"/>
               <a:t>Fourth level</a:t>
             </a:r>
           </a:p>
           <a:p>
             <a:pPr lvl="4"/>
             <a:r>
-              <a:rPr lang="en-US" smtClean="0"/>
+              <a:rPr lang="en-US"/>
               <a:t>Fifth level</a:t>
             </a:r>
-            <a:endParaRPr lang="en-US"/>
-          </a:p>
-        </p:txBody>
-      </p:sp>
-      <p:sp>
-        <p:nvSpPr>
-          <p:cNvPr id="4" name="Date Placeholder 3"/>
+          </a:p>
+        </p:txBody>
+      </p:sp>
+      <p:sp>
+        <p:nvSpPr>
+          <p:cNvPr id="4" name="Date Placeholder 3">
+            <a:extLst>
+              <a:ext uri="{FF2B5EF4-FFF2-40B4-BE49-F238E27FC236}">
+                <a16:creationId xmlns:a16="http://schemas.microsoft.com/office/drawing/2014/main" id="{793D501C-A33C-4FE4-A566-274E34224E32}"/>
+              </a:ext>
+            </a:extLst>
+          </p:cNvPr>
           <p:cNvSpPr>
             <a:spLocks noGrp="1"/>
           </p:cNvSpPr>
@@ -2702,8 +2899,8 @@
         </p:nvSpPr>
         <p:spPr>
           <a:xfrm>
-            <a:off x="457200" y="4767263"/>
-            <a:ext cx="2133600" cy="273844"/>
+            <a:off x="838200" y="6356350"/>
+            <a:ext cx="2743200" cy="365125"/>
           </a:xfrm>
           <a:prstGeom prst="rect">
             <a:avLst/>
@@ -2723,9 +2920,9 @@
             </a:lvl1pPr>
           </a:lstStyle>
           <a:p>
-            <a:fld id="{C9A72ECC-C4E6-43CF-A8B7-AA3E2120E49E}" type="datetimeFigureOut">
+            <a:fld id="{CE10518F-ED71-42B7-A7C7-0C7521D5B6CE}" type="datetimeFigureOut">
               <a:rPr lang="en-US" smtClean="0"/>
-              <a:t>1/8/2019</a:t>
+              <a:t>5/11/2020</a:t>
             </a:fld>
             <a:endParaRPr lang="en-US"/>
           </a:p>
@@ -2733,7 +2930,13 @@
       </p:sp>
       <p:sp>
         <p:nvSpPr>
-          <p:cNvPr id="5" name="Footer Placeholder 4"/>
+          <p:cNvPr id="5" name="Footer Placeholder 4">
+            <a:extLst>
+              <a:ext uri="{FF2B5EF4-FFF2-40B4-BE49-F238E27FC236}">
+                <a16:creationId xmlns:a16="http://schemas.microsoft.com/office/drawing/2014/main" id="{FF98B785-490C-49DB-A7BF-3AD452EE39AB}"/>
+              </a:ext>
+            </a:extLst>
+          </p:cNvPr>
           <p:cNvSpPr>
             <a:spLocks noGrp="1"/>
           </p:cNvSpPr>
@@ -2743,8 +2946,8 @@
         </p:nvSpPr>
         <p:spPr>
           <a:xfrm>
-            <a:off x="3124200" y="4767263"/>
-            <a:ext cx="2895600" cy="273844"/>
+            <a:off x="4038600" y="6356350"/>
+            <a:ext cx="4114800" cy="365125"/>
           </a:xfrm>
           <a:prstGeom prst="rect">
             <a:avLst/>
@@ -2770,7 +2973,13 @@
       </p:sp>
       <p:sp>
         <p:nvSpPr>
-          <p:cNvPr id="6" name="Slide Number Placeholder 5"/>
+          <p:cNvPr id="6" name="Slide Number Placeholder 5">
+            <a:extLst>
+              <a:ext uri="{FF2B5EF4-FFF2-40B4-BE49-F238E27FC236}">
+                <a16:creationId xmlns:a16="http://schemas.microsoft.com/office/drawing/2014/main" id="{DCA405BD-1F97-4C17-9885-1F3DA2374FBC}"/>
+              </a:ext>
+            </a:extLst>
+          </p:cNvPr>
           <p:cNvSpPr>
             <a:spLocks noGrp="1"/>
           </p:cNvSpPr>
@@ -2780,8 +2989,8 @@
         </p:nvSpPr>
         <p:spPr>
           <a:xfrm>
-            <a:off x="6553200" y="4767263"/>
-            <a:ext cx="2133600" cy="273844"/>
+            <a:off x="8610600" y="6356350"/>
+            <a:ext cx="2743200" cy="365125"/>
           </a:xfrm>
           <a:prstGeom prst="rect">
             <a:avLst/>
@@ -2801,7 +3010,7 @@
             </a:lvl1pPr>
           </a:lstStyle>
           <a:p>
-            <a:fld id="{0B49E6E0-DE98-41EA-9E21-D83281D2FF67}" type="slidenum">
+            <a:fld id="{157C90EA-039A-424C-8E76-38A5902721AE}" type="slidenum">
               <a:rPr lang="en-US" smtClean="0"/>
               <a:t>‹#›</a:t>
             </a:fld>
@@ -2812,7 +3021,7 @@
     </p:spTree>
     <p:extLst>
       <p:ext uri="{BB962C8B-B14F-4D97-AF65-F5344CB8AC3E}">
-        <p14:creationId xmlns:p14="http://schemas.microsoft.com/office/powerpoint/2010/main" val="1261456986"/>
+        <p14:creationId xmlns:p14="http://schemas.microsoft.com/office/powerpoint/2010/main" val="2813876453"/>
       </p:ext>
     </p:extLst>
   </p:cSld>
@@ -2832,7 +3041,10 @@
   </p:sldLayoutIdLst>
   <p:txStyles>
     <p:titleStyle>
-      <a:lvl1pPr algn="ctr" defTabSz="914400" rtl="0" eaLnBrk="1" latinLnBrk="0" hangingPunct="1">
+      <a:lvl1pPr algn="l" defTabSz="914400" rtl="0" eaLnBrk="1" latinLnBrk="0" hangingPunct="1">
+        <a:lnSpc>
+          <a:spcPct val="90000"/>
+        </a:lnSpc>
         <a:spcBef>
           <a:spcPct val="0"/>
         </a:spcBef>
@@ -2848,13 +3060,16 @@
       </a:lvl1pPr>
     </p:titleStyle>
     <p:bodyStyle>
-      <a:lvl1pPr marL="342900" indent="-342900" algn="l" defTabSz="914400" rtl="0" eaLnBrk="1" latinLnBrk="0" hangingPunct="1">
+      <a:lvl1pPr marL="228600" indent="-228600" algn="l" defTabSz="914400" rtl="0" eaLnBrk="1" latinLnBrk="0" hangingPunct="1">
+        <a:lnSpc>
+          <a:spcPct val="90000"/>
+        </a:lnSpc>
         <a:spcBef>
-          <a:spcPct val="20000"/>
+          <a:spcPts val="1000"/>
         </a:spcBef>
         <a:buFont typeface="Arial" panose="020B0604020202020204" pitchFamily="34" charset="0"/>
         <a:buChar char="•"/>
-        <a:defRPr sz="3200" kern="1200">
+        <a:defRPr sz="2800" kern="1200">
           <a:solidFill>
             <a:schemeClr val="tx1"/>
           </a:solidFill>
@@ -2863,24 +3078,12 @@
           <a:cs typeface="+mn-cs"/>
         </a:defRPr>
       </a:lvl1pPr>
-      <a:lvl2pPr marL="742950" indent="-285750" algn="l" defTabSz="914400" rtl="0" eaLnBrk="1" latinLnBrk="0" hangingPunct="1">
+      <a:lvl2pPr marL="685800" indent="-228600" algn="l" defTabSz="914400" rtl="0" eaLnBrk="1" latinLnBrk="0" hangingPunct="1">
+        <a:lnSpc>
+          <a:spcPct val="90000"/>
+        </a:lnSpc>
         <a:spcBef>
-          <a:spcPct val="20000"/>
-        </a:spcBef>
-        <a:buFont typeface="Arial" panose="020B0604020202020204" pitchFamily="34" charset="0"/>
-        <a:buChar char="–"/>
-        <a:defRPr sz="2800" kern="1200">
-          <a:solidFill>
-            <a:schemeClr val="tx1"/>
-          </a:solidFill>
-          <a:latin typeface="+mn-lt"/>
-          <a:ea typeface="+mn-ea"/>
-          <a:cs typeface="+mn-cs"/>
-        </a:defRPr>
-      </a:lvl2pPr>
-      <a:lvl3pPr marL="1143000" indent="-228600" algn="l" defTabSz="914400" rtl="0" eaLnBrk="1" latinLnBrk="0" hangingPunct="1">
-        <a:spcBef>
-          <a:spcPct val="20000"/>
+          <a:spcPts val="500"/>
         </a:spcBef>
         <a:buFont typeface="Arial" panose="020B0604020202020204" pitchFamily="34" charset="0"/>
         <a:buChar char="•"/>
@@ -2892,40 +3095,13 @@
           <a:ea typeface="+mn-ea"/>
           <a:cs typeface="+mn-cs"/>
         </a:defRPr>
-      </a:lvl3pPr>
-      <a:lvl4pPr marL="1600200" indent="-228600" algn="l" defTabSz="914400" rtl="0" eaLnBrk="1" latinLnBrk="0" hangingPunct="1">
+      </a:lvl2pPr>
+      <a:lvl3pPr marL="1143000" indent="-228600" algn="l" defTabSz="914400" rtl="0" eaLnBrk="1" latinLnBrk="0" hangingPunct="1">
+        <a:lnSpc>
+          <a:spcPct val="90000"/>
+        </a:lnSpc>
         <a:spcBef>
-          <a:spcPct val="20000"/>
-        </a:spcBef>
-        <a:buFont typeface="Arial" panose="020B0604020202020204" pitchFamily="34" charset="0"/>
-        <a:buChar char="–"/>
-        <a:defRPr sz="2000" kern="1200">
-          <a:solidFill>
-            <a:schemeClr val="tx1"/>
-          </a:solidFill>
-          <a:latin typeface="+mn-lt"/>
-          <a:ea typeface="+mn-ea"/>
-          <a:cs typeface="+mn-cs"/>
-        </a:defRPr>
-      </a:lvl4pPr>
-      <a:lvl5pPr marL="2057400" indent="-228600" algn="l" defTabSz="914400" rtl="0" eaLnBrk="1" latinLnBrk="0" hangingPunct="1">
-        <a:spcBef>
-          <a:spcPct val="20000"/>
-        </a:spcBef>
-        <a:buFont typeface="Arial" panose="020B0604020202020204" pitchFamily="34" charset="0"/>
-        <a:buChar char="»"/>
-        <a:defRPr sz="2000" kern="1200">
-          <a:solidFill>
-            <a:schemeClr val="tx1"/>
-          </a:solidFill>
-          <a:latin typeface="+mn-lt"/>
-          <a:ea typeface="+mn-ea"/>
-          <a:cs typeface="+mn-cs"/>
-        </a:defRPr>
-      </a:lvl5pPr>
-      <a:lvl6pPr marL="2514600" indent="-228600" algn="l" defTabSz="914400" rtl="0" eaLnBrk="1" latinLnBrk="0" hangingPunct="1">
-        <a:spcBef>
-          <a:spcPct val="20000"/>
+          <a:spcPts val="500"/>
         </a:spcBef>
         <a:buFont typeface="Arial" panose="020B0604020202020204" pitchFamily="34" charset="0"/>
         <a:buChar char="•"/>
@@ -2937,14 +3113,71 @@
           <a:ea typeface="+mn-ea"/>
           <a:cs typeface="+mn-cs"/>
         </a:defRPr>
-      </a:lvl6pPr>
-      <a:lvl7pPr marL="2971800" indent="-228600" algn="l" defTabSz="914400" rtl="0" eaLnBrk="1" latinLnBrk="0" hangingPunct="1">
+      </a:lvl3pPr>
+      <a:lvl4pPr marL="1600200" indent="-228600" algn="l" defTabSz="914400" rtl="0" eaLnBrk="1" latinLnBrk="0" hangingPunct="1">
+        <a:lnSpc>
+          <a:spcPct val="90000"/>
+        </a:lnSpc>
         <a:spcBef>
-          <a:spcPct val="20000"/>
+          <a:spcPts val="500"/>
         </a:spcBef>
         <a:buFont typeface="Arial" panose="020B0604020202020204" pitchFamily="34" charset="0"/>
         <a:buChar char="•"/>
-        <a:defRPr sz="2000" kern="1200">
+        <a:defRPr sz="1800" kern="1200">
+          <a:solidFill>
+            <a:schemeClr val="tx1"/>
+          </a:solidFill>
+          <a:latin typeface="+mn-lt"/>
+          <a:ea typeface="+mn-ea"/>
+          <a:cs typeface="+mn-cs"/>
+        </a:defRPr>
+      </a:lvl4pPr>
+      <a:lvl5pPr marL="2057400" indent="-228600" algn="l" defTabSz="914400" rtl="0" eaLnBrk="1" latinLnBrk="0" hangingPunct="1">
+        <a:lnSpc>
+          <a:spcPct val="90000"/>
+        </a:lnSpc>
+        <a:spcBef>
+          <a:spcPts val="500"/>
+        </a:spcBef>
+        <a:buFont typeface="Arial" panose="020B0604020202020204" pitchFamily="34" charset="0"/>
+        <a:buChar char="•"/>
+        <a:defRPr sz="1800" kern="1200">
+          <a:solidFill>
+            <a:schemeClr val="tx1"/>
+          </a:solidFill>
+          <a:latin typeface="+mn-lt"/>
+          <a:ea typeface="+mn-ea"/>
+          <a:cs typeface="+mn-cs"/>
+        </a:defRPr>
+      </a:lvl5pPr>
+      <a:lvl6pPr marL="2514600" indent="-228600" algn="l" defTabSz="914400" rtl="0" eaLnBrk="1" latinLnBrk="0" hangingPunct="1">
+        <a:lnSpc>
+          <a:spcPct val="90000"/>
+        </a:lnSpc>
+        <a:spcBef>
+          <a:spcPts val="500"/>
+        </a:spcBef>
+        <a:buFont typeface="Arial" panose="020B0604020202020204" pitchFamily="34" charset="0"/>
+        <a:buChar char="•"/>
+        <a:defRPr sz="1800" kern="1200">
+          <a:solidFill>
+            <a:schemeClr val="tx1"/>
+          </a:solidFill>
+          <a:latin typeface="+mn-lt"/>
+          <a:ea typeface="+mn-ea"/>
+          <a:cs typeface="+mn-cs"/>
+        </a:defRPr>
+      </a:lvl6pPr>
+      <a:lvl7pPr marL="2971800" indent="-228600" algn="l" defTabSz="914400" rtl="0" eaLnBrk="1" latinLnBrk="0" hangingPunct="1">
+        <a:lnSpc>
+          <a:spcPct val="90000"/>
+        </a:lnSpc>
+        <a:spcBef>
+          <a:spcPts val="500"/>
+        </a:spcBef>
+        <a:buFont typeface="Arial" panose="020B0604020202020204" pitchFamily="34" charset="0"/>
+        <a:buChar char="•"/>
+        <a:defRPr sz="1800" kern="1200">
           <a:solidFill>
             <a:schemeClr val="tx1"/>
           </a:solidFill>
@@ -2954,12 +3187,15 @@
         </a:defRPr>
       </a:lvl7pPr>
       <a:lvl8pPr marL="3429000" indent="-228600" algn="l" defTabSz="914400" rtl="0" eaLnBrk="1" latinLnBrk="0" hangingPunct="1">
+        <a:lnSpc>
+          <a:spcPct val="90000"/>
+        </a:lnSpc>
         <a:spcBef>
-          <a:spcPct val="20000"/>
+          <a:spcPts val="500"/>
         </a:spcBef>
         <a:buFont typeface="Arial" panose="020B0604020202020204" pitchFamily="34" charset="0"/>
         <a:buChar char="•"/>
-        <a:defRPr sz="2000" kern="1200">
+        <a:defRPr sz="1800" kern="1200">
           <a:solidFill>
             <a:schemeClr val="tx1"/>
           </a:solidFill>
@@ -2969,12 +3205,15 @@
         </a:defRPr>
       </a:lvl8pPr>
       <a:lvl9pPr marL="3886200" indent="-228600" algn="l" defTabSz="914400" rtl="0" eaLnBrk="1" latinLnBrk="0" hangingPunct="1">
+        <a:lnSpc>
+          <a:spcPct val="90000"/>
+        </a:lnSpc>
         <a:spcBef>
-          <a:spcPct val="20000"/>
+          <a:spcPts val="500"/>
         </a:spcBef>
         <a:buFont typeface="Arial" panose="020B0604020202020204" pitchFamily="34" charset="0"/>
         <a:buChar char="•"/>
-        <a:defRPr sz="2000" kern="1200">
+        <a:defRPr sz="1800" kern="1200">
           <a:solidFill>
             <a:schemeClr val="tx1"/>
           </a:solidFill>
@@ -3086,10 +3325,1171 @@
 <file path=ppt/slides/slide1.xml><?xml version="1.0" encoding="utf-8"?>
 <p:sld xmlns:a="http://schemas.openxmlformats.org/drawingml/2006/main" xmlns:r="http://schemas.openxmlformats.org/officeDocument/2006/relationships" xmlns:p="http://schemas.openxmlformats.org/presentationml/2006/main">
   <p:cSld>
+    <p:spTree>
+      <p:nvGrpSpPr>
+        <p:cNvPr id="1" name=""/>
+        <p:cNvGrpSpPr/>
+        <p:nvPr/>
+      </p:nvGrpSpPr>
+      <p:grpSpPr>
+        <a:xfrm>
+          <a:off x="0" y="0"/>
+          <a:ext cx="0" cy="0"/>
+          <a:chOff x="0" y="0"/>
+          <a:chExt cx="0" cy="0"/>
+        </a:xfrm>
+      </p:grpSpPr>
+      <p:pic>
+        <p:nvPicPr>
+          <p:cNvPr id="5" name="Picture 4" descr="A close up of a logo&#10;&#10;Description automatically generated">
+            <a:extLst>
+              <a:ext uri="{FF2B5EF4-FFF2-40B4-BE49-F238E27FC236}">
+                <a16:creationId xmlns:a16="http://schemas.microsoft.com/office/drawing/2014/main" id="{9CA4FCE7-0105-4330-8B26-FCBED214A562}"/>
+              </a:ext>
+            </a:extLst>
+          </p:cNvPr>
+          <p:cNvPicPr>
+            <a:picLocks noChangeAspect="1"/>
+          </p:cNvPicPr>
+          <p:nvPr/>
+        </p:nvPicPr>
+        <p:blipFill>
+          <a:blip r:embed="rId2">
+            <a:extLst>
+              <a:ext uri="{28A0092B-C50C-407E-A947-70E740481C1C}">
+                <a14:useLocalDpi xmlns:a14="http://schemas.microsoft.com/office/drawing/2010/main" val="0"/>
+              </a:ext>
+            </a:extLst>
+          </a:blip>
+          <a:stretch>
+            <a:fillRect/>
+          </a:stretch>
+        </p:blipFill>
+        <p:spPr>
+          <a:xfrm>
+            <a:off x="0" y="0"/>
+            <a:ext cx="6858000" cy="6858000"/>
+          </a:xfrm>
+          <a:prstGeom prst="rect">
+            <a:avLst/>
+          </a:prstGeom>
+        </p:spPr>
+      </p:pic>
+      <p:sp>
+        <p:nvSpPr>
+          <p:cNvPr id="8" name="TextBox 7">
+            <a:extLst>
+              <a:ext uri="{FF2B5EF4-FFF2-40B4-BE49-F238E27FC236}">
+                <a16:creationId xmlns:a16="http://schemas.microsoft.com/office/drawing/2014/main" id="{B784021C-F6E0-49BD-BC52-0321AC744BB7}"/>
+              </a:ext>
+            </a:extLst>
+          </p:cNvPr>
+          <p:cNvSpPr txBox="1"/>
+          <p:nvPr/>
+        </p:nvSpPr>
+        <p:spPr>
+          <a:xfrm>
+            <a:off x="4876800" y="1731146"/>
+            <a:ext cx="7315200" cy="3139321"/>
+          </a:xfrm>
+          <a:prstGeom prst="rect">
+            <a:avLst/>
+          </a:prstGeom>
+          <a:noFill/>
+        </p:spPr>
+        <p:txBody>
+          <a:bodyPr wrap="square" rtlCol="0">
+            <a:spAutoFit/>
+          </a:bodyPr>
+          <a:lstStyle/>
+          <a:p>
+            <a:pPr algn="ctr"/>
+            <a:r>
+              <a:rPr lang="en-US" sz="6600" dirty="0">
+                <a:solidFill>
+                  <a:schemeClr val="bg1">
+                    <a:lumMod val="50000"/>
+                  </a:schemeClr>
+                </a:solidFill>
+                <a:latin typeface="Masqualero Light" panose="02050304080505020303" pitchFamily="18" charset="0"/>
+              </a:rPr>
+              <a:t>Face the silent killer haunting Twin Peaks.</a:t>
+            </a:r>
+          </a:p>
+        </p:txBody>
+      </p:sp>
+    </p:spTree>
+    <p:extLst>
+      <p:ext uri="{BB962C8B-B14F-4D97-AF65-F5344CB8AC3E}">
+        <p14:creationId xmlns:p14="http://schemas.microsoft.com/office/powerpoint/2010/main" val="2737194273"/>
+      </p:ext>
+    </p:extLst>
+  </p:cSld>
+  <p:clrMapOvr>
+    <a:masterClrMapping/>
+  </p:clrMapOvr>
+</p:sld>
+</file>
+
+<file path=ppt/slides/slide10.xml><?xml version="1.0" encoding="utf-8"?>
+<p:sld xmlns:a="http://schemas.openxmlformats.org/drawingml/2006/main" xmlns:r="http://schemas.openxmlformats.org/officeDocument/2006/relationships" xmlns:p="http://schemas.openxmlformats.org/presentationml/2006/main">
+  <p:cSld>
+    <p:spTree>
+      <p:nvGrpSpPr>
+        <p:cNvPr id="1" name=""/>
+        <p:cNvGrpSpPr/>
+        <p:nvPr/>
+      </p:nvGrpSpPr>
+      <p:grpSpPr>
+        <a:xfrm>
+          <a:off x="0" y="0"/>
+          <a:ext cx="0" cy="0"/>
+          <a:chOff x="0" y="0"/>
+          <a:chExt cx="0" cy="0"/>
+        </a:xfrm>
+      </p:grpSpPr>
+      <p:sp>
+        <p:nvSpPr>
+          <p:cNvPr id="2" name="Title 1">
+            <a:extLst>
+              <a:ext uri="{FF2B5EF4-FFF2-40B4-BE49-F238E27FC236}">
+                <a16:creationId xmlns:a16="http://schemas.microsoft.com/office/drawing/2014/main" id="{AC70A3E9-ED8B-4B4F-9DC5-33C13436374E}"/>
+              </a:ext>
+            </a:extLst>
+          </p:cNvPr>
+          <p:cNvSpPr>
+            <a:spLocks noGrp="1"/>
+          </p:cNvSpPr>
+          <p:nvPr>
+            <p:ph type="title"/>
+          </p:nvPr>
+        </p:nvSpPr>
+        <p:spPr>
+          <a:xfrm>
+            <a:off x="215202" y="83771"/>
+            <a:ext cx="10515600" cy="1325563"/>
+          </a:xfrm>
+        </p:spPr>
+        <p:txBody>
+          <a:bodyPr/>
+          <a:lstStyle/>
+          <a:p>
+            <a:r>
+              <a:rPr lang="en-US" dirty="0">
+                <a:solidFill>
+                  <a:schemeClr val="tx1">
+                    <a:lumMod val="50000"/>
+                    <a:lumOff val="50000"/>
+                  </a:schemeClr>
+                </a:solidFill>
+                <a:latin typeface="Masqualero" panose="02050504080505020303" pitchFamily="18" charset="0"/>
+              </a:rPr>
+              <a:t>Surveys/ Design responses:</a:t>
+            </a:r>
+          </a:p>
+        </p:txBody>
+      </p:sp>
+      <p:pic>
+        <p:nvPicPr>
+          <p:cNvPr id="5" name="Picture 4">
+            <a:extLst>
+              <a:ext uri="{FF2B5EF4-FFF2-40B4-BE49-F238E27FC236}">
+                <a16:creationId xmlns:a16="http://schemas.microsoft.com/office/drawing/2014/main" id="{69BA5B7E-7DA6-4C94-9993-0100EE204793}"/>
+              </a:ext>
+            </a:extLst>
+          </p:cNvPr>
+          <p:cNvPicPr>
+            <a:picLocks noChangeAspect="1"/>
+          </p:cNvPicPr>
+          <p:nvPr/>
+        </p:nvPicPr>
+        <p:blipFill>
+          <a:blip r:embed="rId2">
+            <a:extLst>
+              <a:ext uri="{28A0092B-C50C-407E-A947-70E740481C1C}">
+                <a14:useLocalDpi xmlns:a14="http://schemas.microsoft.com/office/drawing/2010/main" val="0"/>
+              </a:ext>
+            </a:extLst>
+          </a:blip>
+          <a:stretch>
+            <a:fillRect/>
+          </a:stretch>
+        </p:blipFill>
+        <p:spPr>
+          <a:xfrm>
+            <a:off x="5782734" y="2633896"/>
+            <a:ext cx="5806440" cy="594360"/>
+          </a:xfrm>
+          <a:prstGeom prst="rect">
+            <a:avLst/>
+          </a:prstGeom>
+        </p:spPr>
+      </p:pic>
+      <p:pic>
+        <p:nvPicPr>
+          <p:cNvPr id="7" name="Picture 6">
+            <a:extLst>
+              <a:ext uri="{FF2B5EF4-FFF2-40B4-BE49-F238E27FC236}">
+                <a16:creationId xmlns:a16="http://schemas.microsoft.com/office/drawing/2014/main" id="{220B94F0-B8BF-45AF-932F-BF68AC26F6DD}"/>
+              </a:ext>
+            </a:extLst>
+          </p:cNvPr>
+          <p:cNvPicPr>
+            <a:picLocks noChangeAspect="1"/>
+          </p:cNvPicPr>
+          <p:nvPr/>
+        </p:nvPicPr>
+        <p:blipFill>
+          <a:blip r:embed="rId3">
+            <a:extLst>
+              <a:ext uri="{28A0092B-C50C-407E-A947-70E740481C1C}">
+                <a14:useLocalDpi xmlns:a14="http://schemas.microsoft.com/office/drawing/2010/main" val="0"/>
+              </a:ext>
+            </a:extLst>
+          </a:blip>
+          <a:stretch>
+            <a:fillRect/>
+          </a:stretch>
+        </p:blipFill>
+        <p:spPr>
+          <a:xfrm>
+            <a:off x="5782734" y="3910500"/>
+            <a:ext cx="5913120" cy="457200"/>
+          </a:xfrm>
+          <a:prstGeom prst="rect">
+            <a:avLst/>
+          </a:prstGeom>
+        </p:spPr>
+      </p:pic>
+      <p:pic>
+        <p:nvPicPr>
+          <p:cNvPr id="9" name="Picture 8" descr="A screenshot of a cell phone&#10;&#10;Description automatically generated">
+            <a:extLst>
+              <a:ext uri="{FF2B5EF4-FFF2-40B4-BE49-F238E27FC236}">
+                <a16:creationId xmlns:a16="http://schemas.microsoft.com/office/drawing/2014/main" id="{9115A2C4-BD10-41B4-B054-F77341D25B87}"/>
+              </a:ext>
+            </a:extLst>
+          </p:cNvPr>
+          <p:cNvPicPr>
+            <a:picLocks noChangeAspect="1"/>
+          </p:cNvPicPr>
+          <p:nvPr/>
+        </p:nvPicPr>
+        <p:blipFill>
+          <a:blip r:embed="rId4">
+            <a:extLst>
+              <a:ext uri="{28A0092B-C50C-407E-A947-70E740481C1C}">
+                <a14:useLocalDpi xmlns:a14="http://schemas.microsoft.com/office/drawing/2010/main" val="0"/>
+              </a:ext>
+            </a:extLst>
+          </a:blip>
+          <a:stretch>
+            <a:fillRect/>
+          </a:stretch>
+        </p:blipFill>
+        <p:spPr>
+          <a:xfrm>
+            <a:off x="283210" y="3829050"/>
+            <a:ext cx="4938521" cy="2256945"/>
+          </a:xfrm>
+          <a:prstGeom prst="rect">
+            <a:avLst/>
+          </a:prstGeom>
+        </p:spPr>
+      </p:pic>
+      <p:pic>
+        <p:nvPicPr>
+          <p:cNvPr id="11" name="Picture 10" descr="A screenshot of a cell phone&#10;&#10;Description automatically generated">
+            <a:extLst>
+              <a:ext uri="{FF2B5EF4-FFF2-40B4-BE49-F238E27FC236}">
+                <a16:creationId xmlns:a16="http://schemas.microsoft.com/office/drawing/2014/main" id="{03A33410-1D41-432A-81FD-A59EE8B1CEBC}"/>
+              </a:ext>
+            </a:extLst>
+          </p:cNvPr>
+          <p:cNvPicPr>
+            <a:picLocks noChangeAspect="1"/>
+          </p:cNvPicPr>
+          <p:nvPr/>
+        </p:nvPicPr>
+        <p:blipFill>
+          <a:blip r:embed="rId5">
+            <a:extLst>
+              <a:ext uri="{28A0092B-C50C-407E-A947-70E740481C1C}">
+                <a14:useLocalDpi xmlns:a14="http://schemas.microsoft.com/office/drawing/2010/main" val="0"/>
+              </a:ext>
+            </a:extLst>
+          </a:blip>
+          <a:stretch>
+            <a:fillRect/>
+          </a:stretch>
+        </p:blipFill>
+        <p:spPr>
+          <a:xfrm>
+            <a:off x="283210" y="1260313"/>
+            <a:ext cx="4938521" cy="2236420"/>
+          </a:xfrm>
+          <a:prstGeom prst="rect">
+            <a:avLst/>
+          </a:prstGeom>
+        </p:spPr>
+      </p:pic>
+      <p:pic>
+        <p:nvPicPr>
+          <p:cNvPr id="13" name="Picture 12" descr="A screenshot of a cell phone&#10;&#10;Description automatically generated">
+            <a:extLst>
+              <a:ext uri="{FF2B5EF4-FFF2-40B4-BE49-F238E27FC236}">
+                <a16:creationId xmlns:a16="http://schemas.microsoft.com/office/drawing/2014/main" id="{3EB5B476-399D-4674-B575-F368EA747692}"/>
+              </a:ext>
+            </a:extLst>
+          </p:cNvPr>
+          <p:cNvPicPr>
+            <a:picLocks noChangeAspect="1"/>
+          </p:cNvPicPr>
+          <p:nvPr/>
+        </p:nvPicPr>
+        <p:blipFill>
+          <a:blip r:embed="rId6">
+            <a:extLst>
+              <a:ext uri="{28A0092B-C50C-407E-A947-70E740481C1C}">
+                <a14:useLocalDpi xmlns:a14="http://schemas.microsoft.com/office/drawing/2010/main" val="0"/>
+              </a:ext>
+            </a:extLst>
+          </a:blip>
+          <a:stretch>
+            <a:fillRect/>
+          </a:stretch>
+        </p:blipFill>
+        <p:spPr>
+          <a:xfrm>
+            <a:off x="5683674" y="1260313"/>
+            <a:ext cx="5966460" cy="960120"/>
+          </a:xfrm>
+          <a:prstGeom prst="rect">
+            <a:avLst/>
+          </a:prstGeom>
+        </p:spPr>
+      </p:pic>
+      <p:pic>
+        <p:nvPicPr>
+          <p:cNvPr id="15" name="Picture 14" descr="A screenshot of a cell phone&#10;&#10;Description automatically generated">
+            <a:extLst>
+              <a:ext uri="{FF2B5EF4-FFF2-40B4-BE49-F238E27FC236}">
+                <a16:creationId xmlns:a16="http://schemas.microsoft.com/office/drawing/2014/main" id="{A4F26926-00B1-484D-9176-62F025B9DB13}"/>
+              </a:ext>
+            </a:extLst>
+          </p:cNvPr>
+          <p:cNvPicPr>
+            <a:picLocks noChangeAspect="1"/>
+          </p:cNvPicPr>
+          <p:nvPr/>
+        </p:nvPicPr>
+        <p:blipFill>
+          <a:blip r:embed="rId7">
+            <a:extLst>
+              <a:ext uri="{28A0092B-C50C-407E-A947-70E740481C1C}">
+                <a14:useLocalDpi xmlns:a14="http://schemas.microsoft.com/office/drawing/2010/main" val="0"/>
+              </a:ext>
+            </a:extLst>
+          </a:blip>
+          <a:stretch>
+            <a:fillRect/>
+          </a:stretch>
+        </p:blipFill>
+        <p:spPr>
+          <a:xfrm>
+            <a:off x="5775114" y="5049944"/>
+            <a:ext cx="5928360" cy="769620"/>
+          </a:xfrm>
+          <a:prstGeom prst="rect">
+            <a:avLst/>
+          </a:prstGeom>
+        </p:spPr>
+      </p:pic>
+    </p:spTree>
+    <p:extLst>
+      <p:ext uri="{BB962C8B-B14F-4D97-AF65-F5344CB8AC3E}">
+        <p14:creationId xmlns:p14="http://schemas.microsoft.com/office/powerpoint/2010/main" val="3175751562"/>
+      </p:ext>
+    </p:extLst>
+  </p:cSld>
+  <p:clrMapOvr>
+    <a:masterClrMapping/>
+  </p:clrMapOvr>
+</p:sld>
+</file>
+
+<file path=ppt/slides/slide11.xml><?xml version="1.0" encoding="utf-8"?>
+<p:sld xmlns:a="http://schemas.openxmlformats.org/drawingml/2006/main" xmlns:r="http://schemas.openxmlformats.org/officeDocument/2006/relationships" xmlns:p="http://schemas.openxmlformats.org/presentationml/2006/main">
+  <p:cSld>
+    <p:spTree>
+      <p:nvGrpSpPr>
+        <p:cNvPr id="1" name=""/>
+        <p:cNvGrpSpPr/>
+        <p:nvPr/>
+      </p:nvGrpSpPr>
+      <p:grpSpPr>
+        <a:xfrm>
+          <a:off x="0" y="0"/>
+          <a:ext cx="0" cy="0"/>
+          <a:chOff x="0" y="0"/>
+          <a:chExt cx="0" cy="0"/>
+        </a:xfrm>
+      </p:grpSpPr>
+      <p:sp>
+        <p:nvSpPr>
+          <p:cNvPr id="3" name="Content Placeholder 2">
+            <a:extLst>
+              <a:ext uri="{FF2B5EF4-FFF2-40B4-BE49-F238E27FC236}">
+                <a16:creationId xmlns:a16="http://schemas.microsoft.com/office/drawing/2014/main" id="{AD956631-BAC0-4394-ADBE-AC6F0DCFE4F1}"/>
+              </a:ext>
+            </a:extLst>
+          </p:cNvPr>
+          <p:cNvSpPr>
+            <a:spLocks noGrp="1"/>
+          </p:cNvSpPr>
+          <p:nvPr>
+            <p:ph idx="1"/>
+          </p:nvPr>
+        </p:nvSpPr>
+        <p:spPr>
+          <a:xfrm>
+            <a:off x="660400" y="1283757"/>
+            <a:ext cx="6223000" cy="5184776"/>
+          </a:xfrm>
+        </p:spPr>
+        <p:txBody>
+          <a:bodyPr>
+            <a:normAutofit/>
+          </a:bodyPr>
+          <a:lstStyle/>
+          <a:p>
+            <a:pPr marL="0" indent="0">
+              <a:buNone/>
+            </a:pPr>
+            <a:r>
+              <a:rPr lang="en-US" sz="2500" dirty="0">
+                <a:solidFill>
+                  <a:schemeClr val="tx1">
+                    <a:lumMod val="50000"/>
+                    <a:lumOff val="50000"/>
+                  </a:schemeClr>
+                </a:solidFill>
+                <a:latin typeface="Masqualero" panose="02050504080505020303" pitchFamily="18" charset="0"/>
+              </a:rPr>
+              <a:t>In order to respond to people’s feedback, I significantly modified the inventory system:</a:t>
+            </a:r>
+          </a:p>
+          <a:p>
+            <a:pPr>
+              <a:buFontTx/>
+              <a:buChar char="-"/>
+            </a:pPr>
+            <a:r>
+              <a:rPr lang="en-US" sz="2500" dirty="0">
+                <a:solidFill>
+                  <a:schemeClr val="tx1">
+                    <a:lumMod val="50000"/>
+                    <a:lumOff val="50000"/>
+                  </a:schemeClr>
+                </a:solidFill>
+                <a:latin typeface="Masqualero" panose="02050504080505020303" pitchFamily="18" charset="0"/>
+              </a:rPr>
+              <a:t>Giving people objects now requires a click in the inventory</a:t>
+            </a:r>
+          </a:p>
+          <a:p>
+            <a:pPr>
+              <a:buFontTx/>
+              <a:buChar char="-"/>
+            </a:pPr>
+            <a:r>
+              <a:rPr lang="en-US" sz="2500" dirty="0">
+                <a:solidFill>
+                  <a:schemeClr val="tx1">
+                    <a:lumMod val="50000"/>
+                    <a:lumOff val="50000"/>
+                  </a:schemeClr>
+                </a:solidFill>
+                <a:latin typeface="Masqualero" panose="02050504080505020303" pitchFamily="18" charset="0"/>
+              </a:rPr>
+              <a:t>The empty slot sprites are now much more transparent</a:t>
+            </a:r>
+          </a:p>
+          <a:p>
+            <a:pPr>
+              <a:buFontTx/>
+              <a:buChar char="-"/>
+            </a:pPr>
+            <a:r>
+              <a:rPr lang="en-US" sz="2500" dirty="0">
+                <a:solidFill>
+                  <a:schemeClr val="tx1">
+                    <a:lumMod val="50000"/>
+                    <a:lumOff val="50000"/>
+                  </a:schemeClr>
+                </a:solidFill>
+                <a:latin typeface="Masqualero" panose="02050504080505020303" pitchFamily="18" charset="0"/>
+              </a:rPr>
+              <a:t>When you hover over an item, it will tell you its name</a:t>
+            </a:r>
+          </a:p>
+          <a:p>
+            <a:pPr>
+              <a:buFontTx/>
+              <a:buChar char="-"/>
+            </a:pPr>
+            <a:endParaRPr lang="en-US" sz="2500" dirty="0">
+              <a:solidFill>
+                <a:schemeClr val="tx1">
+                  <a:lumMod val="50000"/>
+                  <a:lumOff val="50000"/>
+                </a:schemeClr>
+              </a:solidFill>
+              <a:latin typeface="Masqualero" panose="02050504080505020303" pitchFamily="18" charset="0"/>
+            </a:endParaRPr>
+          </a:p>
+          <a:p>
+            <a:pPr marL="0" indent="0">
+              <a:buNone/>
+            </a:pPr>
+            <a:r>
+              <a:rPr lang="en-US" sz="2500" dirty="0">
+                <a:solidFill>
+                  <a:schemeClr val="tx1">
+                    <a:lumMod val="50000"/>
+                    <a:lumOff val="50000"/>
+                  </a:schemeClr>
+                </a:solidFill>
+                <a:latin typeface="Masqualero" panose="02050504080505020303" pitchFamily="18" charset="0"/>
+              </a:rPr>
+              <a:t>Other feedback I took into account was delaying the text so it would move slower.</a:t>
+            </a:r>
+          </a:p>
+          <a:p>
+            <a:pPr>
+              <a:buFontTx/>
+              <a:buChar char="-"/>
+            </a:pPr>
+            <a:endParaRPr lang="en-US" dirty="0">
+              <a:solidFill>
+                <a:schemeClr val="tx1">
+                  <a:lumMod val="50000"/>
+                  <a:lumOff val="50000"/>
+                </a:schemeClr>
+              </a:solidFill>
+              <a:latin typeface="Masqualero" panose="02050504080505020303" pitchFamily="18" charset="0"/>
+            </a:endParaRPr>
+          </a:p>
+        </p:txBody>
+      </p:sp>
+      <p:sp>
+        <p:nvSpPr>
+          <p:cNvPr id="4" name="Title 1">
+            <a:extLst>
+              <a:ext uri="{FF2B5EF4-FFF2-40B4-BE49-F238E27FC236}">
+                <a16:creationId xmlns:a16="http://schemas.microsoft.com/office/drawing/2014/main" id="{E5F839A3-E1C4-45E6-BC47-18DEDEDA28CC}"/>
+              </a:ext>
+            </a:extLst>
+          </p:cNvPr>
+          <p:cNvSpPr txBox="1">
+            <a:spLocks/>
+          </p:cNvSpPr>
+          <p:nvPr/>
+        </p:nvSpPr>
+        <p:spPr>
+          <a:xfrm>
+            <a:off x="215202" y="83771"/>
+            <a:ext cx="10515600" cy="1325563"/>
+          </a:xfrm>
+          <a:prstGeom prst="rect">
+            <a:avLst/>
+          </a:prstGeom>
+        </p:spPr>
+        <p:txBody>
+          <a:bodyPr vert="horz" lIns="91440" tIns="45720" rIns="91440" bIns="45720" rtlCol="0" anchor="ctr">
+            <a:normAutofit/>
+          </a:bodyPr>
+          <a:lstStyle>
+            <a:lvl1pPr algn="l" defTabSz="914400" rtl="0" eaLnBrk="1" latinLnBrk="0" hangingPunct="1">
+              <a:lnSpc>
+                <a:spcPct val="90000"/>
+              </a:lnSpc>
+              <a:spcBef>
+                <a:spcPct val="0"/>
+              </a:spcBef>
+              <a:buNone/>
+              <a:defRPr sz="4400" kern="1200">
+                <a:solidFill>
+                  <a:schemeClr val="tx1"/>
+                </a:solidFill>
+                <a:latin typeface="+mj-lt"/>
+                <a:ea typeface="+mj-ea"/>
+                <a:cs typeface="+mj-cs"/>
+              </a:defRPr>
+            </a:lvl1pPr>
+          </a:lstStyle>
+          <a:p>
+            <a:r>
+              <a:rPr lang="en-US" dirty="0">
+                <a:solidFill>
+                  <a:schemeClr val="tx1">
+                    <a:lumMod val="50000"/>
+                    <a:lumOff val="50000"/>
+                  </a:schemeClr>
+                </a:solidFill>
+                <a:latin typeface="Masqualero" panose="02050504080505020303" pitchFamily="18" charset="0"/>
+              </a:rPr>
+              <a:t>Surveys/ Design responses pt. 2:</a:t>
+            </a:r>
+          </a:p>
+        </p:txBody>
+      </p:sp>
+      <p:pic>
+        <p:nvPicPr>
+          <p:cNvPr id="6" name="Picture 5">
+            <a:extLst>
+              <a:ext uri="{FF2B5EF4-FFF2-40B4-BE49-F238E27FC236}">
+                <a16:creationId xmlns:a16="http://schemas.microsoft.com/office/drawing/2014/main" id="{2230B9C1-AB62-428E-860C-20794353AF3F}"/>
+              </a:ext>
+            </a:extLst>
+          </p:cNvPr>
+          <p:cNvPicPr>
+            <a:picLocks noChangeAspect="1"/>
+          </p:cNvPicPr>
+          <p:nvPr/>
+        </p:nvPicPr>
+        <p:blipFill>
+          <a:blip r:embed="rId2">
+            <a:extLst>
+              <a:ext uri="{28A0092B-C50C-407E-A947-70E740481C1C}">
+                <a14:useLocalDpi xmlns:a14="http://schemas.microsoft.com/office/drawing/2010/main" val="0"/>
+              </a:ext>
+            </a:extLst>
+          </a:blip>
+          <a:stretch>
+            <a:fillRect/>
+          </a:stretch>
+        </p:blipFill>
+        <p:spPr>
+          <a:xfrm>
+            <a:off x="7509784" y="1409334"/>
+            <a:ext cx="3916680" cy="4434840"/>
+          </a:xfrm>
+          <a:prstGeom prst="rect">
+            <a:avLst/>
+          </a:prstGeom>
+        </p:spPr>
+      </p:pic>
+    </p:spTree>
+    <p:extLst>
+      <p:ext uri="{BB962C8B-B14F-4D97-AF65-F5344CB8AC3E}">
+        <p14:creationId xmlns:p14="http://schemas.microsoft.com/office/powerpoint/2010/main" val="1389541876"/>
+      </p:ext>
+    </p:extLst>
+  </p:cSld>
+  <p:clrMapOvr>
+    <a:masterClrMapping/>
+  </p:clrMapOvr>
+</p:sld>
+</file>
+
+<file path=ppt/slides/slide2.xml><?xml version="1.0" encoding="utf-8"?>
+<p:sld xmlns:a="http://schemas.openxmlformats.org/drawingml/2006/main" xmlns:r="http://schemas.openxmlformats.org/officeDocument/2006/relationships" xmlns:p="http://schemas.openxmlformats.org/presentationml/2006/main">
+  <p:cSld>
+    <p:spTree>
+      <p:nvGrpSpPr>
+        <p:cNvPr id="1" name=""/>
+        <p:cNvGrpSpPr/>
+        <p:nvPr/>
+      </p:nvGrpSpPr>
+      <p:grpSpPr>
+        <a:xfrm>
+          <a:off x="0" y="0"/>
+          <a:ext cx="0" cy="0"/>
+          <a:chOff x="0" y="0"/>
+          <a:chExt cx="0" cy="0"/>
+        </a:xfrm>
+      </p:grpSpPr>
+      <p:sp>
+        <p:nvSpPr>
+          <p:cNvPr id="2" name="Title 1">
+            <a:extLst>
+              <a:ext uri="{FF2B5EF4-FFF2-40B4-BE49-F238E27FC236}">
+                <a16:creationId xmlns:a16="http://schemas.microsoft.com/office/drawing/2014/main" id="{AF6E02DF-C66D-4913-95D6-9F5B615D2FF2}"/>
+              </a:ext>
+            </a:extLst>
+          </p:cNvPr>
+          <p:cNvSpPr>
+            <a:spLocks noGrp="1"/>
+          </p:cNvSpPr>
+          <p:nvPr>
+            <p:ph type="title"/>
+          </p:nvPr>
+        </p:nvSpPr>
+        <p:spPr>
+          <a:xfrm>
+            <a:off x="589626" y="2149536"/>
+            <a:ext cx="4816876" cy="2395830"/>
+          </a:xfrm>
+        </p:spPr>
+        <p:txBody>
+          <a:bodyPr>
+            <a:normAutofit fontScale="90000"/>
+          </a:bodyPr>
+          <a:lstStyle/>
+          <a:p>
+            <a:r>
+              <a:rPr lang="en-US" dirty="0">
+                <a:solidFill>
+                  <a:schemeClr val="bg1">
+                    <a:lumMod val="50000"/>
+                  </a:schemeClr>
+                </a:solidFill>
+                <a:latin typeface="Masqualero Light" panose="02050304080505020303" pitchFamily="18" charset="0"/>
+              </a:rPr>
+              <a:t>An adventure by Turtle Boy Studios (Paloma González Gálvez)</a:t>
+            </a:r>
+          </a:p>
+        </p:txBody>
+      </p:sp>
+      <p:pic>
+        <p:nvPicPr>
+          <p:cNvPr id="5" name="Picture 4" descr="A close up of a logo&#10;&#10;Description automatically generated">
+            <a:extLst>
+              <a:ext uri="{FF2B5EF4-FFF2-40B4-BE49-F238E27FC236}">
+                <a16:creationId xmlns:a16="http://schemas.microsoft.com/office/drawing/2014/main" id="{98A841A1-6FB9-4B5A-9B5F-819855505815}"/>
+              </a:ext>
+            </a:extLst>
+          </p:cNvPr>
+          <p:cNvPicPr>
+            <a:picLocks noChangeAspect="1"/>
+          </p:cNvPicPr>
+          <p:nvPr/>
+        </p:nvPicPr>
+        <p:blipFill>
+          <a:blip r:embed="rId2">
+            <a:extLst>
+              <a:ext uri="{28A0092B-C50C-407E-A947-70E740481C1C}">
+                <a14:useLocalDpi xmlns:a14="http://schemas.microsoft.com/office/drawing/2010/main" val="0"/>
+              </a:ext>
+            </a:extLst>
+          </a:blip>
+          <a:stretch>
+            <a:fillRect/>
+          </a:stretch>
+        </p:blipFill>
+        <p:spPr>
+          <a:xfrm>
+            <a:off x="4744374" y="0"/>
+            <a:ext cx="6858000" cy="6858000"/>
+          </a:xfrm>
+          <a:prstGeom prst="rect">
+            <a:avLst/>
+          </a:prstGeom>
+        </p:spPr>
+      </p:pic>
+    </p:spTree>
+    <p:extLst>
+      <p:ext uri="{BB962C8B-B14F-4D97-AF65-F5344CB8AC3E}">
+        <p14:creationId xmlns:p14="http://schemas.microsoft.com/office/powerpoint/2010/main" val="4264956084"/>
+      </p:ext>
+    </p:extLst>
+  </p:cSld>
+  <p:clrMapOvr>
+    <a:masterClrMapping/>
+  </p:clrMapOvr>
+</p:sld>
+</file>
+
+<file path=ppt/slides/slide3.xml><?xml version="1.0" encoding="utf-8"?>
+<p:sld xmlns:a="http://schemas.openxmlformats.org/drawingml/2006/main" xmlns:r="http://schemas.openxmlformats.org/officeDocument/2006/relationships" xmlns:p="http://schemas.openxmlformats.org/presentationml/2006/main">
+  <p:cSld>
+    <p:spTree>
+      <p:nvGrpSpPr>
+        <p:cNvPr id="1" name=""/>
+        <p:cNvGrpSpPr/>
+        <p:nvPr/>
+      </p:nvGrpSpPr>
+      <p:grpSpPr>
+        <a:xfrm>
+          <a:off x="0" y="0"/>
+          <a:ext cx="0" cy="0"/>
+          <a:chOff x="0" y="0"/>
+          <a:chExt cx="0" cy="0"/>
+        </a:xfrm>
+      </p:grpSpPr>
+      <p:sp>
+        <p:nvSpPr>
+          <p:cNvPr id="2" name="Title 1">
+            <a:extLst>
+              <a:ext uri="{FF2B5EF4-FFF2-40B4-BE49-F238E27FC236}">
+                <a16:creationId xmlns:a16="http://schemas.microsoft.com/office/drawing/2014/main" id="{8EE71A2A-32A5-494E-AED9-E5A51D1630CF}"/>
+              </a:ext>
+            </a:extLst>
+          </p:cNvPr>
+          <p:cNvSpPr>
+            <a:spLocks noGrp="1"/>
+          </p:cNvSpPr>
+          <p:nvPr>
+            <p:ph type="title"/>
+          </p:nvPr>
+        </p:nvSpPr>
+        <p:spPr/>
+        <p:txBody>
+          <a:bodyPr/>
+          <a:lstStyle/>
+          <a:p>
+            <a:r>
+              <a:rPr lang="en-US" dirty="0">
+                <a:solidFill>
+                  <a:schemeClr val="bg1">
+                    <a:lumMod val="50000"/>
+                  </a:schemeClr>
+                </a:solidFill>
+                <a:latin typeface="Masqualero Light" panose="02050304080505020303" pitchFamily="18" charset="0"/>
+              </a:rPr>
+              <a:t>Features!</a:t>
+            </a:r>
+          </a:p>
+        </p:txBody>
+      </p:sp>
+      <p:sp>
+        <p:nvSpPr>
+          <p:cNvPr id="3" name="Content Placeholder 2">
+            <a:extLst>
+              <a:ext uri="{FF2B5EF4-FFF2-40B4-BE49-F238E27FC236}">
+                <a16:creationId xmlns:a16="http://schemas.microsoft.com/office/drawing/2014/main" id="{8E4A1545-F606-4B34-8878-2EAB44CBCC6A}"/>
+              </a:ext>
+            </a:extLst>
+          </p:cNvPr>
+          <p:cNvSpPr>
+            <a:spLocks noGrp="1"/>
+          </p:cNvSpPr>
+          <p:nvPr>
+            <p:ph idx="1"/>
+          </p:nvPr>
+        </p:nvSpPr>
+        <p:spPr/>
+        <p:txBody>
+          <a:bodyPr/>
+          <a:lstStyle/>
+          <a:p>
+            <a:r>
+              <a:rPr lang="en-US" dirty="0">
+                <a:solidFill>
+                  <a:schemeClr val="bg1">
+                    <a:lumMod val="50000"/>
+                  </a:schemeClr>
+                </a:solidFill>
+                <a:latin typeface="Masqualero Light" panose="02050304080505020303" pitchFamily="18" charset="0"/>
+              </a:rPr>
+              <a:t>Investigate the town on Twin Peaks (yes, from the 1990 show) in order to find the answer to a burning question: who killed town sweetheart Laura Palmer?</a:t>
+            </a:r>
+          </a:p>
+          <a:p>
+            <a:r>
+              <a:rPr lang="en-US" dirty="0">
+                <a:solidFill>
+                  <a:schemeClr val="bg1">
+                    <a:lumMod val="50000"/>
+                  </a:schemeClr>
+                </a:solidFill>
+                <a:latin typeface="Masqualero Light" panose="02050304080505020303" pitchFamily="18" charset="0"/>
+              </a:rPr>
+              <a:t>Play as FBI agent Dale Cooper</a:t>
+            </a:r>
+          </a:p>
+          <a:p>
+            <a:r>
+              <a:rPr lang="en-US" dirty="0">
+                <a:solidFill>
+                  <a:schemeClr val="bg1">
+                    <a:lumMod val="50000"/>
+                  </a:schemeClr>
+                </a:solidFill>
+                <a:latin typeface="Masqualero Light" panose="02050304080505020303" pitchFamily="18" charset="0"/>
+              </a:rPr>
+              <a:t>Point and click on objects to collect clues</a:t>
+            </a:r>
+          </a:p>
+          <a:p>
+            <a:r>
+              <a:rPr lang="en-US" dirty="0">
+                <a:solidFill>
+                  <a:schemeClr val="bg1">
+                    <a:lumMod val="50000"/>
+                  </a:schemeClr>
+                </a:solidFill>
+                <a:latin typeface="Masqualero Light" panose="02050304080505020303" pitchFamily="18" charset="0"/>
+              </a:rPr>
+              <a:t>Interview the townspeople</a:t>
+            </a:r>
+          </a:p>
+          <a:p>
+            <a:r>
+              <a:rPr lang="en-US" dirty="0">
+                <a:solidFill>
+                  <a:schemeClr val="bg1">
+                    <a:lumMod val="50000"/>
+                  </a:schemeClr>
+                </a:solidFill>
+                <a:latin typeface="Masqualero Light" panose="02050304080505020303" pitchFamily="18" charset="0"/>
+              </a:rPr>
+              <a:t>Inventory to collect items</a:t>
+            </a:r>
+          </a:p>
+          <a:p>
+            <a:r>
+              <a:rPr lang="en-US" dirty="0">
+                <a:solidFill>
+                  <a:schemeClr val="bg1">
+                    <a:lumMod val="50000"/>
+                  </a:schemeClr>
+                </a:solidFill>
+                <a:latin typeface="Masqualero Light" panose="02050304080505020303" pitchFamily="18" charset="0"/>
+              </a:rPr>
+              <a:t>Face a final battle against the killer</a:t>
+            </a:r>
+          </a:p>
+        </p:txBody>
+      </p:sp>
+      <p:pic>
+        <p:nvPicPr>
+          <p:cNvPr id="6" name="Picture 5" descr="A picture containing drawing&#10;&#10;Description automatically generated">
+            <a:extLst>
+              <a:ext uri="{FF2B5EF4-FFF2-40B4-BE49-F238E27FC236}">
+                <a16:creationId xmlns:a16="http://schemas.microsoft.com/office/drawing/2014/main" id="{630BEE94-B85F-466A-8041-28B8D185B60A}"/>
+              </a:ext>
+            </a:extLst>
+          </p:cNvPr>
+          <p:cNvPicPr>
+            <a:picLocks noChangeAspect="1"/>
+          </p:cNvPicPr>
+          <p:nvPr/>
+        </p:nvPicPr>
+        <p:blipFill rotWithShape="1">
+          <a:blip r:embed="rId2">
+            <a:extLst>
+              <a:ext uri="{BEBA8EAE-BF5A-486C-A8C5-ECC9F3942E4B}">
+                <a14:imgProps xmlns:a14="http://schemas.microsoft.com/office/drawing/2010/main">
+                  <a14:imgLayer r:embed="rId3">
+                    <a14:imgEffect>
+                      <a14:backgroundRemoval t="6313" b="99875" l="16550" r="81950">
+                        <a14:foregroundMark x1="34850" y1="7062" x2="44100" y2="7875"/>
+                        <a14:foregroundMark x1="44100" y1="7875" x2="52850" y2="7500"/>
+                        <a14:foregroundMark x1="52850" y1="7500" x2="61850" y2="8813"/>
+                        <a14:foregroundMark x1="61850" y1="8813" x2="63600" y2="13563"/>
+                        <a14:foregroundMark x1="34500" y1="7062" x2="29800" y2="16063"/>
+                        <a14:foregroundMark x1="29800" y1="16063" x2="30100" y2="27000"/>
+                        <a14:foregroundMark x1="30100" y1="27000" x2="26500" y2="37125"/>
+                        <a14:foregroundMark x1="26500" y1="37125" x2="26000" y2="48313"/>
+                        <a14:foregroundMark x1="26000" y1="48313" x2="21750" y2="60313"/>
+                        <a14:foregroundMark x1="21750" y1="60313" x2="26900" y2="70875"/>
+                        <a14:foregroundMark x1="26900" y1="70875" x2="33900" y2="76938"/>
+                        <a14:foregroundMark x1="33900" y1="76938" x2="33900" y2="88063"/>
+                        <a14:foregroundMark x1="33900" y1="88063" x2="45050" y2="91438"/>
+                        <a14:foregroundMark x1="45050" y1="91438" x2="36800" y2="97313"/>
+                        <a14:foregroundMark x1="36800" y1="97313" x2="48250" y2="99563"/>
+                        <a14:foregroundMark x1="48250" y1="99563" x2="57850" y2="97938"/>
+                        <a14:foregroundMark x1="57850" y1="97938" x2="65850" y2="88625"/>
+                        <a14:foregroundMark x1="65850" y1="88625" x2="73650" y2="64313"/>
+                        <a14:foregroundMark x1="73650" y1="64313" x2="74450" y2="52750"/>
+                        <a14:foregroundMark x1="74450" y1="52750" x2="68350" y2="42688"/>
+                        <a14:foregroundMark x1="68350" y1="42688" x2="69900" y2="31000"/>
+                        <a14:foregroundMark x1="69900" y1="31000" x2="62000" y2="10813"/>
+                        <a14:foregroundMark x1="62000" y1="10813" x2="53900" y2="6750"/>
+                        <a14:foregroundMark x1="53900" y1="6750" x2="34450" y2="6313"/>
+                        <a14:foregroundMark x1="34450" y1="6313" x2="34850" y2="6875"/>
+                        <a14:foregroundMark x1="46000" y1="81563" x2="47050" y2="92250"/>
+                        <a14:foregroundMark x1="47050" y1="92250" x2="62350" y2="99688"/>
+                        <a14:foregroundMark x1="62350" y1="99688" x2="61900" y2="87625"/>
+                        <a14:foregroundMark x1="61900" y1="87625" x2="51750" y2="94813"/>
+                        <a14:foregroundMark x1="51750" y1="94813" x2="53250" y2="84313"/>
+                        <a14:foregroundMark x1="53250" y1="84313" x2="49600" y2="95250"/>
+                        <a14:foregroundMark x1="49600" y1="95250" x2="47900" y2="83625"/>
+                        <a14:foregroundMark x1="47900" y1="83625" x2="41700" y2="92250"/>
+                        <a14:foregroundMark x1="41700" y1="92250" x2="40650" y2="81188"/>
+                        <a14:foregroundMark x1="40650" y1="81188" x2="32950" y2="95750"/>
+                        <a14:foregroundMark x1="32950" y1="95750" x2="32950" y2="82000"/>
+                        <a14:foregroundMark x1="32950" y1="82000" x2="30950" y2="92250"/>
+                        <a14:foregroundMark x1="30950" y1="92250" x2="39000" y2="66000"/>
+                        <a14:foregroundMark x1="39000" y1="66000" x2="31700" y2="72563"/>
+                        <a14:foregroundMark x1="31700" y1="72563" x2="33750" y2="70750"/>
+                        <a14:foregroundMark x1="32220" y1="97606" x2="59400" y2="98875"/>
+                        <a14:foregroundMark x1="59400" y1="98875" x2="32700" y2="96500"/>
+                        <a14:foregroundMark x1="32700" y1="96500" x2="42600" y2="99875"/>
+                        <a14:foregroundMark x1="42600" y1="99875" x2="51100" y2="99875"/>
+                        <a14:foregroundMark x1="51100" y1="99875" x2="64850" y2="98500"/>
+                        <a14:backgroundMark x1="31350" y1="96313" x2="29800" y2="97313"/>
+                        <a14:backgroundMark x1="31350" y1="96938" x2="32150" y2="97688"/>
+                      </a14:backgroundRemoval>
+                    </a14:imgEffect>
+                  </a14:imgLayer>
+                </a14:imgProps>
+              </a:ext>
+              <a:ext uri="{28A0092B-C50C-407E-A947-70E740481C1C}">
+                <a14:useLocalDpi xmlns:a14="http://schemas.microsoft.com/office/drawing/2010/main" val="0"/>
+              </a:ext>
+            </a:extLst>
+          </a:blip>
+          <a:srcRect l="8408" r="9854" b="-3"/>
+          <a:stretch/>
+        </p:blipFill>
+        <p:spPr>
+          <a:xfrm rot="259548">
+            <a:off x="7017943" y="2635952"/>
+            <a:ext cx="4545215" cy="4448648"/>
+          </a:xfrm>
+          <a:prstGeom prst="rect">
+            <a:avLst/>
+          </a:prstGeom>
+        </p:spPr>
+      </p:pic>
+    </p:spTree>
+    <p:extLst>
+      <p:ext uri="{BB962C8B-B14F-4D97-AF65-F5344CB8AC3E}">
+        <p14:creationId xmlns:p14="http://schemas.microsoft.com/office/powerpoint/2010/main" val="2662033548"/>
+      </p:ext>
+    </p:extLst>
+  </p:cSld>
+  <p:clrMapOvr>
+    <a:masterClrMapping/>
+  </p:clrMapOvr>
+</p:sld>
+</file>
+
+<file path=ppt/slides/slide4.xml><?xml version="1.0" encoding="utf-8"?>
+<p:sld xmlns:a="http://schemas.openxmlformats.org/drawingml/2006/main" xmlns:r="http://schemas.openxmlformats.org/officeDocument/2006/relationships" xmlns:p="http://schemas.openxmlformats.org/presentationml/2006/main">
+  <p:cSld>
+    <p:spTree>
+      <p:nvGrpSpPr>
+        <p:cNvPr id="1" name=""/>
+        <p:cNvGrpSpPr/>
+        <p:nvPr/>
+      </p:nvGrpSpPr>
+      <p:grpSpPr>
+        <a:xfrm>
+          <a:off x="0" y="0"/>
+          <a:ext cx="0" cy="0"/>
+          <a:chOff x="0" y="0"/>
+          <a:chExt cx="0" cy="0"/>
+        </a:xfrm>
+      </p:grpSpPr>
+      <p:sp>
+        <p:nvSpPr>
+          <p:cNvPr id="2" name="Title 1">
+            <a:extLst>
+              <a:ext uri="{FF2B5EF4-FFF2-40B4-BE49-F238E27FC236}">
+                <a16:creationId xmlns:a16="http://schemas.microsoft.com/office/drawing/2014/main" id="{04670130-86F9-464A-8B99-04A42D59F7F9}"/>
+              </a:ext>
+            </a:extLst>
+          </p:cNvPr>
+          <p:cNvSpPr>
+            <a:spLocks noGrp="1"/>
+          </p:cNvSpPr>
+          <p:nvPr>
+            <p:ph type="title"/>
+          </p:nvPr>
+        </p:nvSpPr>
+        <p:spPr/>
+        <p:txBody>
+          <a:bodyPr/>
+          <a:lstStyle/>
+          <a:p>
+            <a:r>
+              <a:rPr lang="en-US" dirty="0">
+                <a:solidFill>
+                  <a:schemeClr val="bg1">
+                    <a:lumMod val="50000"/>
+                  </a:schemeClr>
+                </a:solidFill>
+                <a:latin typeface="Masqualero Light" panose="02050304080505020303" pitchFamily="18" charset="0"/>
+              </a:rPr>
+              <a:t>Artist statement</a:t>
+            </a:r>
+          </a:p>
+        </p:txBody>
+      </p:sp>
+      <p:sp>
+        <p:nvSpPr>
+          <p:cNvPr id="3" name="Content Placeholder 2">
+            <a:extLst>
+              <a:ext uri="{FF2B5EF4-FFF2-40B4-BE49-F238E27FC236}">
+                <a16:creationId xmlns:a16="http://schemas.microsoft.com/office/drawing/2014/main" id="{CB8CD216-C7B4-4284-A589-98A6FA6B857F}"/>
+              </a:ext>
+            </a:extLst>
+          </p:cNvPr>
+          <p:cNvSpPr>
+            <a:spLocks noGrp="1"/>
+          </p:cNvSpPr>
+          <p:nvPr>
+            <p:ph idx="1"/>
+          </p:nvPr>
+        </p:nvSpPr>
+        <p:spPr/>
+        <p:txBody>
+          <a:bodyPr/>
+          <a:lstStyle/>
+          <a:p>
+            <a:pPr marL="0" indent="0">
+              <a:buNone/>
+            </a:pPr>
+            <a:r>
+              <a:rPr lang="en-US" dirty="0">
+                <a:solidFill>
+                  <a:schemeClr val="bg1">
+                    <a:lumMod val="50000"/>
+                  </a:schemeClr>
+                </a:solidFill>
+                <a:latin typeface="Masqualero Light" panose="02050304080505020303" pitchFamily="18" charset="0"/>
+              </a:rPr>
+              <a:t>This game will provide entertainment, distraction and some level of reward for players who are stuck at home, feeling unproductive and helpless because of COVID-19. Playing an adventure game, especially as a successful FBI detective can certainly help the player feel productive as they figure out clues and are on their way to finding the killer. Fans of the show will hopefully also find some humor in the references to the well known world of Twin Peaks. Overall, </a:t>
+            </a:r>
+            <a:r>
+              <a:rPr lang="en-US" u="sng" dirty="0">
+                <a:solidFill>
+                  <a:schemeClr val="bg1">
+                    <a:lumMod val="50000"/>
+                  </a:schemeClr>
+                </a:solidFill>
+                <a:latin typeface="Masqualero Light" panose="02050304080505020303" pitchFamily="18" charset="0"/>
+              </a:rPr>
+              <a:t>Wrapped in Plastic</a:t>
+            </a:r>
+            <a:r>
+              <a:rPr lang="en-US" dirty="0">
+                <a:solidFill>
+                  <a:schemeClr val="bg1">
+                    <a:lumMod val="50000"/>
+                  </a:schemeClr>
+                </a:solidFill>
+                <a:latin typeface="Masqualero Light" panose="02050304080505020303" pitchFamily="18" charset="0"/>
+              </a:rPr>
+              <a:t> hopes to entertain players by helping them go out an explore in the virtual world while they are stuck inside.</a:t>
+            </a:r>
+          </a:p>
+        </p:txBody>
+      </p:sp>
+    </p:spTree>
+    <p:extLst>
+      <p:ext uri="{BB962C8B-B14F-4D97-AF65-F5344CB8AC3E}">
+        <p14:creationId xmlns:p14="http://schemas.microsoft.com/office/powerpoint/2010/main" val="1136969772"/>
+      </p:ext>
+    </p:extLst>
+  </p:cSld>
+  <p:clrMapOvr>
+    <a:masterClrMapping/>
+  </p:clrMapOvr>
+</p:sld>
+</file>
+
+<file path=ppt/slides/slide5.xml><?xml version="1.0" encoding="utf-8"?>
+<p:sld xmlns:a="http://schemas.openxmlformats.org/drawingml/2006/main" xmlns:r="http://schemas.openxmlformats.org/officeDocument/2006/relationships" xmlns:p="http://schemas.openxmlformats.org/presentationml/2006/main">
+  <p:cSld>
     <p:bg>
       <p:bgPr>
         <a:solidFill>
-          <a:srgbClr val="303030"/>
+          <a:srgbClr val="E2F6FF"/>
         </a:solidFill>
         <a:effectLst/>
       </p:bgPr>
@@ -3108,9 +4508,948 @@
           <a:chExt cx="0" cy="0"/>
         </a:xfrm>
       </p:grpSpPr>
+      <p:sp>
+        <p:nvSpPr>
+          <p:cNvPr id="2" name="Title 1">
+            <a:extLst>
+              <a:ext uri="{FF2B5EF4-FFF2-40B4-BE49-F238E27FC236}">
+                <a16:creationId xmlns:a16="http://schemas.microsoft.com/office/drawing/2014/main" id="{8708BCAC-97BF-4C6C-B721-D8B41A2CF853}"/>
+              </a:ext>
+            </a:extLst>
+          </p:cNvPr>
+          <p:cNvSpPr>
+            <a:spLocks noGrp="1"/>
+          </p:cNvSpPr>
+          <p:nvPr>
+            <p:ph type="title"/>
+          </p:nvPr>
+        </p:nvSpPr>
+        <p:spPr>
+          <a:xfrm>
+            <a:off x="8122341" y="1445684"/>
+            <a:ext cx="3336545" cy="1657614"/>
+          </a:xfrm>
+        </p:spPr>
+        <p:txBody>
+          <a:bodyPr>
+            <a:normAutofit/>
+          </a:bodyPr>
+          <a:lstStyle/>
+          <a:p>
+            <a:r>
+              <a:rPr lang="en-US" sz="3600" dirty="0">
+                <a:solidFill>
+                  <a:schemeClr val="bg1">
+                    <a:lumMod val="50000"/>
+                  </a:schemeClr>
+                </a:solidFill>
+                <a:latin typeface="Masqualero Light" panose="02050304080505020303" pitchFamily="18" charset="0"/>
+              </a:rPr>
+              <a:t>Play description</a:t>
+            </a:r>
+          </a:p>
+        </p:txBody>
+      </p:sp>
       <p:pic>
         <p:nvPicPr>
-          <p:cNvPr id="4" name="Picture 3"/>
+          <p:cNvPr id="33" name="Picture 32" descr="A picture containing drawing&#10;&#10;Description automatically generated">
+            <a:extLst>
+              <a:ext uri="{FF2B5EF4-FFF2-40B4-BE49-F238E27FC236}">
+                <a16:creationId xmlns:a16="http://schemas.microsoft.com/office/drawing/2014/main" id="{74EF91A8-5AB0-4CF6-829C-91CB639127B9}"/>
+              </a:ext>
+            </a:extLst>
+          </p:cNvPr>
+          <p:cNvPicPr>
+            <a:picLocks noChangeAspect="1"/>
+          </p:cNvPicPr>
+          <p:nvPr/>
+        </p:nvPicPr>
+        <p:blipFill rotWithShape="1">
+          <a:blip r:embed="rId2">
+            <a:extLst>
+              <a:ext uri="{28A0092B-C50C-407E-A947-70E740481C1C}">
+                <a14:useLocalDpi xmlns:a14="http://schemas.microsoft.com/office/drawing/2010/main" val="0"/>
+              </a:ext>
+            </a:extLst>
+          </a:blip>
+          <a:srcRect l="8408" r="9854" b="-3"/>
+          <a:stretch/>
+        </p:blipFill>
+        <p:spPr>
+          <a:xfrm>
+            <a:off x="20" y="-1"/>
+            <a:ext cx="4613982" cy="4515954"/>
+          </a:xfrm>
+          <a:prstGeom prst="rect">
+            <a:avLst/>
+          </a:prstGeom>
+        </p:spPr>
+      </p:pic>
+      <p:pic>
+        <p:nvPicPr>
+          <p:cNvPr id="29" name="Picture 28" descr="A picture containing drawing, clock&#10;&#10;Description automatically generated">
+            <a:extLst>
+              <a:ext uri="{FF2B5EF4-FFF2-40B4-BE49-F238E27FC236}">
+                <a16:creationId xmlns:a16="http://schemas.microsoft.com/office/drawing/2014/main" id="{12820FD7-78D0-454E-83ED-AC728D3F1018}"/>
+              </a:ext>
+            </a:extLst>
+          </p:cNvPr>
+          <p:cNvPicPr>
+            <a:picLocks noChangeAspect="1"/>
+          </p:cNvPicPr>
+          <p:nvPr/>
+        </p:nvPicPr>
+        <p:blipFill rotWithShape="1">
+          <a:blip r:embed="rId3">
+            <a:extLst>
+              <a:ext uri="{28A0092B-C50C-407E-A947-70E740481C1C}">
+                <a14:useLocalDpi xmlns:a14="http://schemas.microsoft.com/office/drawing/2010/main" val="0"/>
+              </a:ext>
+            </a:extLst>
+          </a:blip>
+          <a:srcRect t="3549"/>
+          <a:stretch/>
+        </p:blipFill>
+        <p:spPr>
+          <a:xfrm>
+            <a:off x="4705442" y="-1"/>
+            <a:ext cx="2829214" cy="2183054"/>
+          </a:xfrm>
+          <a:prstGeom prst="rect">
+            <a:avLst/>
+          </a:prstGeom>
+        </p:spPr>
+      </p:pic>
+      <p:pic>
+        <p:nvPicPr>
+          <p:cNvPr id="25" name="Picture 24" descr="A picture containing drawing&#10;&#10;Description automatically generated">
+            <a:extLst>
+              <a:ext uri="{FF2B5EF4-FFF2-40B4-BE49-F238E27FC236}">
+                <a16:creationId xmlns:a16="http://schemas.microsoft.com/office/drawing/2014/main" id="{E3996002-6AE2-47D0-ABE4-5A8D0547456D}"/>
+              </a:ext>
+            </a:extLst>
+          </p:cNvPr>
+          <p:cNvPicPr>
+            <a:picLocks noChangeAspect="1"/>
+          </p:cNvPicPr>
+          <p:nvPr/>
+        </p:nvPicPr>
+        <p:blipFill rotWithShape="1">
+          <a:blip r:embed="rId4">
+            <a:extLst>
+              <a:ext uri="{28A0092B-C50C-407E-A947-70E740481C1C}">
+                <a14:useLocalDpi xmlns:a14="http://schemas.microsoft.com/office/drawing/2010/main" val="0"/>
+              </a:ext>
+            </a:extLst>
+          </a:blip>
+          <a:srcRect r="4" b="841"/>
+          <a:stretch/>
+        </p:blipFill>
+        <p:spPr>
+          <a:xfrm>
+            <a:off x="4705442" y="2274491"/>
+            <a:ext cx="2825496" cy="2241463"/>
+          </a:xfrm>
+          <a:prstGeom prst="rect">
+            <a:avLst/>
+          </a:prstGeom>
+        </p:spPr>
+      </p:pic>
+      <p:pic>
+        <p:nvPicPr>
+          <p:cNvPr id="27" name="Picture 26" descr="A picture containing drawing&#10;&#10;Description automatically generated">
+            <a:extLst>
+              <a:ext uri="{FF2B5EF4-FFF2-40B4-BE49-F238E27FC236}">
+                <a16:creationId xmlns:a16="http://schemas.microsoft.com/office/drawing/2014/main" id="{3A9744B7-CD76-41AD-A2FF-09CD2B551649}"/>
+              </a:ext>
+            </a:extLst>
+          </p:cNvPr>
+          <p:cNvPicPr>
+            <a:picLocks noChangeAspect="1"/>
+          </p:cNvPicPr>
+          <p:nvPr/>
+        </p:nvPicPr>
+        <p:blipFill rotWithShape="1">
+          <a:blip r:embed="rId5">
+            <a:extLst>
+              <a:ext uri="{28A0092B-C50C-407E-A947-70E740481C1C}">
+                <a14:useLocalDpi xmlns:a14="http://schemas.microsoft.com/office/drawing/2010/main" val="0"/>
+              </a:ext>
+            </a:extLst>
+          </a:blip>
+          <a:srcRect b="967"/>
+          <a:stretch/>
+        </p:blipFill>
+        <p:spPr>
+          <a:xfrm>
+            <a:off x="-3717" y="4616536"/>
+            <a:ext cx="2829212" cy="2241464"/>
+          </a:xfrm>
+          <a:prstGeom prst="rect">
+            <a:avLst/>
+          </a:prstGeom>
+        </p:spPr>
+      </p:pic>
+      <p:pic>
+        <p:nvPicPr>
+          <p:cNvPr id="31" name="Picture 30" descr="A picture containing drawing&#10;&#10;Description automatically generated">
+            <a:extLst>
+              <a:ext uri="{FF2B5EF4-FFF2-40B4-BE49-F238E27FC236}">
+                <a16:creationId xmlns:a16="http://schemas.microsoft.com/office/drawing/2014/main" id="{1C34AFF4-06A4-4936-AA48-DFDC074CA8B1}"/>
+              </a:ext>
+            </a:extLst>
+          </p:cNvPr>
+          <p:cNvPicPr>
+            <a:picLocks noChangeAspect="1"/>
+          </p:cNvPicPr>
+          <p:nvPr/>
+        </p:nvPicPr>
+        <p:blipFill rotWithShape="1">
+          <a:blip r:embed="rId6">
+            <a:extLst>
+              <a:ext uri="{28A0092B-C50C-407E-A947-70E740481C1C}">
+                <a14:useLocalDpi xmlns:a14="http://schemas.microsoft.com/office/drawing/2010/main" val="0"/>
+              </a:ext>
+            </a:extLst>
+          </a:blip>
+          <a:srcRect t="6069" b="32959"/>
+          <a:stretch/>
+        </p:blipFill>
+        <p:spPr>
+          <a:xfrm>
+            <a:off x="2913221" y="4616917"/>
+            <a:ext cx="4614002" cy="2336334"/>
+          </a:xfrm>
+          <a:prstGeom prst="rect">
+            <a:avLst/>
+          </a:prstGeom>
+        </p:spPr>
+      </p:pic>
+      <p:sp>
+        <p:nvSpPr>
+          <p:cNvPr id="3" name="Content Placeholder 2">
+            <a:extLst>
+              <a:ext uri="{FF2B5EF4-FFF2-40B4-BE49-F238E27FC236}">
+                <a16:creationId xmlns:a16="http://schemas.microsoft.com/office/drawing/2014/main" id="{08DA5F4C-C231-4F65-BD06-DDFBC9C1128A}"/>
+              </a:ext>
+            </a:extLst>
+          </p:cNvPr>
+          <p:cNvSpPr>
+            <a:spLocks noGrp="1"/>
+          </p:cNvSpPr>
+          <p:nvPr>
+            <p:ph idx="1"/>
+          </p:nvPr>
+        </p:nvSpPr>
+        <p:spPr>
+          <a:xfrm>
+            <a:off x="8114908" y="2628649"/>
+            <a:ext cx="3336546" cy="3902472"/>
+          </a:xfrm>
+        </p:spPr>
+        <p:txBody>
+          <a:bodyPr>
+            <a:normAutofit/>
+          </a:bodyPr>
+          <a:lstStyle/>
+          <a:p>
+            <a:pPr marL="0" indent="0" algn="ctr">
+              <a:buNone/>
+            </a:pPr>
+            <a:r>
+              <a:rPr lang="en-US" sz="2000" dirty="0">
+                <a:solidFill>
+                  <a:schemeClr val="bg1">
+                    <a:lumMod val="50000"/>
+                  </a:schemeClr>
+                </a:solidFill>
+                <a:latin typeface="Masqualero Light" panose="02050304080505020303" pitchFamily="18" charset="0"/>
+              </a:rPr>
+              <a:t>In this point and click adventure game the player will control agent Cooper and move around the town of Twin Peaks, clicking objects to collect clues and interviewing suspects. </a:t>
+            </a:r>
+          </a:p>
+        </p:txBody>
+      </p:sp>
+    </p:spTree>
+    <p:extLst>
+      <p:ext uri="{BB962C8B-B14F-4D97-AF65-F5344CB8AC3E}">
+        <p14:creationId xmlns:p14="http://schemas.microsoft.com/office/powerpoint/2010/main" val="1404177997"/>
+      </p:ext>
+    </p:extLst>
+  </p:cSld>
+  <p:clrMapOvr>
+    <a:masterClrMapping/>
+  </p:clrMapOvr>
+</p:sld>
+</file>
+
+<file path=ppt/slides/slide6.xml><?xml version="1.0" encoding="utf-8"?>
+<p:sld xmlns:a="http://schemas.openxmlformats.org/drawingml/2006/main" xmlns:r="http://schemas.openxmlformats.org/officeDocument/2006/relationships" xmlns:p="http://schemas.openxmlformats.org/presentationml/2006/main">
+  <p:cSld>
+    <p:spTree>
+      <p:nvGrpSpPr>
+        <p:cNvPr id="1" name=""/>
+        <p:cNvGrpSpPr/>
+        <p:nvPr/>
+      </p:nvGrpSpPr>
+      <p:grpSpPr>
+        <a:xfrm>
+          <a:off x="0" y="0"/>
+          <a:ext cx="0" cy="0"/>
+          <a:chOff x="0" y="0"/>
+          <a:chExt cx="0" cy="0"/>
+        </a:xfrm>
+      </p:grpSpPr>
+      <p:sp>
+        <p:nvSpPr>
+          <p:cNvPr id="2" name="Title 1">
+            <a:extLst>
+              <a:ext uri="{FF2B5EF4-FFF2-40B4-BE49-F238E27FC236}">
+                <a16:creationId xmlns:a16="http://schemas.microsoft.com/office/drawing/2014/main" id="{AEC37EDF-5389-4290-9955-5B35B82C3976}"/>
+              </a:ext>
+            </a:extLst>
+          </p:cNvPr>
+          <p:cNvSpPr>
+            <a:spLocks noGrp="1"/>
+          </p:cNvSpPr>
+          <p:nvPr>
+            <p:ph type="title"/>
+          </p:nvPr>
+        </p:nvSpPr>
+        <p:spPr/>
+        <p:txBody>
+          <a:bodyPr/>
+          <a:lstStyle/>
+          <a:p>
+            <a:r>
+              <a:rPr lang="en-US" dirty="0">
+                <a:solidFill>
+                  <a:schemeClr val="bg1">
+                    <a:lumMod val="50000"/>
+                  </a:schemeClr>
+                </a:solidFill>
+                <a:latin typeface="Masqualero Light" panose="02050304080505020303" pitchFamily="18" charset="0"/>
+              </a:rPr>
+              <a:t>Color scheme</a:t>
+            </a:r>
+          </a:p>
+        </p:txBody>
+      </p:sp>
+      <p:sp>
+        <p:nvSpPr>
+          <p:cNvPr id="3" name="Content Placeholder 2">
+            <a:extLst>
+              <a:ext uri="{FF2B5EF4-FFF2-40B4-BE49-F238E27FC236}">
+                <a16:creationId xmlns:a16="http://schemas.microsoft.com/office/drawing/2014/main" id="{5D8CD058-E1AC-48D1-88F5-3629042FC5A2}"/>
+              </a:ext>
+            </a:extLst>
+          </p:cNvPr>
+          <p:cNvSpPr>
+            <a:spLocks noGrp="1"/>
+          </p:cNvSpPr>
+          <p:nvPr>
+            <p:ph idx="1"/>
+          </p:nvPr>
+        </p:nvSpPr>
+        <p:spPr>
+          <a:xfrm>
+            <a:off x="838200" y="1825625"/>
+            <a:ext cx="10515600" cy="1603375"/>
+          </a:xfrm>
+        </p:spPr>
+        <p:txBody>
+          <a:bodyPr>
+            <a:normAutofit lnSpcReduction="10000"/>
+          </a:bodyPr>
+          <a:lstStyle/>
+          <a:p>
+            <a:pPr marL="0" indent="0">
+              <a:buNone/>
+            </a:pPr>
+            <a:r>
+              <a:rPr lang="en-US" dirty="0">
+                <a:solidFill>
+                  <a:schemeClr val="bg1">
+                    <a:lumMod val="50000"/>
+                  </a:schemeClr>
+                </a:solidFill>
+                <a:latin typeface="Masqualero Light" panose="02050304080505020303" pitchFamily="18" charset="0"/>
+              </a:rPr>
+              <a:t>When outside in the town of Twin Peaks, the main colors will be greens and browns. In the infamous Red Room, the main colors will be red, black and white. The game will have a relatively bright but natural color palette.</a:t>
+            </a:r>
+          </a:p>
+        </p:txBody>
+      </p:sp>
+      <p:sp>
+        <p:nvSpPr>
+          <p:cNvPr id="4" name="Rectangle 3">
+            <a:extLst>
+              <a:ext uri="{FF2B5EF4-FFF2-40B4-BE49-F238E27FC236}">
+                <a16:creationId xmlns:a16="http://schemas.microsoft.com/office/drawing/2014/main" id="{43348085-7AEA-48B7-A683-670C89790C86}"/>
+              </a:ext>
+            </a:extLst>
+          </p:cNvPr>
+          <p:cNvSpPr/>
+          <p:nvPr/>
+        </p:nvSpPr>
+        <p:spPr>
+          <a:xfrm>
+            <a:off x="3657600" y="3752850"/>
+            <a:ext cx="695325" cy="695325"/>
+          </a:xfrm>
+          <a:prstGeom prst="rect">
+            <a:avLst/>
+          </a:prstGeom>
+          <a:solidFill>
+            <a:srgbClr val="E00318"/>
+          </a:solidFill>
+        </p:spPr>
+        <p:style>
+          <a:lnRef idx="2">
+            <a:schemeClr val="accent1">
+              <a:shade val="50000"/>
+            </a:schemeClr>
+          </a:lnRef>
+          <a:fillRef idx="1">
+            <a:schemeClr val="accent1"/>
+          </a:fillRef>
+          <a:effectRef idx="0">
+            <a:schemeClr val="accent1"/>
+          </a:effectRef>
+          <a:fontRef idx="minor">
+            <a:schemeClr val="lt1"/>
+          </a:fontRef>
+        </p:style>
+        <p:txBody>
+          <a:bodyPr rtlCol="0" anchor="ctr"/>
+          <a:lstStyle/>
+          <a:p>
+            <a:pPr algn="ctr"/>
+            <a:endParaRPr lang="en-US"/>
+          </a:p>
+        </p:txBody>
+      </p:sp>
+      <p:sp>
+        <p:nvSpPr>
+          <p:cNvPr id="5" name="Rectangle 4">
+            <a:extLst>
+              <a:ext uri="{FF2B5EF4-FFF2-40B4-BE49-F238E27FC236}">
+                <a16:creationId xmlns:a16="http://schemas.microsoft.com/office/drawing/2014/main" id="{E4E2AB67-3722-4FF3-A041-AB69FBF97299}"/>
+              </a:ext>
+            </a:extLst>
+          </p:cNvPr>
+          <p:cNvSpPr/>
+          <p:nvPr/>
+        </p:nvSpPr>
+        <p:spPr>
+          <a:xfrm>
+            <a:off x="4572000" y="3752850"/>
+            <a:ext cx="695325" cy="695325"/>
+          </a:xfrm>
+          <a:prstGeom prst="rect">
+            <a:avLst/>
+          </a:prstGeom>
+          <a:solidFill>
+            <a:srgbClr val="368B48"/>
+          </a:solidFill>
+        </p:spPr>
+        <p:style>
+          <a:lnRef idx="2">
+            <a:schemeClr val="accent1">
+              <a:shade val="50000"/>
+            </a:schemeClr>
+          </a:lnRef>
+          <a:fillRef idx="1">
+            <a:schemeClr val="accent1"/>
+          </a:fillRef>
+          <a:effectRef idx="0">
+            <a:schemeClr val="accent1"/>
+          </a:effectRef>
+          <a:fontRef idx="minor">
+            <a:schemeClr val="lt1"/>
+          </a:fontRef>
+        </p:style>
+        <p:txBody>
+          <a:bodyPr rtlCol="0" anchor="ctr"/>
+          <a:lstStyle/>
+          <a:p>
+            <a:pPr algn="ctr"/>
+            <a:endParaRPr lang="en-US"/>
+          </a:p>
+        </p:txBody>
+      </p:sp>
+      <p:sp>
+        <p:nvSpPr>
+          <p:cNvPr id="6" name="Rectangle 5">
+            <a:extLst>
+              <a:ext uri="{FF2B5EF4-FFF2-40B4-BE49-F238E27FC236}">
+                <a16:creationId xmlns:a16="http://schemas.microsoft.com/office/drawing/2014/main" id="{7A2DCFF4-E533-4E54-B9DD-C58183E8C5F2}"/>
+              </a:ext>
+            </a:extLst>
+          </p:cNvPr>
+          <p:cNvSpPr/>
+          <p:nvPr/>
+        </p:nvSpPr>
+        <p:spPr>
+          <a:xfrm>
+            <a:off x="5486400" y="4614862"/>
+            <a:ext cx="695325" cy="695325"/>
+          </a:xfrm>
+          <a:prstGeom prst="rect">
+            <a:avLst/>
+          </a:prstGeom>
+          <a:solidFill>
+            <a:srgbClr val="2F7FFF"/>
+          </a:solidFill>
+        </p:spPr>
+        <p:style>
+          <a:lnRef idx="2">
+            <a:schemeClr val="accent1">
+              <a:shade val="50000"/>
+            </a:schemeClr>
+          </a:lnRef>
+          <a:fillRef idx="1">
+            <a:schemeClr val="accent1"/>
+          </a:fillRef>
+          <a:effectRef idx="0">
+            <a:schemeClr val="accent1"/>
+          </a:effectRef>
+          <a:fontRef idx="minor">
+            <a:schemeClr val="lt1"/>
+          </a:fontRef>
+        </p:style>
+        <p:txBody>
+          <a:bodyPr rtlCol="0" anchor="ctr"/>
+          <a:lstStyle/>
+          <a:p>
+            <a:pPr algn="ctr"/>
+            <a:endParaRPr lang="en-US"/>
+          </a:p>
+        </p:txBody>
+      </p:sp>
+      <p:sp>
+        <p:nvSpPr>
+          <p:cNvPr id="7" name="Rectangle 6">
+            <a:extLst>
+              <a:ext uri="{FF2B5EF4-FFF2-40B4-BE49-F238E27FC236}">
+                <a16:creationId xmlns:a16="http://schemas.microsoft.com/office/drawing/2014/main" id="{7A84E752-5580-4AD4-91F0-B444FDD969B0}"/>
+              </a:ext>
+            </a:extLst>
+          </p:cNvPr>
+          <p:cNvSpPr/>
+          <p:nvPr/>
+        </p:nvSpPr>
+        <p:spPr>
+          <a:xfrm>
+            <a:off x="3652838" y="4610098"/>
+            <a:ext cx="695325" cy="695325"/>
+          </a:xfrm>
+          <a:prstGeom prst="rect">
+            <a:avLst/>
+          </a:prstGeom>
+          <a:solidFill>
+            <a:srgbClr val="FFEC1E"/>
+          </a:solidFill>
+        </p:spPr>
+        <p:style>
+          <a:lnRef idx="2">
+            <a:schemeClr val="accent1">
+              <a:shade val="50000"/>
+            </a:schemeClr>
+          </a:lnRef>
+          <a:fillRef idx="1">
+            <a:schemeClr val="accent1"/>
+          </a:fillRef>
+          <a:effectRef idx="0">
+            <a:schemeClr val="accent1"/>
+          </a:effectRef>
+          <a:fontRef idx="minor">
+            <a:schemeClr val="lt1"/>
+          </a:fontRef>
+        </p:style>
+        <p:txBody>
+          <a:bodyPr rtlCol="0" anchor="ctr"/>
+          <a:lstStyle/>
+          <a:p>
+            <a:pPr algn="ctr"/>
+            <a:endParaRPr lang="en-US"/>
+          </a:p>
+        </p:txBody>
+      </p:sp>
+      <p:sp>
+        <p:nvSpPr>
+          <p:cNvPr id="8" name="Rectangle 7">
+            <a:extLst>
+              <a:ext uri="{FF2B5EF4-FFF2-40B4-BE49-F238E27FC236}">
+                <a16:creationId xmlns:a16="http://schemas.microsoft.com/office/drawing/2014/main" id="{A4294C48-ACC2-4246-9ABA-AB47D3161239}"/>
+              </a:ext>
+            </a:extLst>
+          </p:cNvPr>
+          <p:cNvSpPr/>
+          <p:nvPr/>
+        </p:nvSpPr>
+        <p:spPr>
+          <a:xfrm>
+            <a:off x="6400800" y="3752849"/>
+            <a:ext cx="695325" cy="695325"/>
+          </a:xfrm>
+          <a:prstGeom prst="rect">
+            <a:avLst/>
+          </a:prstGeom>
+          <a:solidFill>
+            <a:srgbClr val="09260F"/>
+          </a:solidFill>
+        </p:spPr>
+        <p:style>
+          <a:lnRef idx="2">
+            <a:schemeClr val="accent1">
+              <a:shade val="50000"/>
+            </a:schemeClr>
+          </a:lnRef>
+          <a:fillRef idx="1">
+            <a:schemeClr val="accent1"/>
+          </a:fillRef>
+          <a:effectRef idx="0">
+            <a:schemeClr val="accent1"/>
+          </a:effectRef>
+          <a:fontRef idx="minor">
+            <a:schemeClr val="lt1"/>
+          </a:fontRef>
+        </p:style>
+        <p:txBody>
+          <a:bodyPr rtlCol="0" anchor="ctr"/>
+          <a:lstStyle/>
+          <a:p>
+            <a:pPr algn="ctr"/>
+            <a:endParaRPr lang="en-US"/>
+          </a:p>
+        </p:txBody>
+      </p:sp>
+      <p:sp>
+        <p:nvSpPr>
+          <p:cNvPr id="9" name="Rectangle 8">
+            <a:extLst>
+              <a:ext uri="{FF2B5EF4-FFF2-40B4-BE49-F238E27FC236}">
+                <a16:creationId xmlns:a16="http://schemas.microsoft.com/office/drawing/2014/main" id="{EA32DB73-CAE6-48FB-8296-8EDB84E0667D}"/>
+              </a:ext>
+            </a:extLst>
+          </p:cNvPr>
+          <p:cNvSpPr/>
+          <p:nvPr/>
+        </p:nvSpPr>
+        <p:spPr>
+          <a:xfrm>
+            <a:off x="5486400" y="3752850"/>
+            <a:ext cx="695325" cy="695325"/>
+          </a:xfrm>
+          <a:prstGeom prst="rect">
+            <a:avLst/>
+          </a:prstGeom>
+          <a:solidFill>
+            <a:srgbClr val="14431D"/>
+          </a:solidFill>
+        </p:spPr>
+        <p:style>
+          <a:lnRef idx="2">
+            <a:schemeClr val="accent1">
+              <a:shade val="50000"/>
+            </a:schemeClr>
+          </a:lnRef>
+          <a:fillRef idx="1">
+            <a:schemeClr val="accent1"/>
+          </a:fillRef>
+          <a:effectRef idx="0">
+            <a:schemeClr val="accent1"/>
+          </a:effectRef>
+          <a:fontRef idx="minor">
+            <a:schemeClr val="lt1"/>
+          </a:fontRef>
+        </p:style>
+        <p:txBody>
+          <a:bodyPr rtlCol="0" anchor="ctr"/>
+          <a:lstStyle/>
+          <a:p>
+            <a:pPr algn="ctr"/>
+            <a:endParaRPr lang="en-US"/>
+          </a:p>
+        </p:txBody>
+      </p:sp>
+      <p:sp>
+        <p:nvSpPr>
+          <p:cNvPr id="10" name="Rectangle 9">
+            <a:extLst>
+              <a:ext uri="{FF2B5EF4-FFF2-40B4-BE49-F238E27FC236}">
+                <a16:creationId xmlns:a16="http://schemas.microsoft.com/office/drawing/2014/main" id="{45CAA3E9-7F66-48F7-B42B-01947273CB11}"/>
+              </a:ext>
+            </a:extLst>
+          </p:cNvPr>
+          <p:cNvSpPr/>
+          <p:nvPr/>
+        </p:nvSpPr>
+        <p:spPr>
+          <a:xfrm>
+            <a:off x="7319962" y="3752848"/>
+            <a:ext cx="695325" cy="695325"/>
+          </a:xfrm>
+          <a:prstGeom prst="rect">
+            <a:avLst/>
+          </a:prstGeom>
+          <a:solidFill>
+            <a:srgbClr val="5B4920"/>
+          </a:solidFill>
+        </p:spPr>
+        <p:style>
+          <a:lnRef idx="2">
+            <a:schemeClr val="accent1">
+              <a:shade val="50000"/>
+            </a:schemeClr>
+          </a:lnRef>
+          <a:fillRef idx="1">
+            <a:schemeClr val="accent1"/>
+          </a:fillRef>
+          <a:effectRef idx="0">
+            <a:schemeClr val="accent1"/>
+          </a:effectRef>
+          <a:fontRef idx="minor">
+            <a:schemeClr val="lt1"/>
+          </a:fontRef>
+        </p:style>
+        <p:txBody>
+          <a:bodyPr rtlCol="0" anchor="ctr"/>
+          <a:lstStyle/>
+          <a:p>
+            <a:pPr algn="ctr"/>
+            <a:endParaRPr lang="en-US"/>
+          </a:p>
+        </p:txBody>
+      </p:sp>
+      <p:sp>
+        <p:nvSpPr>
+          <p:cNvPr id="11" name="Rectangle 10">
+            <a:extLst>
+              <a:ext uri="{FF2B5EF4-FFF2-40B4-BE49-F238E27FC236}">
+                <a16:creationId xmlns:a16="http://schemas.microsoft.com/office/drawing/2014/main" id="{B9A608AA-5F35-4AFC-BC92-8B51CF2050B9}"/>
+              </a:ext>
+            </a:extLst>
+          </p:cNvPr>
+          <p:cNvSpPr/>
+          <p:nvPr/>
+        </p:nvSpPr>
+        <p:spPr>
+          <a:xfrm>
+            <a:off x="7319962" y="4610099"/>
+            <a:ext cx="695325" cy="695325"/>
+          </a:xfrm>
+          <a:prstGeom prst="rect">
+            <a:avLst/>
+          </a:prstGeom>
+          <a:solidFill>
+            <a:srgbClr val="9280A8"/>
+          </a:solidFill>
+        </p:spPr>
+        <p:style>
+          <a:lnRef idx="2">
+            <a:schemeClr val="accent1">
+              <a:shade val="50000"/>
+            </a:schemeClr>
+          </a:lnRef>
+          <a:fillRef idx="1">
+            <a:schemeClr val="accent1"/>
+          </a:fillRef>
+          <a:effectRef idx="0">
+            <a:schemeClr val="accent1"/>
+          </a:effectRef>
+          <a:fontRef idx="minor">
+            <a:schemeClr val="lt1"/>
+          </a:fontRef>
+        </p:style>
+        <p:txBody>
+          <a:bodyPr rtlCol="0" anchor="ctr"/>
+          <a:lstStyle/>
+          <a:p>
+            <a:pPr algn="ctr"/>
+            <a:endParaRPr lang="en-US"/>
+          </a:p>
+        </p:txBody>
+      </p:sp>
+      <p:sp>
+        <p:nvSpPr>
+          <p:cNvPr id="12" name="Rectangle 11">
+            <a:extLst>
+              <a:ext uri="{FF2B5EF4-FFF2-40B4-BE49-F238E27FC236}">
+                <a16:creationId xmlns:a16="http://schemas.microsoft.com/office/drawing/2014/main" id="{D59E3FF7-3B74-4A63-8C80-C48428F46DA6}"/>
+              </a:ext>
+            </a:extLst>
+          </p:cNvPr>
+          <p:cNvSpPr/>
+          <p:nvPr/>
+        </p:nvSpPr>
+        <p:spPr>
+          <a:xfrm>
+            <a:off x="6400800" y="4610099"/>
+            <a:ext cx="695325" cy="695325"/>
+          </a:xfrm>
+          <a:prstGeom prst="rect">
+            <a:avLst/>
+          </a:prstGeom>
+          <a:solidFill>
+            <a:srgbClr val="B2DBF9"/>
+          </a:solidFill>
+        </p:spPr>
+        <p:style>
+          <a:lnRef idx="2">
+            <a:schemeClr val="accent1">
+              <a:shade val="50000"/>
+            </a:schemeClr>
+          </a:lnRef>
+          <a:fillRef idx="1">
+            <a:schemeClr val="accent1"/>
+          </a:fillRef>
+          <a:effectRef idx="0">
+            <a:schemeClr val="accent1"/>
+          </a:effectRef>
+          <a:fontRef idx="minor">
+            <a:schemeClr val="lt1"/>
+          </a:fontRef>
+        </p:style>
+        <p:txBody>
+          <a:bodyPr rtlCol="0" anchor="ctr"/>
+          <a:lstStyle/>
+          <a:p>
+            <a:pPr algn="ctr"/>
+            <a:endParaRPr lang="en-US"/>
+          </a:p>
+        </p:txBody>
+      </p:sp>
+      <p:sp>
+        <p:nvSpPr>
+          <p:cNvPr id="13" name="Rectangle 12">
+            <a:extLst>
+              <a:ext uri="{FF2B5EF4-FFF2-40B4-BE49-F238E27FC236}">
+                <a16:creationId xmlns:a16="http://schemas.microsoft.com/office/drawing/2014/main" id="{05126544-3D36-4136-AAF5-B7A5F1B259A3}"/>
+              </a:ext>
+            </a:extLst>
+          </p:cNvPr>
+          <p:cNvSpPr/>
+          <p:nvPr/>
+        </p:nvSpPr>
+        <p:spPr>
+          <a:xfrm>
+            <a:off x="4572000" y="4610098"/>
+            <a:ext cx="695325" cy="695325"/>
+          </a:xfrm>
+          <a:prstGeom prst="rect">
+            <a:avLst/>
+          </a:prstGeom>
+          <a:solidFill>
+            <a:srgbClr val="BABC52"/>
+          </a:solidFill>
+        </p:spPr>
+        <p:style>
+          <a:lnRef idx="2">
+            <a:schemeClr val="accent1">
+              <a:shade val="50000"/>
+            </a:schemeClr>
+          </a:lnRef>
+          <a:fillRef idx="1">
+            <a:schemeClr val="accent1"/>
+          </a:fillRef>
+          <a:effectRef idx="0">
+            <a:schemeClr val="accent1"/>
+          </a:effectRef>
+          <a:fontRef idx="minor">
+            <a:schemeClr val="lt1"/>
+          </a:fontRef>
+        </p:style>
+        <p:txBody>
+          <a:bodyPr rtlCol="0" anchor="ctr"/>
+          <a:lstStyle/>
+          <a:p>
+            <a:pPr algn="ctr"/>
+            <a:endParaRPr lang="en-US" dirty="0"/>
+          </a:p>
+        </p:txBody>
+      </p:sp>
+    </p:spTree>
+    <p:extLst>
+      <p:ext uri="{BB962C8B-B14F-4D97-AF65-F5344CB8AC3E}">
+        <p14:creationId xmlns:p14="http://schemas.microsoft.com/office/powerpoint/2010/main" val="887403763"/>
+      </p:ext>
+    </p:extLst>
+  </p:cSld>
+  <p:clrMapOvr>
+    <a:masterClrMapping/>
+  </p:clrMapOvr>
+</p:sld>
+</file>
+
+<file path=ppt/slides/slide7.xml><?xml version="1.0" encoding="utf-8"?>
+<p:sld xmlns:a="http://schemas.openxmlformats.org/drawingml/2006/main" xmlns:r="http://schemas.openxmlformats.org/officeDocument/2006/relationships" xmlns:p="http://schemas.openxmlformats.org/presentationml/2006/main">
+  <p:cSld>
+    <p:spTree>
+      <p:nvGrpSpPr>
+        <p:cNvPr id="1" name=""/>
+        <p:cNvGrpSpPr/>
+        <p:nvPr/>
+      </p:nvGrpSpPr>
+      <p:grpSpPr>
+        <a:xfrm>
+          <a:off x="0" y="0"/>
+          <a:ext cx="0" cy="0"/>
+          <a:chOff x="0" y="0"/>
+          <a:chExt cx="0" cy="0"/>
+        </a:xfrm>
+      </p:grpSpPr>
+      <p:sp>
+        <p:nvSpPr>
+          <p:cNvPr id="2" name="Title 1">
+            <a:extLst>
+              <a:ext uri="{FF2B5EF4-FFF2-40B4-BE49-F238E27FC236}">
+                <a16:creationId xmlns:a16="http://schemas.microsoft.com/office/drawing/2014/main" id="{8029D76D-11D4-488E-9F27-60536C12C4A6}"/>
+              </a:ext>
+            </a:extLst>
+          </p:cNvPr>
+          <p:cNvSpPr>
+            <a:spLocks noGrp="1"/>
+          </p:cNvSpPr>
+          <p:nvPr>
+            <p:ph type="title"/>
+          </p:nvPr>
+        </p:nvSpPr>
+        <p:spPr>
+          <a:xfrm>
+            <a:off x="199008" y="107672"/>
+            <a:ext cx="10515600" cy="1325563"/>
+          </a:xfrm>
+        </p:spPr>
+        <p:txBody>
+          <a:bodyPr/>
+          <a:lstStyle/>
+          <a:p>
+            <a:r>
+              <a:rPr lang="en-US" dirty="0">
+                <a:solidFill>
+                  <a:schemeClr val="tx1">
+                    <a:lumMod val="65000"/>
+                    <a:lumOff val="35000"/>
+                  </a:schemeClr>
+                </a:solidFill>
+                <a:latin typeface="Masqualero Light" panose="02050304080505020303" pitchFamily="18" charset="0"/>
+              </a:rPr>
+              <a:t>Level design/ screen mockups:</a:t>
+            </a:r>
+          </a:p>
+        </p:txBody>
+      </p:sp>
+      <p:pic>
+        <p:nvPicPr>
+          <p:cNvPr id="4" name="Picture 3" descr="A picture containing toy, room&#10;&#10;Description automatically generated">
+            <a:extLst>
+              <a:ext uri="{FF2B5EF4-FFF2-40B4-BE49-F238E27FC236}">
+                <a16:creationId xmlns:a16="http://schemas.microsoft.com/office/drawing/2014/main" id="{ABD59EA0-D63F-413B-9BD4-376618D0FA07}"/>
+              </a:ext>
+            </a:extLst>
+          </p:cNvPr>
           <p:cNvPicPr>
             <a:picLocks noChangeAspect="1"/>
           </p:cNvPicPr>
@@ -3130,88 +5469,652 @@
         </p:blipFill>
         <p:spPr>
           <a:xfrm>
-            <a:off x="2852057" y="742950"/>
-            <a:ext cx="3396343" cy="2971800"/>
+            <a:off x="4931815" y="1527234"/>
+            <a:ext cx="2119750" cy="2186122"/>
           </a:xfrm>
           <a:prstGeom prst="rect">
             <a:avLst/>
           </a:prstGeom>
-          <a:effectLst>
-            <a:outerShdw blurRad="50800" dist="38100" dir="2700000" algn="tl" rotWithShape="0">
-              <a:prstClr val="black">
-                <a:alpha val="40000"/>
-              </a:prstClr>
-            </a:outerShdw>
-          </a:effectLst>
         </p:spPr>
       </p:pic>
-      <p:sp>
-        <p:nvSpPr>
-          <p:cNvPr id="5" name="TextBox 4"/>
-          <p:cNvSpPr txBox="1"/>
+      <p:pic>
+        <p:nvPicPr>
+          <p:cNvPr id="9" name="Picture 8" descr="A picture containing drawing&#10;&#10;Description automatically generated">
+            <a:extLst>
+              <a:ext uri="{FF2B5EF4-FFF2-40B4-BE49-F238E27FC236}">
+                <a16:creationId xmlns:a16="http://schemas.microsoft.com/office/drawing/2014/main" id="{AA0258A5-BE7F-4719-B189-E3D023A88693}"/>
+              </a:ext>
+            </a:extLst>
+          </p:cNvPr>
+          <p:cNvPicPr>
+            <a:picLocks noChangeAspect="1"/>
+          </p:cNvPicPr>
           <p:nvPr/>
-        </p:nvSpPr>
-        <p:spPr>
-          <a:xfrm>
-            <a:off x="2743200" y="3845064"/>
-            <a:ext cx="3657600" cy="707886"/>
+        </p:nvPicPr>
+        <p:blipFill>
+          <a:blip r:embed="rId3">
+            <a:extLst>
+              <a:ext uri="{28A0092B-C50C-407E-A947-70E740481C1C}">
+                <a14:useLocalDpi xmlns:a14="http://schemas.microsoft.com/office/drawing/2010/main" val="0"/>
+              </a:ext>
+            </a:extLst>
+          </a:blip>
+          <a:stretch>
+            <a:fillRect/>
+          </a:stretch>
+        </p:blipFill>
+        <p:spPr>
+          <a:xfrm>
+            <a:off x="9753553" y="4245198"/>
+            <a:ext cx="2105259" cy="2167057"/>
           </a:xfrm>
           <a:prstGeom prst="rect">
             <a:avLst/>
           </a:prstGeom>
-          <a:noFill/>
-          <a:effectLst>
-            <a:outerShdw blurRad="50800" dist="38100" dir="2700000" algn="tl" rotWithShape="0">
-              <a:prstClr val="black">
-                <a:alpha val="40000"/>
-              </a:prstClr>
-            </a:outerShdw>
-          </a:effectLst>
-        </p:spPr>
-        <p:txBody>
-          <a:bodyPr wrap="square" rtlCol="0">
-            <a:spAutoFit/>
-          </a:bodyPr>
-          <a:lstStyle/>
-          <a:p>
-            <a:pPr algn="ctr"/>
-            <a:r>
-              <a:rPr lang="en-US" sz="4000" dirty="0" smtClean="0">
-                <a:solidFill>
-                  <a:schemeClr val="bg1"/>
-                </a:solidFill>
-                <a:latin typeface="Arial" panose="020B0604020202020204" pitchFamily="34" charset="0"/>
-                <a:cs typeface="Arial" panose="020B0604020202020204" pitchFamily="34" charset="0"/>
-              </a:rPr>
-              <a:t>Presentation</a:t>
-            </a:r>
-            <a:endParaRPr lang="en-US" sz="4000" dirty="0">
-              <a:solidFill>
-                <a:schemeClr val="bg1"/>
-              </a:solidFill>
-              <a:latin typeface="Arial" panose="020B0604020202020204" pitchFamily="34" charset="0"/>
-              <a:cs typeface="Arial" panose="020B0604020202020204" pitchFamily="34" charset="0"/>
-            </a:endParaRPr>
-          </a:p>
-        </p:txBody>
-      </p:sp>
+        </p:spPr>
+      </p:pic>
+      <p:pic>
+        <p:nvPicPr>
+          <p:cNvPr id="11" name="Picture 10" descr="A picture containing drawing&#10;&#10;Description automatically generated">
+            <a:extLst>
+              <a:ext uri="{FF2B5EF4-FFF2-40B4-BE49-F238E27FC236}">
+                <a16:creationId xmlns:a16="http://schemas.microsoft.com/office/drawing/2014/main" id="{84FF806A-F5B5-4537-AAC4-F4B9842CB17D}"/>
+              </a:ext>
+            </a:extLst>
+          </p:cNvPr>
+          <p:cNvPicPr>
+            <a:picLocks noChangeAspect="1"/>
+          </p:cNvPicPr>
+          <p:nvPr/>
+        </p:nvPicPr>
+        <p:blipFill>
+          <a:blip r:embed="rId4">
+            <a:extLst>
+              <a:ext uri="{28A0092B-C50C-407E-A947-70E740481C1C}">
+                <a14:useLocalDpi xmlns:a14="http://schemas.microsoft.com/office/drawing/2010/main" val="0"/>
+              </a:ext>
+            </a:extLst>
+          </a:blip>
+          <a:stretch>
+            <a:fillRect/>
+          </a:stretch>
+        </p:blipFill>
+        <p:spPr>
+          <a:xfrm>
+            <a:off x="7348432" y="4245198"/>
+            <a:ext cx="2105259" cy="2162825"/>
+          </a:xfrm>
+          <a:prstGeom prst="rect">
+            <a:avLst/>
+          </a:prstGeom>
+        </p:spPr>
+      </p:pic>
+      <p:pic>
+        <p:nvPicPr>
+          <p:cNvPr id="13" name="Picture 12" descr="A picture containing screenshot&#10;&#10;Description automatically generated">
+            <a:extLst>
+              <a:ext uri="{FF2B5EF4-FFF2-40B4-BE49-F238E27FC236}">
+                <a16:creationId xmlns:a16="http://schemas.microsoft.com/office/drawing/2014/main" id="{43D14A55-380D-4763-8279-79529305B2F8}"/>
+              </a:ext>
+            </a:extLst>
+          </p:cNvPr>
+          <p:cNvPicPr>
+            <a:picLocks noChangeAspect="1"/>
+          </p:cNvPicPr>
+          <p:nvPr/>
+        </p:nvPicPr>
+        <p:blipFill>
+          <a:blip r:embed="rId5">
+            <a:extLst>
+              <a:ext uri="{28A0092B-C50C-407E-A947-70E740481C1C}">
+                <a14:useLocalDpi xmlns:a14="http://schemas.microsoft.com/office/drawing/2010/main" val="0"/>
+              </a:ext>
+            </a:extLst>
+          </a:blip>
+          <a:stretch>
+            <a:fillRect/>
+          </a:stretch>
+        </p:blipFill>
+        <p:spPr>
+          <a:xfrm>
+            <a:off x="4931815" y="4245198"/>
+            <a:ext cx="2105259" cy="2191946"/>
+          </a:xfrm>
+          <a:prstGeom prst="rect">
+            <a:avLst/>
+          </a:prstGeom>
+        </p:spPr>
+      </p:pic>
+      <p:pic>
+        <p:nvPicPr>
+          <p:cNvPr id="15" name="Picture 14">
+            <a:extLst>
+              <a:ext uri="{FF2B5EF4-FFF2-40B4-BE49-F238E27FC236}">
+                <a16:creationId xmlns:a16="http://schemas.microsoft.com/office/drawing/2014/main" id="{3CE57E2D-280F-4693-9CA2-D26DE6CEE9AB}"/>
+              </a:ext>
+            </a:extLst>
+          </p:cNvPr>
+          <p:cNvPicPr>
+            <a:picLocks noChangeAspect="1"/>
+          </p:cNvPicPr>
+          <p:nvPr/>
+        </p:nvPicPr>
+        <p:blipFill>
+          <a:blip r:embed="rId6">
+            <a:extLst>
+              <a:ext uri="{28A0092B-C50C-407E-A947-70E740481C1C}">
+                <a14:useLocalDpi xmlns:a14="http://schemas.microsoft.com/office/drawing/2010/main" val="0"/>
+              </a:ext>
+            </a:extLst>
+          </a:blip>
+          <a:stretch>
+            <a:fillRect/>
+          </a:stretch>
+        </p:blipFill>
+        <p:spPr>
+          <a:xfrm>
+            <a:off x="2561499" y="4245198"/>
+            <a:ext cx="2105259" cy="2162601"/>
+          </a:xfrm>
+          <a:prstGeom prst="rect">
+            <a:avLst/>
+          </a:prstGeom>
+        </p:spPr>
+      </p:pic>
+      <p:pic>
+        <p:nvPicPr>
+          <p:cNvPr id="17" name="Picture 16">
+            <a:extLst>
+              <a:ext uri="{FF2B5EF4-FFF2-40B4-BE49-F238E27FC236}">
+                <a16:creationId xmlns:a16="http://schemas.microsoft.com/office/drawing/2014/main" id="{F06E35B8-5D06-4160-BD8E-675B8D60743C}"/>
+              </a:ext>
+            </a:extLst>
+          </p:cNvPr>
+          <p:cNvPicPr>
+            <a:picLocks noChangeAspect="1"/>
+          </p:cNvPicPr>
+          <p:nvPr/>
+        </p:nvPicPr>
+        <p:blipFill>
+          <a:blip r:embed="rId7">
+            <a:extLst>
+              <a:ext uri="{28A0092B-C50C-407E-A947-70E740481C1C}">
+                <a14:useLocalDpi xmlns:a14="http://schemas.microsoft.com/office/drawing/2010/main" val="0"/>
+              </a:ext>
+            </a:extLst>
+          </a:blip>
+          <a:stretch>
+            <a:fillRect/>
+          </a:stretch>
+        </p:blipFill>
+        <p:spPr>
+          <a:xfrm>
+            <a:off x="204209" y="4245198"/>
+            <a:ext cx="2108743" cy="2162601"/>
+          </a:xfrm>
+          <a:prstGeom prst="rect">
+            <a:avLst/>
+          </a:prstGeom>
+        </p:spPr>
+      </p:pic>
+      <p:pic>
+        <p:nvPicPr>
+          <p:cNvPr id="19" name="Picture 18" descr="A picture containing drawing&#10;&#10;Description automatically generated">
+            <a:extLst>
+              <a:ext uri="{FF2B5EF4-FFF2-40B4-BE49-F238E27FC236}">
+                <a16:creationId xmlns:a16="http://schemas.microsoft.com/office/drawing/2014/main" id="{E65500E7-385E-4776-AF56-4E8A6FF6F007}"/>
+              </a:ext>
+            </a:extLst>
+          </p:cNvPr>
+          <p:cNvPicPr>
+            <a:picLocks noChangeAspect="1"/>
+          </p:cNvPicPr>
+          <p:nvPr/>
+        </p:nvPicPr>
+        <p:blipFill>
+          <a:blip r:embed="rId8">
+            <a:extLst>
+              <a:ext uri="{28A0092B-C50C-407E-A947-70E740481C1C}">
+                <a14:useLocalDpi xmlns:a14="http://schemas.microsoft.com/office/drawing/2010/main" val="0"/>
+              </a:ext>
+            </a:extLst>
+          </a:blip>
+          <a:stretch>
+            <a:fillRect/>
+          </a:stretch>
+        </p:blipFill>
+        <p:spPr>
+          <a:xfrm>
+            <a:off x="9753553" y="1527234"/>
+            <a:ext cx="2119876" cy="2186122"/>
+          </a:xfrm>
+          <a:prstGeom prst="rect">
+            <a:avLst/>
+          </a:prstGeom>
+        </p:spPr>
+      </p:pic>
+      <p:pic>
+        <p:nvPicPr>
+          <p:cNvPr id="21" name="Picture 20" descr="A picture containing toy&#10;&#10;Description automatically generated">
+            <a:extLst>
+              <a:ext uri="{FF2B5EF4-FFF2-40B4-BE49-F238E27FC236}">
+                <a16:creationId xmlns:a16="http://schemas.microsoft.com/office/drawing/2014/main" id="{8169DBB9-49EB-4A16-9203-0CD84DCE4485}"/>
+              </a:ext>
+            </a:extLst>
+          </p:cNvPr>
+          <p:cNvPicPr>
+            <a:picLocks noChangeAspect="1"/>
+          </p:cNvPicPr>
+          <p:nvPr/>
+        </p:nvPicPr>
+        <p:blipFill>
+          <a:blip r:embed="rId9">
+            <a:extLst>
+              <a:ext uri="{28A0092B-C50C-407E-A947-70E740481C1C}">
+                <a14:useLocalDpi xmlns:a14="http://schemas.microsoft.com/office/drawing/2010/main" val="0"/>
+              </a:ext>
+            </a:extLst>
+          </a:blip>
+          <a:stretch>
+            <a:fillRect/>
+          </a:stretch>
+        </p:blipFill>
+        <p:spPr>
+          <a:xfrm>
+            <a:off x="7348432" y="1535586"/>
+            <a:ext cx="2108742" cy="2174769"/>
+          </a:xfrm>
+          <a:prstGeom prst="rect">
+            <a:avLst/>
+          </a:prstGeom>
+        </p:spPr>
+      </p:pic>
+      <p:pic>
+        <p:nvPicPr>
+          <p:cNvPr id="23" name="Picture 22">
+            <a:extLst>
+              <a:ext uri="{FF2B5EF4-FFF2-40B4-BE49-F238E27FC236}">
+                <a16:creationId xmlns:a16="http://schemas.microsoft.com/office/drawing/2014/main" id="{1DFE0AC2-5178-4DD9-B548-4FB4FF3A6498}"/>
+              </a:ext>
+            </a:extLst>
+          </p:cNvPr>
+          <p:cNvPicPr>
+            <a:picLocks noChangeAspect="1"/>
+          </p:cNvPicPr>
+          <p:nvPr/>
+        </p:nvPicPr>
+        <p:blipFill>
+          <a:blip r:embed="rId10">
+            <a:extLst>
+              <a:ext uri="{28A0092B-C50C-407E-A947-70E740481C1C}">
+                <a14:useLocalDpi xmlns:a14="http://schemas.microsoft.com/office/drawing/2010/main" val="0"/>
+              </a:ext>
+            </a:extLst>
+          </a:blip>
+          <a:stretch>
+            <a:fillRect/>
+          </a:stretch>
+        </p:blipFill>
+        <p:spPr>
+          <a:xfrm>
+            <a:off x="2551849" y="1533274"/>
+            <a:ext cx="2100349" cy="2149769"/>
+          </a:xfrm>
+          <a:prstGeom prst="rect">
+            <a:avLst/>
+          </a:prstGeom>
+        </p:spPr>
+      </p:pic>
+      <p:pic>
+        <p:nvPicPr>
+          <p:cNvPr id="25" name="Picture 24" descr="A picture containing toy&#10;&#10;Description automatically generated">
+            <a:extLst>
+              <a:ext uri="{FF2B5EF4-FFF2-40B4-BE49-F238E27FC236}">
+                <a16:creationId xmlns:a16="http://schemas.microsoft.com/office/drawing/2014/main" id="{C31B095B-8102-4D9A-9E66-7BD108FC8C33}"/>
+              </a:ext>
+            </a:extLst>
+          </p:cNvPr>
+          <p:cNvPicPr>
+            <a:picLocks noChangeAspect="1"/>
+          </p:cNvPicPr>
+          <p:nvPr/>
+        </p:nvPicPr>
+        <p:blipFill>
+          <a:blip r:embed="rId11">
+            <a:extLst>
+              <a:ext uri="{28A0092B-C50C-407E-A947-70E740481C1C}">
+                <a14:useLocalDpi xmlns:a14="http://schemas.microsoft.com/office/drawing/2010/main" val="0"/>
+              </a:ext>
+            </a:extLst>
+          </a:blip>
+          <a:stretch>
+            <a:fillRect/>
+          </a:stretch>
+        </p:blipFill>
+        <p:spPr>
+          <a:xfrm>
+            <a:off x="204209" y="1552994"/>
+            <a:ext cx="2108743" cy="2149769"/>
+          </a:xfrm>
+          <a:prstGeom prst="rect">
+            <a:avLst/>
+          </a:prstGeom>
+        </p:spPr>
+      </p:pic>
     </p:spTree>
     <p:extLst>
       <p:ext uri="{BB962C8B-B14F-4D97-AF65-F5344CB8AC3E}">
-        <p14:creationId xmlns:p14="http://schemas.microsoft.com/office/powerpoint/2010/main" val="457189995"/>
+        <p14:creationId xmlns:p14="http://schemas.microsoft.com/office/powerpoint/2010/main" val="3304915849"/>
       </p:ext>
     </p:extLst>
   </p:cSld>
   <p:clrMapOvr>
     <a:masterClrMapping/>
   </p:clrMapOvr>
-  <p:timing>
-    <p:tnLst>
-      <p:par>
-        <p:cTn id="1" dur="indefinite" restart="never" nodeType="tmRoot"/>
-      </p:par>
-    </p:tnLst>
-  </p:timing>
+</p:sld>
+</file>
+
+<file path=ppt/slides/slide8.xml><?xml version="1.0" encoding="utf-8"?>
+<p:sld xmlns:a="http://schemas.openxmlformats.org/drawingml/2006/main" xmlns:r="http://schemas.openxmlformats.org/officeDocument/2006/relationships" xmlns:p="http://schemas.openxmlformats.org/presentationml/2006/main">
+  <p:cSld>
+    <p:spTree>
+      <p:nvGrpSpPr>
+        <p:cNvPr id="1" name=""/>
+        <p:cNvGrpSpPr/>
+        <p:nvPr/>
+      </p:nvGrpSpPr>
+      <p:grpSpPr>
+        <a:xfrm>
+          <a:off x="0" y="0"/>
+          <a:ext cx="0" cy="0"/>
+          <a:chOff x="0" y="0"/>
+          <a:chExt cx="0" cy="0"/>
+        </a:xfrm>
+      </p:grpSpPr>
+      <p:sp>
+        <p:nvSpPr>
+          <p:cNvPr id="2" name="Title 1">
+            <a:extLst>
+              <a:ext uri="{FF2B5EF4-FFF2-40B4-BE49-F238E27FC236}">
+                <a16:creationId xmlns:a16="http://schemas.microsoft.com/office/drawing/2014/main" id="{0F97039A-7D41-4CAF-819D-A6B9B32A0406}"/>
+              </a:ext>
+            </a:extLst>
+          </p:cNvPr>
+          <p:cNvSpPr>
+            <a:spLocks noGrp="1"/>
+          </p:cNvSpPr>
+          <p:nvPr>
+            <p:ph type="title"/>
+          </p:nvPr>
+        </p:nvSpPr>
+        <p:spPr>
+          <a:xfrm>
+            <a:off x="406121" y="264642"/>
+            <a:ext cx="10515600" cy="1325563"/>
+          </a:xfrm>
+        </p:spPr>
+        <p:txBody>
+          <a:bodyPr/>
+          <a:lstStyle/>
+          <a:p>
+            <a:r>
+              <a:rPr lang="en-US" dirty="0">
+                <a:solidFill>
+                  <a:schemeClr val="tx1">
+                    <a:lumMod val="50000"/>
+                    <a:lumOff val="50000"/>
+                  </a:schemeClr>
+                </a:solidFill>
+                <a:latin typeface="Masqualero" panose="02050504080505020303" pitchFamily="18" charset="0"/>
+              </a:rPr>
+              <a:t>Puzzle example</a:t>
+            </a:r>
+          </a:p>
+        </p:txBody>
+      </p:sp>
+      <p:sp>
+        <p:nvSpPr>
+          <p:cNvPr id="3" name="Content Placeholder 2">
+            <a:extLst>
+              <a:ext uri="{FF2B5EF4-FFF2-40B4-BE49-F238E27FC236}">
+                <a16:creationId xmlns:a16="http://schemas.microsoft.com/office/drawing/2014/main" id="{EEE236EA-DFF0-4714-A618-FDC37ACEF497}"/>
+              </a:ext>
+            </a:extLst>
+          </p:cNvPr>
+          <p:cNvSpPr>
+            <a:spLocks noGrp="1"/>
+          </p:cNvSpPr>
+          <p:nvPr>
+            <p:ph idx="1"/>
+          </p:nvPr>
+        </p:nvSpPr>
+        <p:spPr>
+          <a:xfrm>
+            <a:off x="6541477" y="2506662"/>
+            <a:ext cx="4611356" cy="4351338"/>
+          </a:xfrm>
+        </p:spPr>
+        <p:txBody>
+          <a:bodyPr/>
+          <a:lstStyle/>
+          <a:p>
+            <a:pPr marL="0" indent="0" algn="ctr">
+              <a:buNone/>
+            </a:pPr>
+            <a:r>
+              <a:rPr lang="en-US" dirty="0">
+                <a:solidFill>
+                  <a:schemeClr val="tx1">
+                    <a:lumMod val="50000"/>
+                    <a:lumOff val="50000"/>
+                  </a:schemeClr>
+                </a:solidFill>
+                <a:latin typeface="Masqualero" panose="02050504080505020303" pitchFamily="18" charset="0"/>
+              </a:rPr>
+              <a:t>In this puzzle, the player will have to remember a code that was given to them earlier by the Log Lady in order to be able to open the door and proceed in the game.</a:t>
+            </a:r>
+          </a:p>
+        </p:txBody>
+      </p:sp>
+      <p:pic>
+        <p:nvPicPr>
+          <p:cNvPr id="4" name="Picture 3" descr="A picture containing screenshot&#10;&#10;Description automatically generated">
+            <a:extLst>
+              <a:ext uri="{FF2B5EF4-FFF2-40B4-BE49-F238E27FC236}">
+                <a16:creationId xmlns:a16="http://schemas.microsoft.com/office/drawing/2014/main" id="{D7C91ABC-3AED-484A-936F-C7248EE75E3F}"/>
+              </a:ext>
+            </a:extLst>
+          </p:cNvPr>
+          <p:cNvPicPr>
+            <a:picLocks noChangeAspect="1"/>
+          </p:cNvPicPr>
+          <p:nvPr/>
+        </p:nvPicPr>
+        <p:blipFill>
+          <a:blip r:embed="rId2">
+            <a:extLst>
+              <a:ext uri="{28A0092B-C50C-407E-A947-70E740481C1C}">
+                <a14:useLocalDpi xmlns:a14="http://schemas.microsoft.com/office/drawing/2010/main" val="0"/>
+              </a:ext>
+            </a:extLst>
+          </a:blip>
+          <a:stretch>
+            <a:fillRect/>
+          </a:stretch>
+        </p:blipFill>
+        <p:spPr>
+          <a:xfrm>
+            <a:off x="1363631" y="1590205"/>
+            <a:ext cx="4523837" cy="4710112"/>
+          </a:xfrm>
+          <a:prstGeom prst="rect">
+            <a:avLst/>
+          </a:prstGeom>
+        </p:spPr>
+      </p:pic>
+    </p:spTree>
+    <p:extLst>
+      <p:ext uri="{BB962C8B-B14F-4D97-AF65-F5344CB8AC3E}">
+        <p14:creationId xmlns:p14="http://schemas.microsoft.com/office/powerpoint/2010/main" val="2611044579"/>
+      </p:ext>
+    </p:extLst>
+  </p:cSld>
+  <p:clrMapOvr>
+    <a:masterClrMapping/>
+  </p:clrMapOvr>
+</p:sld>
+</file>
+
+<file path=ppt/slides/slide9.xml><?xml version="1.0" encoding="utf-8"?>
+<p:sld xmlns:a="http://schemas.openxmlformats.org/drawingml/2006/main" xmlns:r="http://schemas.openxmlformats.org/officeDocument/2006/relationships" xmlns:p="http://schemas.openxmlformats.org/presentationml/2006/main">
+  <p:cSld>
+    <p:spTree>
+      <p:nvGrpSpPr>
+        <p:cNvPr id="1" name=""/>
+        <p:cNvGrpSpPr/>
+        <p:nvPr/>
+      </p:nvGrpSpPr>
+      <p:grpSpPr>
+        <a:xfrm>
+          <a:off x="0" y="0"/>
+          <a:ext cx="0" cy="0"/>
+          <a:chOff x="0" y="0"/>
+          <a:chExt cx="0" cy="0"/>
+        </a:xfrm>
+      </p:grpSpPr>
+      <p:sp>
+        <p:nvSpPr>
+          <p:cNvPr id="2" name="Title 1">
+            <a:extLst>
+              <a:ext uri="{FF2B5EF4-FFF2-40B4-BE49-F238E27FC236}">
+                <a16:creationId xmlns:a16="http://schemas.microsoft.com/office/drawing/2014/main" id="{534E14C2-667D-4E65-8647-65ED9696EC16}"/>
+              </a:ext>
+            </a:extLst>
+          </p:cNvPr>
+          <p:cNvSpPr>
+            <a:spLocks noGrp="1"/>
+          </p:cNvSpPr>
+          <p:nvPr>
+            <p:ph type="title"/>
+          </p:nvPr>
+        </p:nvSpPr>
+        <p:spPr>
+          <a:xfrm>
+            <a:off x="607088" y="251123"/>
+            <a:ext cx="10515600" cy="1325563"/>
+          </a:xfrm>
+        </p:spPr>
+        <p:txBody>
+          <a:bodyPr/>
+          <a:lstStyle/>
+          <a:p>
+            <a:r>
+              <a:rPr lang="en-US" dirty="0">
+                <a:solidFill>
+                  <a:schemeClr val="tx1">
+                    <a:lumMod val="50000"/>
+                    <a:lumOff val="50000"/>
+                  </a:schemeClr>
+                </a:solidFill>
+                <a:latin typeface="Masqualero" panose="02050504080505020303" pitchFamily="18" charset="0"/>
+              </a:rPr>
+              <a:t>Final battle design</a:t>
+            </a:r>
+          </a:p>
+        </p:txBody>
+      </p:sp>
+      <p:sp>
+        <p:nvSpPr>
+          <p:cNvPr id="3" name="Content Placeholder 2">
+            <a:extLst>
+              <a:ext uri="{FF2B5EF4-FFF2-40B4-BE49-F238E27FC236}">
+                <a16:creationId xmlns:a16="http://schemas.microsoft.com/office/drawing/2014/main" id="{041F578A-F93B-4C86-9624-88DF472C9785}"/>
+              </a:ext>
+            </a:extLst>
+          </p:cNvPr>
+          <p:cNvSpPr>
+            <a:spLocks noGrp="1"/>
+          </p:cNvSpPr>
+          <p:nvPr>
+            <p:ph idx="1"/>
+          </p:nvPr>
+        </p:nvSpPr>
+        <p:spPr>
+          <a:xfrm>
+            <a:off x="6209882" y="1767151"/>
+            <a:ext cx="5164015" cy="4351338"/>
+          </a:xfrm>
+        </p:spPr>
+        <p:txBody>
+          <a:bodyPr>
+            <a:normAutofit fontScale="92500" lnSpcReduction="10000"/>
+          </a:bodyPr>
+          <a:lstStyle/>
+          <a:p>
+            <a:pPr marL="0" indent="0" algn="ctr">
+              <a:buNone/>
+            </a:pPr>
+            <a:r>
+              <a:rPr lang="en-US" dirty="0">
+                <a:solidFill>
+                  <a:schemeClr val="tx1">
+                    <a:lumMod val="50000"/>
+                    <a:lumOff val="50000"/>
+                  </a:schemeClr>
+                </a:solidFill>
+                <a:latin typeface="Masqualero" panose="02050504080505020303" pitchFamily="18" charset="0"/>
+              </a:rPr>
+              <a:t>For the final battle, I chose to incorporate a space invaders style battle between Agent Cooper and the coronavirus. This was my favorite level to design, as it seems like a good climax for the game and final revelation of the mystery of the game. The player has to click to shoot the virus, until it no longer takes any damage. They must then put on a mask and disinfectant they got earlier in the game and finally are able to finish the virus!</a:t>
+            </a:r>
+          </a:p>
+        </p:txBody>
+      </p:sp>
+      <p:pic>
+        <p:nvPicPr>
+          <p:cNvPr id="4" name="Picture 3" descr="A picture containing clock, drawing&#10;&#10;Description automatically generated">
+            <a:extLst>
+              <a:ext uri="{FF2B5EF4-FFF2-40B4-BE49-F238E27FC236}">
+                <a16:creationId xmlns:a16="http://schemas.microsoft.com/office/drawing/2014/main" id="{D9DCCDA1-CCFE-4CC2-B7AD-8A91C7867FE7}"/>
+              </a:ext>
+            </a:extLst>
+          </p:cNvPr>
+          <p:cNvPicPr>
+            <a:picLocks noChangeAspect="1"/>
+          </p:cNvPicPr>
+          <p:nvPr/>
+        </p:nvPicPr>
+        <p:blipFill>
+          <a:blip r:embed="rId2">
+            <a:extLst>
+              <a:ext uri="{28A0092B-C50C-407E-A947-70E740481C1C}">
+                <a14:useLocalDpi xmlns:a14="http://schemas.microsoft.com/office/drawing/2010/main" val="0"/>
+              </a:ext>
+            </a:extLst>
+          </a:blip>
+          <a:stretch>
+            <a:fillRect/>
+          </a:stretch>
+        </p:blipFill>
+        <p:spPr>
+          <a:xfrm>
+            <a:off x="902519" y="1576686"/>
+            <a:ext cx="4493444" cy="4732269"/>
+          </a:xfrm>
+          <a:prstGeom prst="rect">
+            <a:avLst/>
+          </a:prstGeom>
+        </p:spPr>
+      </p:pic>
+    </p:spTree>
+    <p:extLst>
+      <p:ext uri="{BB962C8B-B14F-4D97-AF65-F5344CB8AC3E}">
+        <p14:creationId xmlns:p14="http://schemas.microsoft.com/office/powerpoint/2010/main" val="2240383947"/>
+      </p:ext>
+    </p:extLst>
+  </p:cSld>
+  <p:clrMapOvr>
+    <a:masterClrMapping/>
+  </p:clrMapOvr>
 </p:sld>
 </file>
 
@@ -3226,44 +6129,44 @@
         <a:sysClr val="window" lastClr="FFFFFF"/>
       </a:lt1>
       <a:dk2>
-        <a:srgbClr val="1F497D"/>
+        <a:srgbClr val="44546A"/>
       </a:dk2>
       <a:lt2>
-        <a:srgbClr val="EEECE1"/>
+        <a:srgbClr val="E7E6E6"/>
       </a:lt2>
       <a:accent1>
-        <a:srgbClr val="4F81BD"/>
+        <a:srgbClr val="4472C4"/>
       </a:accent1>
       <a:accent2>
-        <a:srgbClr val="C0504D"/>
+        <a:srgbClr val="ED7D31"/>
       </a:accent2>
       <a:accent3>
-        <a:srgbClr val="9BBB59"/>
+        <a:srgbClr val="A5A5A5"/>
       </a:accent3>
       <a:accent4>
-        <a:srgbClr val="8064A2"/>
+        <a:srgbClr val="FFC000"/>
       </a:accent4>
       <a:accent5>
-        <a:srgbClr val="4BACC6"/>
+        <a:srgbClr val="5B9BD5"/>
       </a:accent5>
       <a:accent6>
-        <a:srgbClr val="F79646"/>
+        <a:srgbClr val="70AD47"/>
       </a:accent6>
       <a:hlink>
-        <a:srgbClr val="0000FF"/>
+        <a:srgbClr val="0563C1"/>
       </a:hlink>
       <a:folHlink>
-        <a:srgbClr val="800080"/>
+        <a:srgbClr val="954F72"/>
       </a:folHlink>
     </a:clrScheme>
     <a:fontScheme name="Office">
       <a:majorFont>
-        <a:latin typeface="Calibri"/>
+        <a:latin typeface="Calibri Light" panose="020F0302020204030204"/>
         <a:ea typeface=""/>
         <a:cs typeface=""/>
-        <a:font script="Jpan" typeface="ＭＳ Ｐゴシック"/>
+        <a:font script="Jpan" typeface="游ゴシック Light"/>
         <a:font script="Hang" typeface="맑은 고딕"/>
-        <a:font script="Hans" typeface="宋体"/>
+        <a:font script="Hans" typeface="等线 Light"/>
         <a:font script="Hant" typeface="新細明體"/>
         <a:font script="Arab" typeface="Times New Roman"/>
         <a:font script="Hebr" typeface="Times New Roman"/>
@@ -3291,14 +6194,31 @@
         <a:font script="Viet" typeface="Times New Roman"/>
         <a:font script="Uigh" typeface="Microsoft Uighur"/>
         <a:font script="Geor" typeface="Sylfaen"/>
+        <a:font script="Armn" typeface="Arial"/>
+        <a:font script="Bugi" typeface="Leelawadee UI"/>
+        <a:font script="Bopo" typeface="Microsoft JhengHei"/>
+        <a:font script="Java" typeface="Javanese Text"/>
+        <a:font script="Lisu" typeface="Segoe UI"/>
+        <a:font script="Mymr" typeface="Myanmar Text"/>
+        <a:font script="Nkoo" typeface="Ebrima"/>
+        <a:font script="Olck" typeface="Nirmala UI"/>
+        <a:font script="Osma" typeface="Ebrima"/>
+        <a:font script="Phag" typeface="Phagspa"/>
+        <a:font script="Syrn" typeface="Estrangelo Edessa"/>
+        <a:font script="Syrj" typeface="Estrangelo Edessa"/>
+        <a:font script="Syre" typeface="Estrangelo Edessa"/>
+        <a:font script="Sora" typeface="Nirmala UI"/>
+        <a:font script="Tale" typeface="Microsoft Tai Le"/>
+        <a:font script="Talu" typeface="Microsoft New Tai Lue"/>
+        <a:font script="Tfng" typeface="Ebrima"/>
       </a:majorFont>
       <a:minorFont>
-        <a:latin typeface="Calibri"/>
+        <a:latin typeface="Calibri" panose="020F0502020204030204"/>
         <a:ea typeface=""/>
         <a:cs typeface=""/>
-        <a:font script="Jpan" typeface="ＭＳ Ｐゴシック"/>
+        <a:font script="Jpan" typeface="游ゴシック"/>
         <a:font script="Hang" typeface="맑은 고딕"/>
-        <a:font script="Hans" typeface="宋体"/>
+        <a:font script="Hans" typeface="等线"/>
         <a:font script="Hant" typeface="新細明體"/>
         <a:font script="Arab" typeface="Arial"/>
         <a:font script="Hebr" typeface="Arial"/>
@@ -3326,6 +6246,23 @@
         <a:font script="Viet" typeface="Arial"/>
         <a:font script="Uigh" typeface="Microsoft Uighur"/>
         <a:font script="Geor" typeface="Sylfaen"/>
+        <a:font script="Armn" typeface="Arial"/>
+        <a:font script="Bugi" typeface="Leelawadee UI"/>
+        <a:font script="Bopo" typeface="Microsoft JhengHei"/>
+        <a:font script="Java" typeface="Javanese Text"/>
+        <a:font script="Lisu" typeface="Segoe UI"/>
+        <a:font script="Mymr" typeface="Myanmar Text"/>
+        <a:font script="Nkoo" typeface="Ebrima"/>
+        <a:font script="Olck" typeface="Nirmala UI"/>
+        <a:font script="Osma" typeface="Ebrima"/>
+        <a:font script="Phag" typeface="Phagspa"/>
+        <a:font script="Syrn" typeface="Estrangelo Edessa"/>
+        <a:font script="Syrj" typeface="Estrangelo Edessa"/>
+        <a:font script="Syre" typeface="Estrangelo Edessa"/>
+        <a:font script="Sora" typeface="Nirmala UI"/>
+        <a:font script="Tale" typeface="Microsoft Tai Le"/>
+        <a:font script="Talu" typeface="Microsoft New Tai Lue"/>
+        <a:font script="Tfng" typeface="Ebrima"/>
       </a:minorFont>
     </a:fontScheme>
     <a:fmtScheme name="Office">
@@ -3337,165 +6274,141 @@
           <a:gsLst>
             <a:gs pos="0">
               <a:schemeClr val="phClr">
-                <a:tint val="50000"/>
-                <a:satMod val="300000"/>
+                <a:lumMod val="110000"/>
+                <a:satMod val="105000"/>
+                <a:tint val="67000"/>
               </a:schemeClr>
             </a:gs>
-            <a:gs pos="35000">
+            <a:gs pos="50000">
               <a:schemeClr val="phClr">
-                <a:tint val="37000"/>
-                <a:satMod val="300000"/>
+                <a:lumMod val="105000"/>
+                <a:satMod val="103000"/>
+                <a:tint val="73000"/>
               </a:schemeClr>
             </a:gs>
             <a:gs pos="100000">
               <a:schemeClr val="phClr">
-                <a:tint val="15000"/>
-                <a:satMod val="350000"/>
+                <a:lumMod val="105000"/>
+                <a:satMod val="109000"/>
+                <a:tint val="81000"/>
               </a:schemeClr>
             </a:gs>
           </a:gsLst>
-          <a:lin ang="16200000" scaled="1"/>
+          <a:lin ang="5400000" scaled="0"/>
         </a:gradFill>
         <a:gradFill rotWithShape="1">
           <a:gsLst>
             <a:gs pos="0">
               <a:schemeClr val="phClr">
-                <a:shade val="51000"/>
-                <a:satMod val="130000"/>
+                <a:satMod val="103000"/>
+                <a:lumMod val="102000"/>
+                <a:tint val="94000"/>
               </a:schemeClr>
             </a:gs>
-            <a:gs pos="80000">
+            <a:gs pos="50000">
               <a:schemeClr val="phClr">
-                <a:shade val="93000"/>
-                <a:satMod val="130000"/>
+                <a:satMod val="110000"/>
+                <a:lumMod val="100000"/>
+                <a:shade val="100000"/>
               </a:schemeClr>
             </a:gs>
             <a:gs pos="100000">
               <a:schemeClr val="phClr">
-                <a:shade val="94000"/>
-                <a:satMod val="135000"/>
+                <a:lumMod val="99000"/>
+                <a:satMod val="120000"/>
+                <a:shade val="78000"/>
               </a:schemeClr>
             </a:gs>
           </a:gsLst>
-          <a:lin ang="16200000" scaled="0"/>
+          <a:lin ang="5400000" scaled="0"/>
         </a:gradFill>
       </a:fillStyleLst>
       <a:lnStyleLst>
-        <a:ln w="9525" cap="flat" cmpd="sng" algn="ctr">
-          <a:solidFill>
-            <a:schemeClr val="phClr">
-              <a:shade val="95000"/>
-              <a:satMod val="105000"/>
-            </a:schemeClr>
-          </a:solidFill>
-          <a:prstDash val="solid"/>
-        </a:ln>
-        <a:ln w="25400" cap="flat" cmpd="sng" algn="ctr">
+        <a:ln w="6350" cap="flat" cmpd="sng" algn="ctr">
           <a:solidFill>
             <a:schemeClr val="phClr"/>
           </a:solidFill>
           <a:prstDash val="solid"/>
+          <a:miter lim="800000"/>
         </a:ln>
-        <a:ln w="38100" cap="flat" cmpd="sng" algn="ctr">
+        <a:ln w="12700" cap="flat" cmpd="sng" algn="ctr">
           <a:solidFill>
             <a:schemeClr val="phClr"/>
           </a:solidFill>
           <a:prstDash val="solid"/>
+          <a:miter lim="800000"/>
+        </a:ln>
+        <a:ln w="19050" cap="flat" cmpd="sng" algn="ctr">
+          <a:solidFill>
+            <a:schemeClr val="phClr"/>
+          </a:solidFill>
+          <a:prstDash val="solid"/>
+          <a:miter lim="800000"/>
         </a:ln>
       </a:lnStyleLst>
       <a:effectStyleLst>
         <a:effectStyle>
+          <a:effectLst/>
+        </a:effectStyle>
+        <a:effectStyle>
+          <a:effectLst/>
+        </a:effectStyle>
+        <a:effectStyle>
           <a:effectLst>
-            <a:outerShdw blurRad="40000" dist="20000" dir="5400000" rotWithShape="0">
+            <a:outerShdw blurRad="57150" dist="19050" dir="5400000" algn="ctr" rotWithShape="0">
               <a:srgbClr val="000000">
-                <a:alpha val="38000"/>
+                <a:alpha val="63000"/>
               </a:srgbClr>
             </a:outerShdw>
           </a:effectLst>
-        </a:effectStyle>
-        <a:effectStyle>
-          <a:effectLst>
-            <a:outerShdw blurRad="40000" dist="23000" dir="5400000" rotWithShape="0">
-              <a:srgbClr val="000000">
-                <a:alpha val="35000"/>
-              </a:srgbClr>
-            </a:outerShdw>
-          </a:effectLst>
-        </a:effectStyle>
-        <a:effectStyle>
-          <a:effectLst>
-            <a:outerShdw blurRad="40000" dist="23000" dir="5400000" rotWithShape="0">
-              <a:srgbClr val="000000">
-                <a:alpha val="35000"/>
-              </a:srgbClr>
-            </a:outerShdw>
-          </a:effectLst>
-          <a:scene3d>
-            <a:camera prst="orthographicFront">
-              <a:rot lat="0" lon="0" rev="0"/>
-            </a:camera>
-            <a:lightRig rig="threePt" dir="t">
-              <a:rot lat="0" lon="0" rev="1200000"/>
-            </a:lightRig>
-          </a:scene3d>
-          <a:sp3d>
-            <a:bevelT w="63500" h="25400"/>
-          </a:sp3d>
         </a:effectStyle>
       </a:effectStyleLst>
       <a:bgFillStyleLst>
         <a:solidFill>
           <a:schemeClr val="phClr"/>
         </a:solidFill>
+        <a:solidFill>
+          <a:schemeClr val="phClr">
+            <a:tint val="95000"/>
+            <a:satMod val="170000"/>
+          </a:schemeClr>
+        </a:solidFill>
         <a:gradFill rotWithShape="1">
           <a:gsLst>
             <a:gs pos="0">
               <a:schemeClr val="phClr">
-                <a:tint val="40000"/>
-                <a:satMod val="350000"/>
+                <a:tint val="93000"/>
+                <a:satMod val="150000"/>
+                <a:shade val="98000"/>
+                <a:lumMod val="102000"/>
               </a:schemeClr>
             </a:gs>
-            <a:gs pos="40000">
+            <a:gs pos="50000">
               <a:schemeClr val="phClr">
-                <a:tint val="45000"/>
-                <a:shade val="99000"/>
-                <a:satMod val="350000"/>
+                <a:tint val="98000"/>
+                <a:satMod val="130000"/>
+                <a:shade val="90000"/>
+                <a:lumMod val="103000"/>
               </a:schemeClr>
             </a:gs>
             <a:gs pos="100000">
               <a:schemeClr val="phClr">
-                <a:shade val="20000"/>
-                <a:satMod val="255000"/>
+                <a:shade val="63000"/>
+                <a:satMod val="120000"/>
               </a:schemeClr>
             </a:gs>
           </a:gsLst>
-          <a:path path="circle">
-            <a:fillToRect l="50000" t="-80000" r="50000" b="180000"/>
-          </a:path>
-        </a:gradFill>
-        <a:gradFill rotWithShape="1">
-          <a:gsLst>
-            <a:gs pos="0">
-              <a:schemeClr val="phClr">
-                <a:tint val="80000"/>
-                <a:satMod val="300000"/>
-              </a:schemeClr>
-            </a:gs>
-            <a:gs pos="100000">
-              <a:schemeClr val="phClr">
-                <a:shade val="30000"/>
-                <a:satMod val="200000"/>
-              </a:schemeClr>
-            </a:gs>
-          </a:gsLst>
-          <a:path path="circle">
-            <a:fillToRect l="50000" t="50000" r="50000" b="50000"/>
-          </a:path>
+          <a:lin ang="5400000" scaled="0"/>
         </a:gradFill>
       </a:bgFillStyleLst>
     </a:fmtScheme>
   </a:themeElements>
   <a:objectDefaults/>
   <a:extraClrSchemeLst/>
+  <a:extLst>
+    <a:ext uri="{05A4C25C-085E-4340-85A3-A5531E510DB2}">
+      <thm15:themeFamily xmlns:thm15="http://schemas.microsoft.com/office/thememl/2012/main" name="Office Theme" id="{62F939B6-93AF-4DB8-9C6B-D6C7DFDC589F}" vid="{4A3C46E8-61CC-4603-A589-7422A47A8E4A}"/>
+    </a:ext>
+  </a:extLst>
 </a:theme>
 </file>